--- a/FIGURE/RegDisc/RegDiscontinuity.pptx
+++ b/FIGURE/RegDisc/RegDiscontinuity.pptx
@@ -5,14 +5,16 @@
     <p:sldMasterId id="2147483648" r:id="rId1"/>
   </p:sldMasterIdLst>
   <p:sldIdLst>
-    <p:sldId id="258" r:id="rId2"/>
-    <p:sldId id="270" r:id="rId3"/>
-    <p:sldId id="271" r:id="rId4"/>
-    <p:sldId id="265" r:id="rId5"/>
-    <p:sldId id="273" r:id="rId6"/>
-    <p:sldId id="274" r:id="rId7"/>
-    <p:sldId id="275" r:id="rId8"/>
-    <p:sldId id="276" r:id="rId9"/>
+    <p:sldId id="277" r:id="rId2"/>
+    <p:sldId id="278" r:id="rId3"/>
+    <p:sldId id="258" r:id="rId4"/>
+    <p:sldId id="270" r:id="rId5"/>
+    <p:sldId id="271" r:id="rId6"/>
+    <p:sldId id="265" r:id="rId7"/>
+    <p:sldId id="273" r:id="rId8"/>
+    <p:sldId id="274" r:id="rId9"/>
+    <p:sldId id="275" r:id="rId10"/>
+    <p:sldId id="276" r:id="rId11"/>
   </p:sldIdLst>
   <p:sldSz cx="12192000" cy="6858000"/>
   <p:notesSz cx="6858000" cy="9144000"/>
@@ -248,7 +250,7 @@
           <a:p>
             <a:fld id="{23F529E9-E3AD-42B3-AF4D-86F77E4AD1E1}" type="datetimeFigureOut">
               <a:rPr lang="en-US" smtClean="0"/>
-              <a:t>4/17/2019</a:t>
+              <a:t>4/14/2020</a:t>
             </a:fld>
             <a:endParaRPr lang="en-US"/>
           </a:p>
@@ -416,7 +418,7 @@
           <a:p>
             <a:fld id="{23F529E9-E3AD-42B3-AF4D-86F77E4AD1E1}" type="datetimeFigureOut">
               <a:rPr lang="en-US" smtClean="0"/>
-              <a:t>4/17/2019</a:t>
+              <a:t>4/14/2020</a:t>
             </a:fld>
             <a:endParaRPr lang="en-US"/>
           </a:p>
@@ -594,7 +596,7 @@
           <a:p>
             <a:fld id="{23F529E9-E3AD-42B3-AF4D-86F77E4AD1E1}" type="datetimeFigureOut">
               <a:rPr lang="en-US" smtClean="0"/>
-              <a:t>4/17/2019</a:t>
+              <a:t>4/14/2020</a:t>
             </a:fld>
             <a:endParaRPr lang="en-US"/>
           </a:p>
@@ -762,7 +764,7 @@
           <a:p>
             <a:fld id="{23F529E9-E3AD-42B3-AF4D-86F77E4AD1E1}" type="datetimeFigureOut">
               <a:rPr lang="en-US" smtClean="0"/>
-              <a:t>4/17/2019</a:t>
+              <a:t>4/14/2020</a:t>
             </a:fld>
             <a:endParaRPr lang="en-US"/>
           </a:p>
@@ -1007,7 +1009,7 @@
           <a:p>
             <a:fld id="{23F529E9-E3AD-42B3-AF4D-86F77E4AD1E1}" type="datetimeFigureOut">
               <a:rPr lang="en-US" smtClean="0"/>
-              <a:t>4/17/2019</a:t>
+              <a:t>4/14/2020</a:t>
             </a:fld>
             <a:endParaRPr lang="en-US"/>
           </a:p>
@@ -1236,7 +1238,7 @@
           <a:p>
             <a:fld id="{23F529E9-E3AD-42B3-AF4D-86F77E4AD1E1}" type="datetimeFigureOut">
               <a:rPr lang="en-US" smtClean="0"/>
-              <a:t>4/17/2019</a:t>
+              <a:t>4/14/2020</a:t>
             </a:fld>
             <a:endParaRPr lang="en-US"/>
           </a:p>
@@ -1600,7 +1602,7 @@
           <a:p>
             <a:fld id="{23F529E9-E3AD-42B3-AF4D-86F77E4AD1E1}" type="datetimeFigureOut">
               <a:rPr lang="en-US" smtClean="0"/>
-              <a:t>4/17/2019</a:t>
+              <a:t>4/14/2020</a:t>
             </a:fld>
             <a:endParaRPr lang="en-US"/>
           </a:p>
@@ -1717,7 +1719,7 @@
           <a:p>
             <a:fld id="{23F529E9-E3AD-42B3-AF4D-86F77E4AD1E1}" type="datetimeFigureOut">
               <a:rPr lang="en-US" smtClean="0"/>
-              <a:t>4/17/2019</a:t>
+              <a:t>4/14/2020</a:t>
             </a:fld>
             <a:endParaRPr lang="en-US"/>
           </a:p>
@@ -1812,7 +1814,7 @@
           <a:p>
             <a:fld id="{23F529E9-E3AD-42B3-AF4D-86F77E4AD1E1}" type="datetimeFigureOut">
               <a:rPr lang="en-US" smtClean="0"/>
-              <a:t>4/17/2019</a:t>
+              <a:t>4/14/2020</a:t>
             </a:fld>
             <a:endParaRPr lang="en-US"/>
           </a:p>
@@ -2087,7 +2089,7 @@
           <a:p>
             <a:fld id="{23F529E9-E3AD-42B3-AF4D-86F77E4AD1E1}" type="datetimeFigureOut">
               <a:rPr lang="en-US" smtClean="0"/>
-              <a:t>4/17/2019</a:t>
+              <a:t>4/14/2020</a:t>
             </a:fld>
             <a:endParaRPr lang="en-US"/>
           </a:p>
@@ -2339,7 +2341,7 @@
           <a:p>
             <a:fld id="{23F529E9-E3AD-42B3-AF4D-86F77E4AD1E1}" type="datetimeFigureOut">
               <a:rPr lang="en-US" smtClean="0"/>
-              <a:t>4/17/2019</a:t>
+              <a:t>4/14/2020</a:t>
             </a:fld>
             <a:endParaRPr lang="en-US"/>
           </a:p>
@@ -2550,7 +2552,7 @@
           <a:p>
             <a:fld id="{23F529E9-E3AD-42B3-AF4D-86F77E4AD1E1}" type="datetimeFigureOut">
               <a:rPr lang="en-US" smtClean="0"/>
-              <a:t>4/17/2019</a:t>
+              <a:t>4/14/2020</a:t>
             </a:fld>
             <a:endParaRPr lang="en-US"/>
           </a:p>
@@ -3098,72 +3100,576 @@
           <a:lstStyle/>
           <a:p>
             <a:r>
-              <a:rPr lang="en-US" sz="2400" b="1" dirty="0" smtClean="0">
+              <a:rPr lang="en-US" sz="2400" b="1" dirty="0">
                 <a:solidFill>
                   <a:schemeClr val="bg2">
                     <a:lumMod val="75000"/>
                   </a:schemeClr>
                 </a:solidFill>
               </a:rPr>
-              <a:t>Income</a:t>
-            </a:r>
-            <a:endParaRPr lang="en-US" sz="2400" b="1" dirty="0">
-              <a:solidFill>
-                <a:schemeClr val="bg2">
-                  <a:lumMod val="75000"/>
-                </a:schemeClr>
-              </a:solidFill>
-            </a:endParaRPr>
-          </a:p>
-        </p:txBody>
-      </p:sp>
-      <p:sp>
-        <p:nvSpPr>
-          <p:cNvPr id="23" name="TextBox 22"/>
-          <p:cNvSpPr txBox="1"/>
-          <p:nvPr/>
-        </p:nvSpPr>
-        <p:spPr>
-          <a:xfrm rot="16200000">
-            <a:off x="538075" y="1756679"/>
-            <a:ext cx="2760450" cy="461665"/>
-          </a:xfrm>
-          <a:prstGeom prst="rect">
-            <a:avLst/>
-          </a:prstGeom>
-          <a:noFill/>
-        </p:spPr>
-        <p:txBody>
-          <a:bodyPr wrap="square" rtlCol="0">
-            <a:spAutoFit/>
-          </a:bodyPr>
-          <a:lstStyle/>
-          <a:p>
-            <a:pPr algn="ctr"/>
-            <a:r>
-              <a:rPr lang="en-US" sz="2400" b="1" dirty="0" smtClean="0">
+              <a:t>9</a:t>
+            </a:r>
+            <a:r>
+              <a:rPr lang="en-US" sz="2400" b="1" baseline="30000" dirty="0">
                 <a:solidFill>
                   <a:schemeClr val="bg2">
                     <a:lumMod val="75000"/>
                   </a:schemeClr>
                 </a:solidFill>
               </a:rPr>
-              <a:t>College enrollment</a:t>
-            </a:r>
-            <a:endParaRPr lang="en-US" sz="2400" b="1" dirty="0">
-              <a:solidFill>
-                <a:schemeClr val="bg2">
-                  <a:lumMod val="75000"/>
-                </a:schemeClr>
-              </a:solidFill>
-            </a:endParaRPr>
+              <a:t>th</a:t>
+            </a:r>
+            <a:r>
+              <a:rPr lang="en-US" sz="2400" b="1" dirty="0">
+                <a:solidFill>
+                  <a:schemeClr val="bg2">
+                    <a:lumMod val="75000"/>
+                  </a:schemeClr>
+                </a:solidFill>
+              </a:rPr>
+              <a:t> Grade Standardized Test</a:t>
+            </a:r>
+          </a:p>
+        </p:txBody>
+      </p:sp>
+      <p:sp>
+        <p:nvSpPr>
+          <p:cNvPr id="23" name="TextBox 22"/>
+          <p:cNvSpPr txBox="1"/>
+          <p:nvPr/>
+        </p:nvSpPr>
+        <p:spPr>
+          <a:xfrm rot="16200000">
+            <a:off x="787427" y="1507327"/>
+            <a:ext cx="2261749" cy="461665"/>
+          </a:xfrm>
+          <a:prstGeom prst="rect">
+            <a:avLst/>
+          </a:prstGeom>
+          <a:noFill/>
+        </p:spPr>
+        <p:txBody>
+          <a:bodyPr wrap="square" rtlCol="0">
+            <a:spAutoFit/>
+          </a:bodyPr>
+          <a:lstStyle/>
+          <a:p>
+            <a:pPr algn="ctr"/>
+            <a:r>
+              <a:rPr lang="en-US" sz="2400" b="1" dirty="0">
+                <a:solidFill>
+                  <a:schemeClr val="bg2">
+                    <a:lumMod val="75000"/>
+                  </a:schemeClr>
+                </a:solidFill>
+              </a:rPr>
+              <a:t>College GPA</a:t>
+            </a:r>
+          </a:p>
+        </p:txBody>
+      </p:sp>
+      <p:sp>
+        <p:nvSpPr>
+          <p:cNvPr id="9" name="TextBox 8">
+            <a:extLst>
+              <a:ext uri="{FF2B5EF4-FFF2-40B4-BE49-F238E27FC236}">
+                <a16:creationId xmlns:a16="http://schemas.microsoft.com/office/drawing/2014/main" id="{C6CF50B5-51EC-4941-BBB4-E4FEFB424D5B}"/>
+              </a:ext>
+            </a:extLst>
+          </p:cNvPr>
+          <p:cNvSpPr txBox="1"/>
+          <p:nvPr/>
+        </p:nvSpPr>
+        <p:spPr>
+          <a:xfrm>
+            <a:off x="3990632" y="769330"/>
+            <a:ext cx="1945000" cy="400110"/>
+          </a:xfrm>
+          <a:prstGeom prst="rect">
+            <a:avLst/>
+          </a:prstGeom>
+          <a:noFill/>
+        </p:spPr>
+        <p:txBody>
+          <a:bodyPr wrap="square" rtlCol="0">
+            <a:spAutoFit/>
+          </a:bodyPr>
+          <a:lstStyle/>
+          <a:p>
+            <a:pPr algn="ctr"/>
+            <a:r>
+              <a:rPr lang="en-US" sz="2000" b="1" dirty="0">
+                <a:solidFill>
+                  <a:srgbClr val="C00000"/>
+                </a:solidFill>
+              </a:rPr>
+              <a:t>Threshold</a:t>
+            </a:r>
+          </a:p>
+        </p:txBody>
+      </p:sp>
+      <p:cxnSp>
+        <p:nvCxnSpPr>
+          <p:cNvPr id="10" name="Straight Connector 9">
+            <a:extLst>
+              <a:ext uri="{FF2B5EF4-FFF2-40B4-BE49-F238E27FC236}">
+                <a16:creationId xmlns:a16="http://schemas.microsoft.com/office/drawing/2014/main" id="{767E2793-4207-4A5A-A30E-04880F1042DC}"/>
+              </a:ext>
+            </a:extLst>
+          </p:cNvPr>
+          <p:cNvCxnSpPr>
+            <a:stCxn id="9" idx="2"/>
+          </p:cNvCxnSpPr>
+          <p:nvPr/>
+        </p:nvCxnSpPr>
+        <p:spPr>
+          <a:xfrm flipH="1">
+            <a:off x="4906447" y="1169440"/>
+            <a:ext cx="56685" cy="3588823"/>
+          </a:xfrm>
+          <a:prstGeom prst="line">
+            <a:avLst/>
+          </a:prstGeom>
+          <a:ln w="57150">
+            <a:solidFill>
+              <a:srgbClr val="C00000"/>
+            </a:solidFill>
+          </a:ln>
+        </p:spPr>
+        <p:style>
+          <a:lnRef idx="1">
+            <a:schemeClr val="accent1"/>
+          </a:lnRef>
+          <a:fillRef idx="0">
+            <a:schemeClr val="accent1"/>
+          </a:fillRef>
+          <a:effectRef idx="0">
+            <a:schemeClr val="accent1"/>
+          </a:effectRef>
+          <a:fontRef idx="minor">
+            <a:schemeClr val="tx1"/>
+          </a:fontRef>
+        </p:style>
+      </p:cxnSp>
+      <p:sp>
+        <p:nvSpPr>
+          <p:cNvPr id="5" name="Oval 4">
+            <a:extLst>
+              <a:ext uri="{FF2B5EF4-FFF2-40B4-BE49-F238E27FC236}">
+                <a16:creationId xmlns:a16="http://schemas.microsoft.com/office/drawing/2014/main" id="{7B6AE33A-955A-4975-B27E-8C46D3472D2C}"/>
+              </a:ext>
+            </a:extLst>
+          </p:cNvPr>
+          <p:cNvSpPr/>
+          <p:nvPr/>
+        </p:nvSpPr>
+        <p:spPr>
+          <a:xfrm>
+            <a:off x="6377797" y="2731129"/>
+            <a:ext cx="251670" cy="260059"/>
+          </a:xfrm>
+          <a:prstGeom prst="ellipse">
+            <a:avLst/>
+          </a:prstGeom>
+          <a:solidFill>
+            <a:srgbClr val="C00000"/>
+          </a:solidFill>
+          <a:ln>
+            <a:noFill/>
+          </a:ln>
+        </p:spPr>
+        <p:style>
+          <a:lnRef idx="2">
+            <a:schemeClr val="accent1">
+              <a:shade val="50000"/>
+            </a:schemeClr>
+          </a:lnRef>
+          <a:fillRef idx="1">
+            <a:schemeClr val="accent1"/>
+          </a:fillRef>
+          <a:effectRef idx="0">
+            <a:schemeClr val="accent1"/>
+          </a:effectRef>
+          <a:fontRef idx="minor">
+            <a:schemeClr val="lt1"/>
+          </a:fontRef>
+        </p:style>
+        <p:txBody>
+          <a:bodyPr rtlCol="0" anchor="ctr"/>
+          <a:lstStyle/>
+          <a:p>
+            <a:pPr algn="ctr"/>
+            <a:endParaRPr lang="en-US"/>
+          </a:p>
+        </p:txBody>
+      </p:sp>
+      <p:sp>
+        <p:nvSpPr>
+          <p:cNvPr id="13" name="Oval 12">
+            <a:extLst>
+              <a:ext uri="{FF2B5EF4-FFF2-40B4-BE49-F238E27FC236}">
+                <a16:creationId xmlns:a16="http://schemas.microsoft.com/office/drawing/2014/main" id="{3F9A519B-8C50-4B9C-86A8-5E8A51B6ADC9}"/>
+              </a:ext>
+            </a:extLst>
+          </p:cNvPr>
+          <p:cNvSpPr/>
+          <p:nvPr/>
+        </p:nvSpPr>
+        <p:spPr>
+          <a:xfrm>
+            <a:off x="3527467" y="3435943"/>
+            <a:ext cx="251670" cy="260059"/>
+          </a:xfrm>
+          <a:prstGeom prst="ellipse">
+            <a:avLst/>
+          </a:prstGeom>
+          <a:solidFill>
+            <a:srgbClr val="C00000"/>
+          </a:solidFill>
+          <a:ln>
+            <a:noFill/>
+          </a:ln>
+        </p:spPr>
+        <p:style>
+          <a:lnRef idx="2">
+            <a:schemeClr val="accent1">
+              <a:shade val="50000"/>
+            </a:schemeClr>
+          </a:lnRef>
+          <a:fillRef idx="1">
+            <a:schemeClr val="accent1"/>
+          </a:fillRef>
+          <a:effectRef idx="0">
+            <a:schemeClr val="accent1"/>
+          </a:effectRef>
+          <a:fontRef idx="minor">
+            <a:schemeClr val="lt1"/>
+          </a:fontRef>
+        </p:style>
+        <p:txBody>
+          <a:bodyPr rtlCol="0" anchor="ctr"/>
+          <a:lstStyle/>
+          <a:p>
+            <a:pPr algn="ctr"/>
+            <a:endParaRPr lang="en-US"/>
+          </a:p>
+        </p:txBody>
+      </p:sp>
+      <p:cxnSp>
+        <p:nvCxnSpPr>
+          <p:cNvPr id="7" name="Straight Arrow Connector 6">
+            <a:extLst>
+              <a:ext uri="{FF2B5EF4-FFF2-40B4-BE49-F238E27FC236}">
+                <a16:creationId xmlns:a16="http://schemas.microsoft.com/office/drawing/2014/main" id="{3105056A-0D78-4EC2-85A7-7B33C58F71BB}"/>
+              </a:ext>
+            </a:extLst>
+          </p:cNvPr>
+          <p:cNvCxnSpPr/>
+          <p:nvPr/>
+        </p:nvCxnSpPr>
+        <p:spPr>
+          <a:xfrm>
+            <a:off x="5126247" y="1866122"/>
+            <a:ext cx="528104" cy="0"/>
+          </a:xfrm>
+          <a:prstGeom prst="straightConnector1">
+            <a:avLst/>
+          </a:prstGeom>
+          <a:ln w="44450">
+            <a:solidFill>
+              <a:srgbClr val="C00000"/>
+            </a:solidFill>
+            <a:tailEnd type="triangle"/>
+          </a:ln>
+        </p:spPr>
+        <p:style>
+          <a:lnRef idx="1">
+            <a:schemeClr val="accent1"/>
+          </a:lnRef>
+          <a:fillRef idx="0">
+            <a:schemeClr val="accent1"/>
+          </a:fillRef>
+          <a:effectRef idx="0">
+            <a:schemeClr val="accent1"/>
+          </a:effectRef>
+          <a:fontRef idx="minor">
+            <a:schemeClr val="tx1"/>
+          </a:fontRef>
+        </p:style>
+      </p:cxnSp>
+      <p:sp>
+        <p:nvSpPr>
+          <p:cNvPr id="15" name="TextBox 14">
+            <a:extLst>
+              <a:ext uri="{FF2B5EF4-FFF2-40B4-BE49-F238E27FC236}">
+                <a16:creationId xmlns:a16="http://schemas.microsoft.com/office/drawing/2014/main" id="{9744B20D-335E-44DF-8805-5AA546E7FBFA}"/>
+              </a:ext>
+            </a:extLst>
+          </p:cNvPr>
+          <p:cNvSpPr txBox="1"/>
+          <p:nvPr/>
+        </p:nvSpPr>
+        <p:spPr>
+          <a:xfrm>
+            <a:off x="5690336" y="1666067"/>
+            <a:ext cx="1945000" cy="400110"/>
+          </a:xfrm>
+          <a:prstGeom prst="rect">
+            <a:avLst/>
+          </a:prstGeom>
+          <a:noFill/>
+        </p:spPr>
+        <p:txBody>
+          <a:bodyPr wrap="square" rtlCol="0">
+            <a:spAutoFit/>
+          </a:bodyPr>
+          <a:lstStyle/>
+          <a:p>
+            <a:pPr algn="ctr"/>
+            <a:r>
+              <a:rPr lang="en-US" sz="2000" dirty="0">
+                <a:solidFill>
+                  <a:srgbClr val="C00000"/>
+                </a:solidFill>
+              </a:rPr>
+              <a:t>Honors Courses</a:t>
+            </a:r>
+          </a:p>
+        </p:txBody>
+      </p:sp>
+      <p:cxnSp>
+        <p:nvCxnSpPr>
+          <p:cNvPr id="14" name="Straight Connector 13">
+            <a:extLst>
+              <a:ext uri="{FF2B5EF4-FFF2-40B4-BE49-F238E27FC236}">
+                <a16:creationId xmlns:a16="http://schemas.microsoft.com/office/drawing/2014/main" id="{DFAF05D7-7B95-40C2-B8BA-E94BFC7ACA15}"/>
+              </a:ext>
+            </a:extLst>
+          </p:cNvPr>
+          <p:cNvCxnSpPr>
+            <a:stCxn id="5" idx="2"/>
+          </p:cNvCxnSpPr>
+          <p:nvPr/>
+        </p:nvCxnSpPr>
+        <p:spPr>
+          <a:xfrm flipH="1">
+            <a:off x="2208362" y="2861159"/>
+            <a:ext cx="4169435" cy="7875"/>
+          </a:xfrm>
+          <a:prstGeom prst="line">
+            <a:avLst/>
+          </a:prstGeom>
+          <a:ln w="15875">
+            <a:solidFill>
+              <a:schemeClr val="tx1">
+                <a:lumMod val="65000"/>
+                <a:lumOff val="35000"/>
+              </a:schemeClr>
+            </a:solidFill>
+            <a:prstDash val="dash"/>
+          </a:ln>
+        </p:spPr>
+        <p:style>
+          <a:lnRef idx="1">
+            <a:schemeClr val="accent1"/>
+          </a:lnRef>
+          <a:fillRef idx="0">
+            <a:schemeClr val="accent1"/>
+          </a:fillRef>
+          <a:effectRef idx="0">
+            <a:schemeClr val="accent1"/>
+          </a:effectRef>
+          <a:fontRef idx="minor">
+            <a:schemeClr val="tx1"/>
+          </a:fontRef>
+        </p:style>
+      </p:cxnSp>
+      <p:cxnSp>
+        <p:nvCxnSpPr>
+          <p:cNvPr id="19" name="Straight Connector 18">
+            <a:extLst>
+              <a:ext uri="{FF2B5EF4-FFF2-40B4-BE49-F238E27FC236}">
+                <a16:creationId xmlns:a16="http://schemas.microsoft.com/office/drawing/2014/main" id="{D7DA08BA-DB4B-478D-907F-52BCD9827474}"/>
+              </a:ext>
+            </a:extLst>
+          </p:cNvPr>
+          <p:cNvCxnSpPr>
+            <a:cxnSpLocks/>
+            <a:stCxn id="13" idx="2"/>
+          </p:cNvCxnSpPr>
+          <p:nvPr/>
+        </p:nvCxnSpPr>
+        <p:spPr>
+          <a:xfrm flipH="1">
+            <a:off x="2260123" y="3565973"/>
+            <a:ext cx="1267344" cy="0"/>
+          </a:xfrm>
+          <a:prstGeom prst="line">
+            <a:avLst/>
+          </a:prstGeom>
+          <a:ln w="15875">
+            <a:solidFill>
+              <a:schemeClr val="tx1">
+                <a:lumMod val="65000"/>
+                <a:lumOff val="35000"/>
+              </a:schemeClr>
+            </a:solidFill>
+            <a:prstDash val="dash"/>
+          </a:ln>
+        </p:spPr>
+        <p:style>
+          <a:lnRef idx="1">
+            <a:schemeClr val="accent1"/>
+          </a:lnRef>
+          <a:fillRef idx="0">
+            <a:schemeClr val="accent1"/>
+          </a:fillRef>
+          <a:effectRef idx="0">
+            <a:schemeClr val="accent1"/>
+          </a:effectRef>
+          <a:fontRef idx="minor">
+            <a:schemeClr val="tx1"/>
+          </a:fontRef>
+        </p:style>
+      </p:cxnSp>
+      <p:sp>
+        <p:nvSpPr>
+          <p:cNvPr id="36" name="TextBox 35">
+            <a:extLst>
+              <a:ext uri="{FF2B5EF4-FFF2-40B4-BE49-F238E27FC236}">
+                <a16:creationId xmlns:a16="http://schemas.microsoft.com/office/drawing/2014/main" id="{84F39D18-739A-4869-81D7-81D60A74BFDD}"/>
+              </a:ext>
+            </a:extLst>
+          </p:cNvPr>
+          <p:cNvSpPr txBox="1"/>
+          <p:nvPr/>
+        </p:nvSpPr>
+        <p:spPr>
+          <a:xfrm>
+            <a:off x="2680802" y="3110824"/>
+            <a:ext cx="1945000" cy="338554"/>
+          </a:xfrm>
+          <a:prstGeom prst="rect">
+            <a:avLst/>
+          </a:prstGeom>
+          <a:noFill/>
+        </p:spPr>
+        <p:txBody>
+          <a:bodyPr wrap="square" rtlCol="0">
+            <a:spAutoFit/>
+          </a:bodyPr>
+          <a:lstStyle/>
+          <a:p>
+            <a:pPr algn="ctr"/>
+            <a:r>
+              <a:rPr lang="en-US" sz="1600" dirty="0">
+                <a:solidFill>
+                  <a:srgbClr val="C00000"/>
+                </a:solidFill>
+              </a:rPr>
+              <a:t>Ave Y</a:t>
+            </a:r>
+          </a:p>
+        </p:txBody>
+      </p:sp>
+      <p:sp>
+        <p:nvSpPr>
+          <p:cNvPr id="37" name="TextBox 36">
+            <a:extLst>
+              <a:ext uri="{FF2B5EF4-FFF2-40B4-BE49-F238E27FC236}">
+                <a16:creationId xmlns:a16="http://schemas.microsoft.com/office/drawing/2014/main" id="{764A3B48-87E9-4CF9-A35D-C86ACA3B4344}"/>
+              </a:ext>
+            </a:extLst>
+          </p:cNvPr>
+          <p:cNvSpPr txBox="1"/>
+          <p:nvPr/>
+        </p:nvSpPr>
+        <p:spPr>
+          <a:xfrm>
+            <a:off x="5521130" y="2377790"/>
+            <a:ext cx="1945000" cy="338554"/>
+          </a:xfrm>
+          <a:prstGeom prst="rect">
+            <a:avLst/>
+          </a:prstGeom>
+          <a:noFill/>
+        </p:spPr>
+        <p:txBody>
+          <a:bodyPr wrap="square" rtlCol="0">
+            <a:spAutoFit/>
+          </a:bodyPr>
+          <a:lstStyle/>
+          <a:p>
+            <a:pPr algn="ctr"/>
+            <a:r>
+              <a:rPr lang="en-US" sz="1600" dirty="0">
+                <a:solidFill>
+                  <a:srgbClr val="C00000"/>
+                </a:solidFill>
+              </a:rPr>
+              <a:t>Ave Y</a:t>
+            </a:r>
           </a:p>
         </p:txBody>
       </p:sp>
     </p:spTree>
     <p:extLst>
       <p:ext uri="{BB962C8B-B14F-4D97-AF65-F5344CB8AC3E}">
-        <p14:creationId xmlns:p14="http://schemas.microsoft.com/office/powerpoint/2010/main" val="1010670321"/>
+        <p14:creationId xmlns:p14="http://schemas.microsoft.com/office/powerpoint/2010/main" val="1794964099"/>
+      </p:ext>
+    </p:extLst>
+  </p:cSld>
+  <p:clrMapOvr>
+    <a:masterClrMapping/>
+  </p:clrMapOvr>
+</p:sld>
+</file>
+
+<file path=ppt/slides/slide10.xml><?xml version="1.0" encoding="utf-8"?>
+<p:sld xmlns:a="http://schemas.openxmlformats.org/drawingml/2006/main" xmlns:r="http://schemas.openxmlformats.org/officeDocument/2006/relationships" xmlns:p="http://schemas.openxmlformats.org/presentationml/2006/main">
+  <p:cSld>
+    <p:spTree>
+      <p:nvGrpSpPr>
+        <p:cNvPr id="1" name=""/>
+        <p:cNvGrpSpPr/>
+        <p:nvPr/>
+      </p:nvGrpSpPr>
+      <p:grpSpPr>
+        <a:xfrm>
+          <a:off x="0" y="0"/>
+          <a:ext cx="0" cy="0"/>
+          <a:chOff x="0" y="0"/>
+          <a:chExt cx="0" cy="0"/>
+        </a:xfrm>
+      </p:grpSpPr>
+      <p:pic>
+        <p:nvPicPr>
+          <p:cNvPr id="5" name="Picture 4"/>
+          <p:cNvPicPr>
+            <a:picLocks noChangeAspect="1"/>
+          </p:cNvPicPr>
+          <p:nvPr/>
+        </p:nvPicPr>
+        <p:blipFill>
+          <a:blip r:embed="rId2"/>
+          <a:stretch>
+            <a:fillRect/>
+          </a:stretch>
+        </p:blipFill>
+        <p:spPr>
+          <a:xfrm>
+            <a:off x="3633002" y="2206646"/>
+            <a:ext cx="4925995" cy="2444708"/>
+          </a:xfrm>
+          <a:prstGeom prst="rect">
+            <a:avLst/>
+          </a:prstGeom>
+        </p:spPr>
+      </p:pic>
+    </p:spTree>
+    <p:extLst>
+      <p:ext uri="{BB962C8B-B14F-4D97-AF65-F5344CB8AC3E}">
+        <p14:creationId xmlns:p14="http://schemas.microsoft.com/office/powerpoint/2010/main" val="636769939"/>
       </p:ext>
     </p:extLst>
   </p:cSld>
@@ -3190,457 +3696,699 @@
           <a:chExt cx="0" cy="0"/>
         </a:xfrm>
       </p:grpSpPr>
-      <p:cxnSp>
-        <p:nvCxnSpPr>
-          <p:cNvPr id="2" name="Straight Arrow Connector 1"/>
-          <p:cNvCxnSpPr/>
+      <p:grpSp>
+        <p:nvGrpSpPr>
+          <p:cNvPr id="4" name="Group 3">
+            <a:extLst>
+              <a:ext uri="{FF2B5EF4-FFF2-40B4-BE49-F238E27FC236}">
+                <a16:creationId xmlns:a16="http://schemas.microsoft.com/office/drawing/2014/main" id="{9D445C19-2EE6-45A1-9375-B2F54EC62D9C}"/>
+              </a:ext>
+            </a:extLst>
+          </p:cNvPr>
+          <p:cNvGrpSpPr/>
           <p:nvPr/>
-        </p:nvCxnSpPr>
-        <p:spPr>
-          <a:xfrm flipV="1">
-            <a:off x="2234242" y="750498"/>
-            <a:ext cx="0" cy="3994030"/>
-          </a:xfrm>
-          <a:prstGeom prst="straightConnector1">
-            <a:avLst/>
-          </a:prstGeom>
-          <a:ln w="57150">
-            <a:solidFill>
-              <a:schemeClr val="bg2">
-                <a:lumMod val="75000"/>
-              </a:schemeClr>
-            </a:solidFill>
-            <a:tailEnd type="triangle"/>
-          </a:ln>
-        </p:spPr>
-        <p:style>
-          <a:lnRef idx="1">
-            <a:schemeClr val="accent1"/>
-          </a:lnRef>
-          <a:fillRef idx="0">
-            <a:schemeClr val="accent1"/>
-          </a:fillRef>
-          <a:effectRef idx="0">
-            <a:schemeClr val="accent1"/>
-          </a:effectRef>
-          <a:fontRef idx="minor">
-            <a:schemeClr val="tx1"/>
-          </a:fontRef>
-        </p:style>
-      </p:cxnSp>
-      <p:sp>
-        <p:nvSpPr>
-          <p:cNvPr id="8" name="TextBox 7"/>
-          <p:cNvSpPr txBox="1"/>
-          <p:nvPr/>
-        </p:nvSpPr>
-        <p:spPr>
-          <a:xfrm rot="16200000">
-            <a:off x="538075" y="1756679"/>
-            <a:ext cx="2760450" cy="461665"/>
-          </a:xfrm>
-          <a:prstGeom prst="rect">
-            <a:avLst/>
-          </a:prstGeom>
-          <a:noFill/>
-        </p:spPr>
-        <p:txBody>
-          <a:bodyPr wrap="square" rtlCol="0">
-            <a:spAutoFit/>
-          </a:bodyPr>
-          <a:lstStyle/>
-          <a:p>
-            <a:pPr algn="ctr"/>
-            <a:r>
-              <a:rPr lang="en-US" sz="2400" b="1" dirty="0" smtClean="0">
-                <a:solidFill>
-                  <a:schemeClr val="bg2">
-                    <a:lumMod val="75000"/>
-                  </a:schemeClr>
-                </a:solidFill>
-              </a:rPr>
-              <a:t>College enrollment</a:t>
-            </a:r>
-            <a:endParaRPr lang="en-US" sz="2400" b="1" dirty="0">
+        </p:nvGrpSpPr>
+        <p:grpSpPr>
+          <a:xfrm>
+            <a:off x="1687469" y="607285"/>
+            <a:ext cx="6356664" cy="4598908"/>
+            <a:chOff x="1687469" y="607285"/>
+            <a:chExt cx="6356664" cy="4598908"/>
+          </a:xfrm>
+        </p:grpSpPr>
+        <p:cxnSp>
+          <p:nvCxnSpPr>
+            <p:cNvPr id="2" name="Straight Arrow Connector 1"/>
+            <p:cNvCxnSpPr/>
+            <p:nvPr/>
+          </p:nvCxnSpPr>
+          <p:spPr>
+            <a:xfrm flipV="1">
+              <a:off x="2234242" y="750498"/>
+              <a:ext cx="0" cy="3994030"/>
+            </a:xfrm>
+            <a:prstGeom prst="straightConnector1">
+              <a:avLst/>
+            </a:prstGeom>
+            <a:ln w="57150">
               <a:solidFill>
                 <a:schemeClr val="bg2">
                   <a:lumMod val="75000"/>
                 </a:schemeClr>
               </a:solidFill>
-            </a:endParaRPr>
-          </a:p>
-        </p:txBody>
-      </p:sp>
-      <p:cxnSp>
-        <p:nvCxnSpPr>
-          <p:cNvPr id="11" name="Straight Connector 10">
-            <a:extLst>
-              <a:ext uri="{FF2B5EF4-FFF2-40B4-BE49-F238E27FC236}">
-                <a16:creationId xmlns:a16="http://schemas.microsoft.com/office/drawing/2014/main" id="{1D5E513A-B7E9-42DB-967A-02857DBE31E4}"/>
-              </a:ext>
-            </a:extLst>
-          </p:cNvPr>
-          <p:cNvCxnSpPr>
-            <a:cxnSpLocks/>
-          </p:cNvCxnSpPr>
-          <p:nvPr/>
-        </p:nvCxnSpPr>
-        <p:spPr>
-          <a:xfrm flipV="1">
-            <a:off x="2249645" y="2493034"/>
-            <a:ext cx="5660778" cy="1457866"/>
-          </a:xfrm>
-          <a:prstGeom prst="line">
-            <a:avLst/>
-          </a:prstGeom>
-          <a:ln w="76200">
-            <a:solidFill>
+              <a:tailEnd type="triangle"/>
+            </a:ln>
+          </p:spPr>
+          <p:style>
+            <a:lnRef idx="1">
               <a:schemeClr val="accent1"/>
-            </a:solidFill>
-            <a:prstDash val="solid"/>
-          </a:ln>
-        </p:spPr>
-        <p:style>
-          <a:lnRef idx="1">
-            <a:schemeClr val="accent1"/>
-          </a:lnRef>
-          <a:fillRef idx="0">
-            <a:schemeClr val="accent1"/>
-          </a:fillRef>
-          <a:effectRef idx="0">
-            <a:schemeClr val="accent1"/>
-          </a:effectRef>
-          <a:fontRef idx="minor">
-            <a:schemeClr val="tx1"/>
-          </a:fontRef>
-        </p:style>
-      </p:cxnSp>
-      <p:cxnSp>
-        <p:nvCxnSpPr>
-          <p:cNvPr id="12" name="Straight Arrow Connector 11"/>
-          <p:cNvCxnSpPr/>
-          <p:nvPr/>
-        </p:nvCxnSpPr>
-        <p:spPr>
-          <a:xfrm>
-            <a:off x="2208362" y="4744528"/>
-            <a:ext cx="5835771" cy="13735"/>
-          </a:xfrm>
-          <a:prstGeom prst="straightConnector1">
-            <a:avLst/>
-          </a:prstGeom>
-          <a:ln w="57150">
-            <a:solidFill>
-              <a:schemeClr val="bg2">
-                <a:lumMod val="75000"/>
-              </a:schemeClr>
-            </a:solidFill>
-            <a:tailEnd type="triangle"/>
-          </a:ln>
-        </p:spPr>
-        <p:style>
-          <a:lnRef idx="1">
-            <a:schemeClr val="accent1"/>
-          </a:lnRef>
-          <a:fillRef idx="0">
-            <a:schemeClr val="accent1"/>
-          </a:fillRef>
-          <a:effectRef idx="0">
-            <a:schemeClr val="accent1"/>
-          </a:effectRef>
-          <a:fontRef idx="minor">
-            <a:schemeClr val="tx1"/>
-          </a:fontRef>
-        </p:style>
-      </p:cxnSp>
-      <p:sp>
-        <p:nvSpPr>
-          <p:cNvPr id="7" name="TextBox 6"/>
-          <p:cNvSpPr txBox="1"/>
-          <p:nvPr/>
-        </p:nvSpPr>
-        <p:spPr>
-          <a:xfrm>
-            <a:off x="3990632" y="769330"/>
-            <a:ext cx="1945000" cy="400110"/>
-          </a:xfrm>
-          <a:prstGeom prst="rect">
-            <a:avLst/>
-          </a:prstGeom>
-          <a:noFill/>
-        </p:spPr>
-        <p:txBody>
-          <a:bodyPr wrap="square" rtlCol="0">
-            <a:spAutoFit/>
-          </a:bodyPr>
-          <a:lstStyle/>
-          <a:p>
-            <a:pPr algn="ctr"/>
-            <a:r>
-              <a:rPr lang="en-US" sz="2000" b="1" dirty="0" smtClean="0">
-                <a:solidFill>
-                  <a:srgbClr val="FF0000"/>
-                </a:solidFill>
-              </a:rPr>
-              <a:t>Cutoff</a:t>
-            </a:r>
-            <a:endParaRPr lang="en-US" sz="2000" b="1" dirty="0">
+            </a:lnRef>
+            <a:fillRef idx="0">
+              <a:schemeClr val="accent1"/>
+            </a:fillRef>
+            <a:effectRef idx="0">
+              <a:schemeClr val="accent1"/>
+            </a:effectRef>
+            <a:fontRef idx="minor">
+              <a:schemeClr val="tx1"/>
+            </a:fontRef>
+          </p:style>
+        </p:cxnSp>
+        <p:cxnSp>
+          <p:nvCxnSpPr>
+            <p:cNvPr id="11" name="Straight Connector 10">
+              <a:extLst>
+                <a:ext uri="{FF2B5EF4-FFF2-40B4-BE49-F238E27FC236}">
+                  <a16:creationId xmlns:a16="http://schemas.microsoft.com/office/drawing/2014/main" id="{1D5E513A-B7E9-42DB-967A-02857DBE31E4}"/>
+                </a:ext>
+              </a:extLst>
+            </p:cNvPr>
+            <p:cNvCxnSpPr>
+              <a:cxnSpLocks/>
+            </p:cNvCxnSpPr>
+            <p:nvPr/>
+          </p:nvCxnSpPr>
+          <p:spPr>
+            <a:xfrm flipV="1">
+              <a:off x="2249645" y="2493034"/>
+              <a:ext cx="5660778" cy="1457866"/>
+            </a:xfrm>
+            <a:prstGeom prst="line">
+              <a:avLst/>
+            </a:prstGeom>
+            <a:ln w="76200">
               <a:solidFill>
-                <a:srgbClr val="FF0000"/>
+                <a:schemeClr val="accent1"/>
               </a:solidFill>
-            </a:endParaRPr>
-          </a:p>
-        </p:txBody>
-      </p:sp>
-      <p:sp>
-        <p:nvSpPr>
-          <p:cNvPr id="9" name="TextBox 8"/>
-          <p:cNvSpPr txBox="1"/>
-          <p:nvPr/>
-        </p:nvSpPr>
-        <p:spPr>
-          <a:xfrm>
-            <a:off x="3933947" y="4744528"/>
-            <a:ext cx="1945000" cy="400110"/>
-          </a:xfrm>
-          <a:prstGeom prst="rect">
-            <a:avLst/>
-          </a:prstGeom>
-          <a:noFill/>
-        </p:spPr>
-        <p:txBody>
-          <a:bodyPr wrap="square" rtlCol="0">
-            <a:spAutoFit/>
-          </a:bodyPr>
-          <a:lstStyle/>
-          <a:p>
-            <a:pPr algn="ctr"/>
-            <a:r>
-              <a:rPr lang="en-US" sz="2000" b="1" dirty="0">
-                <a:solidFill>
-                  <a:srgbClr val="FF0000"/>
-                </a:solidFill>
-              </a:rPr>
-              <a:t>c</a:t>
-            </a:r>
-          </a:p>
-        </p:txBody>
-      </p:sp>
-      <p:sp>
-        <p:nvSpPr>
-          <p:cNvPr id="13" name="TextBox 12"/>
-          <p:cNvSpPr txBox="1"/>
-          <p:nvPr/>
-        </p:nvSpPr>
-        <p:spPr>
-          <a:xfrm rot="20733941">
-            <a:off x="2721946" y="3099623"/>
-            <a:ext cx="2168865" cy="400110"/>
-          </a:xfrm>
-          <a:prstGeom prst="rect">
-            <a:avLst/>
-          </a:prstGeom>
-          <a:noFill/>
-        </p:spPr>
-        <p:txBody>
-          <a:bodyPr wrap="square" rtlCol="0">
-            <a:spAutoFit/>
-          </a:bodyPr>
-          <a:lstStyle/>
-          <a:p>
-            <a:pPr algn="ctr"/>
-            <a:r>
-              <a:rPr lang="en-US" sz="2000" b="1" dirty="0" smtClean="0">
-                <a:solidFill>
-                  <a:schemeClr val="accent1">
-                    <a:lumMod val="75000"/>
-                  </a:schemeClr>
-                </a:solidFill>
-              </a:rPr>
-              <a:t>Treatment group</a:t>
-            </a:r>
-            <a:endParaRPr lang="en-US" sz="2000" b="1" dirty="0">
-              <a:solidFill>
-                <a:schemeClr val="accent1">
-                  <a:lumMod val="75000"/>
-                </a:schemeClr>
-              </a:solidFill>
-            </a:endParaRPr>
-          </a:p>
-        </p:txBody>
-      </p:sp>
-      <p:sp>
-        <p:nvSpPr>
-          <p:cNvPr id="14" name="TextBox 13"/>
-          <p:cNvSpPr txBox="1"/>
-          <p:nvPr/>
-        </p:nvSpPr>
-        <p:spPr>
-          <a:xfrm rot="20692983">
-            <a:off x="5947655" y="2737703"/>
-            <a:ext cx="2296649" cy="400110"/>
-          </a:xfrm>
-          <a:prstGeom prst="rect">
-            <a:avLst/>
-          </a:prstGeom>
-          <a:noFill/>
-        </p:spPr>
-        <p:txBody>
-          <a:bodyPr wrap="square" rtlCol="0">
-            <a:spAutoFit/>
-          </a:bodyPr>
-          <a:lstStyle/>
-          <a:p>
-            <a:pPr algn="ctr"/>
-            <a:r>
-              <a:rPr lang="en-US" sz="2000" b="1" dirty="0" smtClean="0">
-                <a:solidFill>
-                  <a:schemeClr val="accent6">
-                    <a:lumMod val="75000"/>
-                  </a:schemeClr>
-                </a:solidFill>
-              </a:rPr>
-              <a:t>Control group</a:t>
-            </a:r>
-            <a:endParaRPr lang="en-US" sz="2000" b="1" dirty="0">
-              <a:solidFill>
-                <a:schemeClr val="accent6">
-                  <a:lumMod val="75000"/>
-                </a:schemeClr>
-              </a:solidFill>
-            </a:endParaRPr>
-          </a:p>
-        </p:txBody>
-      </p:sp>
-      <p:cxnSp>
-        <p:nvCxnSpPr>
-          <p:cNvPr id="15" name="Straight Connector 14">
-            <a:extLst>
-              <a:ext uri="{FF2B5EF4-FFF2-40B4-BE49-F238E27FC236}">
-                <a16:creationId xmlns:a16="http://schemas.microsoft.com/office/drawing/2014/main" id="{1D5E513A-B7E9-42DB-967A-02857DBE31E4}"/>
-              </a:ext>
-            </a:extLst>
-          </p:cNvPr>
-          <p:cNvCxnSpPr>
-            <a:cxnSpLocks/>
-          </p:cNvCxnSpPr>
-          <p:nvPr/>
-        </p:nvCxnSpPr>
-        <p:spPr>
-          <a:xfrm flipV="1">
-            <a:off x="4934789" y="2493035"/>
-            <a:ext cx="2991036" cy="766450"/>
-          </a:xfrm>
-          <a:prstGeom prst="line">
-            <a:avLst/>
-          </a:prstGeom>
-          <a:ln w="76200">
-            <a:solidFill>
-              <a:schemeClr val="accent6">
-                <a:lumMod val="75000"/>
-              </a:schemeClr>
-            </a:solidFill>
-            <a:prstDash val="solid"/>
-          </a:ln>
-        </p:spPr>
-        <p:style>
-          <a:lnRef idx="1">
-            <a:schemeClr val="accent1"/>
-          </a:lnRef>
-          <a:fillRef idx="0">
-            <a:schemeClr val="accent1"/>
-          </a:fillRef>
-          <a:effectRef idx="0">
-            <a:schemeClr val="accent1"/>
-          </a:effectRef>
-          <a:fontRef idx="minor">
-            <a:schemeClr val="tx1"/>
-          </a:fontRef>
-        </p:style>
-      </p:cxnSp>
-      <p:cxnSp>
-        <p:nvCxnSpPr>
-          <p:cNvPr id="10" name="Straight Connector 9"/>
-          <p:cNvCxnSpPr>
-            <a:stCxn id="7" idx="2"/>
-          </p:cNvCxnSpPr>
-          <p:nvPr/>
-        </p:nvCxnSpPr>
-        <p:spPr>
-          <a:xfrm flipH="1">
-            <a:off x="4906447" y="1169440"/>
-            <a:ext cx="56685" cy="3588823"/>
-          </a:xfrm>
-          <a:prstGeom prst="line">
-            <a:avLst/>
-          </a:prstGeom>
-          <a:ln w="57150">
-            <a:solidFill>
-              <a:srgbClr val="FF0000"/>
-            </a:solidFill>
-          </a:ln>
-        </p:spPr>
-        <p:style>
-          <a:lnRef idx="1">
-            <a:schemeClr val="accent1"/>
-          </a:lnRef>
-          <a:fillRef idx="0">
-            <a:schemeClr val="accent1"/>
-          </a:fillRef>
-          <a:effectRef idx="0">
-            <a:schemeClr val="accent1"/>
-          </a:effectRef>
-          <a:fontRef idx="minor">
-            <a:schemeClr val="tx1"/>
-          </a:fontRef>
-        </p:style>
-      </p:cxnSp>
-      <p:sp>
-        <p:nvSpPr>
-          <p:cNvPr id="16" name="TextBox 15"/>
-          <p:cNvSpPr txBox="1"/>
-          <p:nvPr/>
-        </p:nvSpPr>
-        <p:spPr>
-          <a:xfrm flipH="1">
-            <a:off x="2249645" y="4744528"/>
-            <a:ext cx="3790564" cy="461665"/>
-          </a:xfrm>
-          <a:prstGeom prst="rect">
-            <a:avLst/>
-          </a:prstGeom>
-          <a:noFill/>
-        </p:spPr>
-        <p:txBody>
-          <a:bodyPr wrap="square" rtlCol="0">
-            <a:spAutoFit/>
-          </a:bodyPr>
-          <a:lstStyle/>
-          <a:p>
-            <a:r>
-              <a:rPr lang="en-US" sz="2400" b="1" dirty="0" smtClean="0">
-                <a:solidFill>
-                  <a:schemeClr val="bg2">
-                    <a:lumMod val="75000"/>
-                  </a:schemeClr>
-                </a:solidFill>
-              </a:rPr>
-              <a:t>Income</a:t>
-            </a:r>
-            <a:endParaRPr lang="en-US" sz="2400" b="1" dirty="0">
+              <a:prstDash val="solid"/>
+            </a:ln>
+          </p:spPr>
+          <p:style>
+            <a:lnRef idx="1">
+              <a:schemeClr val="accent1"/>
+            </a:lnRef>
+            <a:fillRef idx="0">
+              <a:schemeClr val="accent1"/>
+            </a:fillRef>
+            <a:effectRef idx="0">
+              <a:schemeClr val="accent1"/>
+            </a:effectRef>
+            <a:fontRef idx="minor">
+              <a:schemeClr val="tx1"/>
+            </a:fontRef>
+          </p:style>
+        </p:cxnSp>
+        <p:cxnSp>
+          <p:nvCxnSpPr>
+            <p:cNvPr id="12" name="Straight Arrow Connector 11"/>
+            <p:cNvCxnSpPr/>
+            <p:nvPr/>
+          </p:nvCxnSpPr>
+          <p:spPr>
+            <a:xfrm>
+              <a:off x="2208362" y="4744528"/>
+              <a:ext cx="5835771" cy="13735"/>
+            </a:xfrm>
+            <a:prstGeom prst="straightConnector1">
+              <a:avLst/>
+            </a:prstGeom>
+            <a:ln w="57150">
               <a:solidFill>
                 <a:schemeClr val="bg2">
                   <a:lumMod val="75000"/>
                 </a:schemeClr>
               </a:solidFill>
-            </a:endParaRPr>
-          </a:p>
-        </p:txBody>
-      </p:sp>
+              <a:tailEnd type="triangle"/>
+            </a:ln>
+          </p:spPr>
+          <p:style>
+            <a:lnRef idx="1">
+              <a:schemeClr val="accent1"/>
+            </a:lnRef>
+            <a:fillRef idx="0">
+              <a:schemeClr val="accent1"/>
+            </a:fillRef>
+            <a:effectRef idx="0">
+              <a:schemeClr val="accent1"/>
+            </a:effectRef>
+            <a:fontRef idx="minor">
+              <a:schemeClr val="tx1"/>
+            </a:fontRef>
+          </p:style>
+        </p:cxnSp>
+        <p:sp>
+          <p:nvSpPr>
+            <p:cNvPr id="18" name="TextBox 17"/>
+            <p:cNvSpPr txBox="1"/>
+            <p:nvPr/>
+          </p:nvSpPr>
+          <p:spPr>
+            <a:xfrm flipH="1">
+              <a:off x="2249645" y="4744528"/>
+              <a:ext cx="3790564" cy="461665"/>
+            </a:xfrm>
+            <a:prstGeom prst="rect">
+              <a:avLst/>
+            </a:prstGeom>
+            <a:noFill/>
+          </p:spPr>
+          <p:txBody>
+            <a:bodyPr wrap="square" rtlCol="0">
+              <a:spAutoFit/>
+            </a:bodyPr>
+            <a:lstStyle/>
+            <a:p>
+              <a:r>
+                <a:rPr lang="en-US" sz="2400" b="1" dirty="0">
+                  <a:solidFill>
+                    <a:schemeClr val="bg2">
+                      <a:lumMod val="75000"/>
+                    </a:schemeClr>
+                  </a:solidFill>
+                </a:rPr>
+                <a:t>9</a:t>
+              </a:r>
+              <a:r>
+                <a:rPr lang="en-US" sz="2400" b="1" baseline="30000" dirty="0">
+                  <a:solidFill>
+                    <a:schemeClr val="bg2">
+                      <a:lumMod val="75000"/>
+                    </a:schemeClr>
+                  </a:solidFill>
+                </a:rPr>
+                <a:t>th</a:t>
+              </a:r>
+              <a:r>
+                <a:rPr lang="en-US" sz="2400" b="1" dirty="0">
+                  <a:solidFill>
+                    <a:schemeClr val="bg2">
+                      <a:lumMod val="75000"/>
+                    </a:schemeClr>
+                  </a:solidFill>
+                </a:rPr>
+                <a:t> Grade Standardized Test</a:t>
+              </a:r>
+            </a:p>
+          </p:txBody>
+        </p:sp>
+        <p:sp>
+          <p:nvSpPr>
+            <p:cNvPr id="23" name="TextBox 22"/>
+            <p:cNvSpPr txBox="1"/>
+            <p:nvPr/>
+          </p:nvSpPr>
+          <p:spPr>
+            <a:xfrm rot="16200000">
+              <a:off x="787427" y="1507327"/>
+              <a:ext cx="2261749" cy="461665"/>
+            </a:xfrm>
+            <a:prstGeom prst="rect">
+              <a:avLst/>
+            </a:prstGeom>
+            <a:noFill/>
+          </p:spPr>
+          <p:txBody>
+            <a:bodyPr wrap="square" rtlCol="0">
+              <a:spAutoFit/>
+            </a:bodyPr>
+            <a:lstStyle/>
+            <a:p>
+              <a:pPr algn="ctr"/>
+              <a:r>
+                <a:rPr lang="en-US" sz="2400" b="1" dirty="0">
+                  <a:solidFill>
+                    <a:schemeClr val="bg2">
+                      <a:lumMod val="75000"/>
+                    </a:schemeClr>
+                  </a:solidFill>
+                </a:rPr>
+                <a:t>College GPA</a:t>
+              </a:r>
+            </a:p>
+          </p:txBody>
+        </p:sp>
+        <p:sp>
+          <p:nvSpPr>
+            <p:cNvPr id="9" name="TextBox 8">
+              <a:extLst>
+                <a:ext uri="{FF2B5EF4-FFF2-40B4-BE49-F238E27FC236}">
+                  <a16:creationId xmlns:a16="http://schemas.microsoft.com/office/drawing/2014/main" id="{C6CF50B5-51EC-4941-BBB4-E4FEFB424D5B}"/>
+                </a:ext>
+              </a:extLst>
+            </p:cNvPr>
+            <p:cNvSpPr txBox="1"/>
+            <p:nvPr/>
+          </p:nvSpPr>
+          <p:spPr>
+            <a:xfrm>
+              <a:off x="3990632" y="769330"/>
+              <a:ext cx="1945000" cy="400110"/>
+            </a:xfrm>
+            <a:prstGeom prst="rect">
+              <a:avLst/>
+            </a:prstGeom>
+            <a:noFill/>
+          </p:spPr>
+          <p:txBody>
+            <a:bodyPr wrap="square" rtlCol="0">
+              <a:spAutoFit/>
+            </a:bodyPr>
+            <a:lstStyle/>
+            <a:p>
+              <a:pPr algn="ctr"/>
+              <a:r>
+                <a:rPr lang="en-US" sz="2000" b="1" dirty="0">
+                  <a:solidFill>
+                    <a:srgbClr val="C00000"/>
+                  </a:solidFill>
+                </a:rPr>
+                <a:t>Threshold</a:t>
+              </a:r>
+            </a:p>
+          </p:txBody>
+        </p:sp>
+        <p:cxnSp>
+          <p:nvCxnSpPr>
+            <p:cNvPr id="10" name="Straight Connector 9">
+              <a:extLst>
+                <a:ext uri="{FF2B5EF4-FFF2-40B4-BE49-F238E27FC236}">
+                  <a16:creationId xmlns:a16="http://schemas.microsoft.com/office/drawing/2014/main" id="{767E2793-4207-4A5A-A30E-04880F1042DC}"/>
+                </a:ext>
+              </a:extLst>
+            </p:cNvPr>
+            <p:cNvCxnSpPr>
+              <a:stCxn id="9" idx="2"/>
+            </p:cNvCxnSpPr>
+            <p:nvPr/>
+          </p:nvCxnSpPr>
+          <p:spPr>
+            <a:xfrm flipH="1">
+              <a:off x="4906447" y="1169440"/>
+              <a:ext cx="56685" cy="3588823"/>
+            </a:xfrm>
+            <a:prstGeom prst="line">
+              <a:avLst/>
+            </a:prstGeom>
+            <a:ln w="57150">
+              <a:solidFill>
+                <a:srgbClr val="C00000"/>
+              </a:solidFill>
+            </a:ln>
+          </p:spPr>
+          <p:style>
+            <a:lnRef idx="1">
+              <a:schemeClr val="accent1"/>
+            </a:lnRef>
+            <a:fillRef idx="0">
+              <a:schemeClr val="accent1"/>
+            </a:fillRef>
+            <a:effectRef idx="0">
+              <a:schemeClr val="accent1"/>
+            </a:effectRef>
+            <a:fontRef idx="minor">
+              <a:schemeClr val="tx1"/>
+            </a:fontRef>
+          </p:style>
+        </p:cxnSp>
+        <p:sp>
+          <p:nvSpPr>
+            <p:cNvPr id="5" name="Oval 4">
+              <a:extLst>
+                <a:ext uri="{FF2B5EF4-FFF2-40B4-BE49-F238E27FC236}">
+                  <a16:creationId xmlns:a16="http://schemas.microsoft.com/office/drawing/2014/main" id="{7B6AE33A-955A-4975-B27E-8C46D3472D2C}"/>
+                </a:ext>
+              </a:extLst>
+            </p:cNvPr>
+            <p:cNvSpPr/>
+            <p:nvPr/>
+          </p:nvSpPr>
+          <p:spPr>
+            <a:xfrm>
+              <a:off x="6377797" y="2731129"/>
+              <a:ext cx="251670" cy="260059"/>
+            </a:xfrm>
+            <a:prstGeom prst="ellipse">
+              <a:avLst/>
+            </a:prstGeom>
+            <a:solidFill>
+              <a:srgbClr val="C00000"/>
+            </a:solidFill>
+            <a:ln>
+              <a:noFill/>
+            </a:ln>
+          </p:spPr>
+          <p:style>
+            <a:lnRef idx="2">
+              <a:schemeClr val="accent1">
+                <a:shade val="50000"/>
+              </a:schemeClr>
+            </a:lnRef>
+            <a:fillRef idx="1">
+              <a:schemeClr val="accent1"/>
+            </a:fillRef>
+            <a:effectRef idx="0">
+              <a:schemeClr val="accent1"/>
+            </a:effectRef>
+            <a:fontRef idx="minor">
+              <a:schemeClr val="lt1"/>
+            </a:fontRef>
+          </p:style>
+          <p:txBody>
+            <a:bodyPr rtlCol="0" anchor="ctr"/>
+            <a:lstStyle/>
+            <a:p>
+              <a:pPr algn="ctr"/>
+              <a:endParaRPr lang="en-US"/>
+            </a:p>
+          </p:txBody>
+        </p:sp>
+        <p:sp>
+          <p:nvSpPr>
+            <p:cNvPr id="13" name="Oval 12">
+              <a:extLst>
+                <a:ext uri="{FF2B5EF4-FFF2-40B4-BE49-F238E27FC236}">
+                  <a16:creationId xmlns:a16="http://schemas.microsoft.com/office/drawing/2014/main" id="{3F9A519B-8C50-4B9C-86A8-5E8A51B6ADC9}"/>
+                </a:ext>
+              </a:extLst>
+            </p:cNvPr>
+            <p:cNvSpPr/>
+            <p:nvPr/>
+          </p:nvSpPr>
+          <p:spPr>
+            <a:xfrm>
+              <a:off x="3527467" y="3435943"/>
+              <a:ext cx="251670" cy="260059"/>
+            </a:xfrm>
+            <a:prstGeom prst="ellipse">
+              <a:avLst/>
+            </a:prstGeom>
+            <a:solidFill>
+              <a:srgbClr val="C00000"/>
+            </a:solidFill>
+            <a:ln>
+              <a:noFill/>
+            </a:ln>
+          </p:spPr>
+          <p:style>
+            <a:lnRef idx="2">
+              <a:schemeClr val="accent1">
+                <a:shade val="50000"/>
+              </a:schemeClr>
+            </a:lnRef>
+            <a:fillRef idx="1">
+              <a:schemeClr val="accent1"/>
+            </a:fillRef>
+            <a:effectRef idx="0">
+              <a:schemeClr val="accent1"/>
+            </a:effectRef>
+            <a:fontRef idx="minor">
+              <a:schemeClr val="lt1"/>
+            </a:fontRef>
+          </p:style>
+          <p:txBody>
+            <a:bodyPr rtlCol="0" anchor="ctr"/>
+            <a:lstStyle/>
+            <a:p>
+              <a:pPr algn="ctr"/>
+              <a:endParaRPr lang="en-US"/>
+            </a:p>
+          </p:txBody>
+        </p:sp>
+        <p:cxnSp>
+          <p:nvCxnSpPr>
+            <p:cNvPr id="7" name="Straight Arrow Connector 6">
+              <a:extLst>
+                <a:ext uri="{FF2B5EF4-FFF2-40B4-BE49-F238E27FC236}">
+                  <a16:creationId xmlns:a16="http://schemas.microsoft.com/office/drawing/2014/main" id="{3105056A-0D78-4EC2-85A7-7B33C58F71BB}"/>
+                </a:ext>
+              </a:extLst>
+            </p:cNvPr>
+            <p:cNvCxnSpPr>
+              <a:cxnSpLocks/>
+            </p:cNvCxnSpPr>
+            <p:nvPr/>
+          </p:nvCxnSpPr>
+          <p:spPr>
+            <a:xfrm flipH="1">
+              <a:off x="4161453" y="1866122"/>
+              <a:ext cx="647553" cy="0"/>
+            </a:xfrm>
+            <a:prstGeom prst="straightConnector1">
+              <a:avLst/>
+            </a:prstGeom>
+            <a:ln w="44450">
+              <a:solidFill>
+                <a:srgbClr val="C00000"/>
+              </a:solidFill>
+              <a:tailEnd type="triangle"/>
+            </a:ln>
+          </p:spPr>
+          <p:style>
+            <a:lnRef idx="1">
+              <a:schemeClr val="accent1"/>
+            </a:lnRef>
+            <a:fillRef idx="0">
+              <a:schemeClr val="accent1"/>
+            </a:fillRef>
+            <a:effectRef idx="0">
+              <a:schemeClr val="accent1"/>
+            </a:effectRef>
+            <a:fontRef idx="minor">
+              <a:schemeClr val="tx1"/>
+            </a:fontRef>
+          </p:style>
+        </p:cxnSp>
+        <p:sp>
+          <p:nvSpPr>
+            <p:cNvPr id="15" name="TextBox 14">
+              <a:extLst>
+                <a:ext uri="{FF2B5EF4-FFF2-40B4-BE49-F238E27FC236}">
+                  <a16:creationId xmlns:a16="http://schemas.microsoft.com/office/drawing/2014/main" id="{9744B20D-335E-44DF-8805-5AA546E7FBFA}"/>
+                </a:ext>
+              </a:extLst>
+            </p:cNvPr>
+            <p:cNvSpPr txBox="1"/>
+            <p:nvPr/>
+          </p:nvSpPr>
+          <p:spPr>
+            <a:xfrm>
+              <a:off x="2584171" y="1479655"/>
+              <a:ext cx="1945000" cy="707886"/>
+            </a:xfrm>
+            <a:prstGeom prst="rect">
+              <a:avLst/>
+            </a:prstGeom>
+            <a:noFill/>
+          </p:spPr>
+          <p:txBody>
+            <a:bodyPr wrap="square" rtlCol="0">
+              <a:spAutoFit/>
+            </a:bodyPr>
+            <a:lstStyle/>
+            <a:p>
+              <a:pPr algn="ctr"/>
+              <a:r>
+                <a:rPr lang="en-US" sz="2000" dirty="0">
+                  <a:solidFill>
+                    <a:srgbClr val="C00000"/>
+                  </a:solidFill>
+                </a:rPr>
+                <a:t>Summer </a:t>
+              </a:r>
+            </a:p>
+            <a:p>
+              <a:pPr algn="ctr"/>
+              <a:r>
+                <a:rPr lang="en-US" sz="2000" dirty="0">
+                  <a:solidFill>
+                    <a:srgbClr val="C00000"/>
+                  </a:solidFill>
+                </a:rPr>
+                <a:t>School</a:t>
+              </a:r>
+            </a:p>
+          </p:txBody>
+        </p:sp>
+        <p:cxnSp>
+          <p:nvCxnSpPr>
+            <p:cNvPr id="14" name="Straight Connector 13">
+              <a:extLst>
+                <a:ext uri="{FF2B5EF4-FFF2-40B4-BE49-F238E27FC236}">
+                  <a16:creationId xmlns:a16="http://schemas.microsoft.com/office/drawing/2014/main" id="{DFAF05D7-7B95-40C2-B8BA-E94BFC7ACA15}"/>
+                </a:ext>
+              </a:extLst>
+            </p:cNvPr>
+            <p:cNvCxnSpPr>
+              <a:stCxn id="5" idx="2"/>
+            </p:cNvCxnSpPr>
+            <p:nvPr/>
+          </p:nvCxnSpPr>
+          <p:spPr>
+            <a:xfrm flipH="1">
+              <a:off x="2208362" y="2861159"/>
+              <a:ext cx="4169435" cy="7875"/>
+            </a:xfrm>
+            <a:prstGeom prst="line">
+              <a:avLst/>
+            </a:prstGeom>
+            <a:ln w="15875">
+              <a:solidFill>
+                <a:schemeClr val="tx1">
+                  <a:lumMod val="65000"/>
+                  <a:lumOff val="35000"/>
+                </a:schemeClr>
+              </a:solidFill>
+              <a:prstDash val="dash"/>
+            </a:ln>
+          </p:spPr>
+          <p:style>
+            <a:lnRef idx="1">
+              <a:schemeClr val="accent1"/>
+            </a:lnRef>
+            <a:fillRef idx="0">
+              <a:schemeClr val="accent1"/>
+            </a:fillRef>
+            <a:effectRef idx="0">
+              <a:schemeClr val="accent1"/>
+            </a:effectRef>
+            <a:fontRef idx="minor">
+              <a:schemeClr val="tx1"/>
+            </a:fontRef>
+          </p:style>
+        </p:cxnSp>
+        <p:cxnSp>
+          <p:nvCxnSpPr>
+            <p:cNvPr id="19" name="Straight Connector 18">
+              <a:extLst>
+                <a:ext uri="{FF2B5EF4-FFF2-40B4-BE49-F238E27FC236}">
+                  <a16:creationId xmlns:a16="http://schemas.microsoft.com/office/drawing/2014/main" id="{D7DA08BA-DB4B-478D-907F-52BCD9827474}"/>
+                </a:ext>
+              </a:extLst>
+            </p:cNvPr>
+            <p:cNvCxnSpPr>
+              <a:cxnSpLocks/>
+              <a:stCxn id="13" idx="2"/>
+            </p:cNvCxnSpPr>
+            <p:nvPr/>
+          </p:nvCxnSpPr>
+          <p:spPr>
+            <a:xfrm flipH="1">
+              <a:off x="2260123" y="3565973"/>
+              <a:ext cx="1267344" cy="0"/>
+            </a:xfrm>
+            <a:prstGeom prst="line">
+              <a:avLst/>
+            </a:prstGeom>
+            <a:ln w="15875">
+              <a:solidFill>
+                <a:schemeClr val="tx1">
+                  <a:lumMod val="65000"/>
+                  <a:lumOff val="35000"/>
+                </a:schemeClr>
+              </a:solidFill>
+              <a:prstDash val="dash"/>
+            </a:ln>
+          </p:spPr>
+          <p:style>
+            <a:lnRef idx="1">
+              <a:schemeClr val="accent1"/>
+            </a:lnRef>
+            <a:fillRef idx="0">
+              <a:schemeClr val="accent1"/>
+            </a:fillRef>
+            <a:effectRef idx="0">
+              <a:schemeClr val="accent1"/>
+            </a:effectRef>
+            <a:fontRef idx="minor">
+              <a:schemeClr val="tx1"/>
+            </a:fontRef>
+          </p:style>
+        </p:cxnSp>
+        <p:sp>
+          <p:nvSpPr>
+            <p:cNvPr id="16" name="TextBox 15">
+              <a:extLst>
+                <a:ext uri="{FF2B5EF4-FFF2-40B4-BE49-F238E27FC236}">
+                  <a16:creationId xmlns:a16="http://schemas.microsoft.com/office/drawing/2014/main" id="{B44729B4-B456-4B5A-B8FA-1F706E79BCFA}"/>
+                </a:ext>
+              </a:extLst>
+            </p:cNvPr>
+            <p:cNvSpPr txBox="1"/>
+            <p:nvPr/>
+          </p:nvSpPr>
+          <p:spPr>
+            <a:xfrm>
+              <a:off x="2680802" y="3110824"/>
+              <a:ext cx="1945000" cy="338554"/>
+            </a:xfrm>
+            <a:prstGeom prst="rect">
+              <a:avLst/>
+            </a:prstGeom>
+            <a:noFill/>
+          </p:spPr>
+          <p:txBody>
+            <a:bodyPr wrap="square" rtlCol="0">
+              <a:spAutoFit/>
+            </a:bodyPr>
+            <a:lstStyle/>
+            <a:p>
+              <a:pPr algn="ctr"/>
+              <a:r>
+                <a:rPr lang="en-US" sz="1600" dirty="0">
+                  <a:solidFill>
+                    <a:srgbClr val="C00000"/>
+                  </a:solidFill>
+                </a:rPr>
+                <a:t>Ave Y</a:t>
+              </a:r>
+            </a:p>
+          </p:txBody>
+        </p:sp>
+        <p:sp>
+          <p:nvSpPr>
+            <p:cNvPr id="17" name="TextBox 16">
+              <a:extLst>
+                <a:ext uri="{FF2B5EF4-FFF2-40B4-BE49-F238E27FC236}">
+                  <a16:creationId xmlns:a16="http://schemas.microsoft.com/office/drawing/2014/main" id="{AB17814F-A248-45A9-84E2-92356E406E39}"/>
+                </a:ext>
+              </a:extLst>
+            </p:cNvPr>
+            <p:cNvSpPr txBox="1"/>
+            <p:nvPr/>
+          </p:nvSpPr>
+          <p:spPr>
+            <a:xfrm>
+              <a:off x="5521130" y="2377790"/>
+              <a:ext cx="1945000" cy="338554"/>
+            </a:xfrm>
+            <a:prstGeom prst="rect">
+              <a:avLst/>
+            </a:prstGeom>
+            <a:noFill/>
+          </p:spPr>
+          <p:txBody>
+            <a:bodyPr wrap="square" rtlCol="0">
+              <a:spAutoFit/>
+            </a:bodyPr>
+            <a:lstStyle/>
+            <a:p>
+              <a:pPr algn="ctr"/>
+              <a:r>
+                <a:rPr lang="en-US" sz="1600" dirty="0">
+                  <a:solidFill>
+                    <a:srgbClr val="C00000"/>
+                  </a:solidFill>
+                </a:rPr>
+                <a:t>Ave Y</a:t>
+              </a:r>
+            </a:p>
+          </p:txBody>
+        </p:sp>
+      </p:grpSp>
     </p:spTree>
     <p:extLst>
       <p:ext uri="{BB962C8B-B14F-4D97-AF65-F5344CB8AC3E}">
-        <p14:creationId xmlns:p14="http://schemas.microsoft.com/office/powerpoint/2010/main" val="826168243"/>
+        <p14:creationId xmlns:p14="http://schemas.microsoft.com/office/powerpoint/2010/main" val="1465614871"/>
       </p:ext>
     </p:extLst>
   </p:cSld>
@@ -3705,49 +4453,6 @@
           </a:fontRef>
         </p:style>
       </p:cxnSp>
-      <p:sp>
-        <p:nvSpPr>
-          <p:cNvPr id="8" name="TextBox 7"/>
-          <p:cNvSpPr txBox="1"/>
-          <p:nvPr/>
-        </p:nvSpPr>
-        <p:spPr>
-          <a:xfrm rot="16200000">
-            <a:off x="538075" y="1756679"/>
-            <a:ext cx="2760450" cy="461665"/>
-          </a:xfrm>
-          <a:prstGeom prst="rect">
-            <a:avLst/>
-          </a:prstGeom>
-          <a:noFill/>
-        </p:spPr>
-        <p:txBody>
-          <a:bodyPr wrap="square" rtlCol="0">
-            <a:spAutoFit/>
-          </a:bodyPr>
-          <a:lstStyle/>
-          <a:p>
-            <a:pPr algn="ctr"/>
-            <a:r>
-              <a:rPr lang="en-US" sz="2400" b="1" dirty="0" smtClean="0">
-                <a:solidFill>
-                  <a:schemeClr val="bg2">
-                    <a:lumMod val="75000"/>
-                  </a:schemeClr>
-                </a:solidFill>
-              </a:rPr>
-              <a:t>College enrollment</a:t>
-            </a:r>
-            <a:endParaRPr lang="en-US" sz="2400" b="1" dirty="0">
-              <a:solidFill>
-                <a:schemeClr val="bg2">
-                  <a:lumMod val="75000"/>
-                </a:schemeClr>
-              </a:solidFill>
-            </a:endParaRPr>
-          </a:p>
-        </p:txBody>
-      </p:sp>
       <p:cxnSp>
         <p:nvCxnSpPr>
           <p:cNvPr id="11" name="Straight Connector 10">
@@ -3764,8 +4469,8 @@
         </p:nvCxnSpPr>
         <p:spPr>
           <a:xfrm flipV="1">
-            <a:off x="2249645" y="2725954"/>
-            <a:ext cx="2685144" cy="715994"/>
+            <a:off x="2249645" y="2493034"/>
+            <a:ext cx="5660778" cy="1457866"/>
           </a:xfrm>
           <a:prstGeom prst="line">
             <a:avLst/>
@@ -3832,14 +4537,14 @@
       </p:cxnSp>
       <p:sp>
         <p:nvSpPr>
-          <p:cNvPr id="7" name="TextBox 6"/>
+          <p:cNvPr id="18" name="TextBox 17"/>
           <p:cNvSpPr txBox="1"/>
           <p:nvPr/>
         </p:nvSpPr>
         <p:spPr>
-          <a:xfrm>
-            <a:off x="3990632" y="769330"/>
-            <a:ext cx="1945000" cy="400110"/>
+          <a:xfrm flipH="1">
+            <a:off x="2249645" y="4744528"/>
+            <a:ext cx="3790564" cy="461665"/>
           </a:xfrm>
           <a:prstGeom prst="rect">
             <a:avLst/>
@@ -3852,20 +4557,272 @@
           </a:bodyPr>
           <a:lstStyle/>
           <a:p>
+            <a:r>
+              <a:rPr lang="en-US" sz="2400" b="1" dirty="0">
+                <a:solidFill>
+                  <a:schemeClr val="bg2">
+                    <a:lumMod val="75000"/>
+                  </a:schemeClr>
+                </a:solidFill>
+              </a:rPr>
+              <a:t>Income</a:t>
+            </a:r>
+          </a:p>
+        </p:txBody>
+      </p:sp>
+      <p:sp>
+        <p:nvSpPr>
+          <p:cNvPr id="23" name="TextBox 22"/>
+          <p:cNvSpPr txBox="1"/>
+          <p:nvPr/>
+        </p:nvSpPr>
+        <p:spPr>
+          <a:xfrm rot="16200000">
+            <a:off x="538075" y="1756679"/>
+            <a:ext cx="2760450" cy="461665"/>
+          </a:xfrm>
+          <a:prstGeom prst="rect">
+            <a:avLst/>
+          </a:prstGeom>
+          <a:noFill/>
+        </p:spPr>
+        <p:txBody>
+          <a:bodyPr wrap="square" rtlCol="0">
+            <a:spAutoFit/>
+          </a:bodyPr>
+          <a:lstStyle/>
+          <a:p>
             <a:pPr algn="ctr"/>
             <a:r>
-              <a:rPr lang="en-US" sz="2000" b="1" dirty="0" smtClean="0">
+              <a:rPr lang="en-US" sz="2400" b="1" dirty="0">
+                <a:solidFill>
+                  <a:schemeClr val="bg2">
+                    <a:lumMod val="75000"/>
+                  </a:schemeClr>
+                </a:solidFill>
+              </a:rPr>
+              <a:t>College enrollment</a:t>
+            </a:r>
+          </a:p>
+        </p:txBody>
+      </p:sp>
+    </p:spTree>
+    <p:extLst>
+      <p:ext uri="{BB962C8B-B14F-4D97-AF65-F5344CB8AC3E}">
+        <p14:creationId xmlns:p14="http://schemas.microsoft.com/office/powerpoint/2010/main" val="1010670321"/>
+      </p:ext>
+    </p:extLst>
+  </p:cSld>
+  <p:clrMapOvr>
+    <a:masterClrMapping/>
+  </p:clrMapOvr>
+</p:sld>
+</file>
+
+<file path=ppt/slides/slide4.xml><?xml version="1.0" encoding="utf-8"?>
+<p:sld xmlns:a="http://schemas.openxmlformats.org/drawingml/2006/main" xmlns:r="http://schemas.openxmlformats.org/officeDocument/2006/relationships" xmlns:p="http://schemas.openxmlformats.org/presentationml/2006/main">
+  <p:cSld>
+    <p:spTree>
+      <p:nvGrpSpPr>
+        <p:cNvPr id="1" name=""/>
+        <p:cNvGrpSpPr/>
+        <p:nvPr/>
+      </p:nvGrpSpPr>
+      <p:grpSpPr>
+        <a:xfrm>
+          <a:off x="0" y="0"/>
+          <a:ext cx="0" cy="0"/>
+          <a:chOff x="0" y="0"/>
+          <a:chExt cx="0" cy="0"/>
+        </a:xfrm>
+      </p:grpSpPr>
+      <p:cxnSp>
+        <p:nvCxnSpPr>
+          <p:cNvPr id="2" name="Straight Arrow Connector 1"/>
+          <p:cNvCxnSpPr/>
+          <p:nvPr/>
+        </p:nvCxnSpPr>
+        <p:spPr>
+          <a:xfrm flipV="1">
+            <a:off x="2234242" y="750498"/>
+            <a:ext cx="0" cy="3994030"/>
+          </a:xfrm>
+          <a:prstGeom prst="straightConnector1">
+            <a:avLst/>
+          </a:prstGeom>
+          <a:ln w="57150">
+            <a:solidFill>
+              <a:schemeClr val="bg2">
+                <a:lumMod val="75000"/>
+              </a:schemeClr>
+            </a:solidFill>
+            <a:tailEnd type="triangle"/>
+          </a:ln>
+        </p:spPr>
+        <p:style>
+          <a:lnRef idx="1">
+            <a:schemeClr val="accent1"/>
+          </a:lnRef>
+          <a:fillRef idx="0">
+            <a:schemeClr val="accent1"/>
+          </a:fillRef>
+          <a:effectRef idx="0">
+            <a:schemeClr val="accent1"/>
+          </a:effectRef>
+          <a:fontRef idx="minor">
+            <a:schemeClr val="tx1"/>
+          </a:fontRef>
+        </p:style>
+      </p:cxnSp>
+      <p:sp>
+        <p:nvSpPr>
+          <p:cNvPr id="8" name="TextBox 7"/>
+          <p:cNvSpPr txBox="1"/>
+          <p:nvPr/>
+        </p:nvSpPr>
+        <p:spPr>
+          <a:xfrm rot="16200000">
+            <a:off x="538075" y="1756679"/>
+            <a:ext cx="2760450" cy="461665"/>
+          </a:xfrm>
+          <a:prstGeom prst="rect">
+            <a:avLst/>
+          </a:prstGeom>
+          <a:noFill/>
+        </p:spPr>
+        <p:txBody>
+          <a:bodyPr wrap="square" rtlCol="0">
+            <a:spAutoFit/>
+          </a:bodyPr>
+          <a:lstStyle/>
+          <a:p>
+            <a:pPr algn="ctr"/>
+            <a:r>
+              <a:rPr lang="en-US" sz="2400" b="1" dirty="0">
+                <a:solidFill>
+                  <a:schemeClr val="bg2">
+                    <a:lumMod val="75000"/>
+                  </a:schemeClr>
+                </a:solidFill>
+              </a:rPr>
+              <a:t>College enrollment</a:t>
+            </a:r>
+          </a:p>
+        </p:txBody>
+      </p:sp>
+      <p:cxnSp>
+        <p:nvCxnSpPr>
+          <p:cNvPr id="11" name="Straight Connector 10">
+            <a:extLst>
+              <a:ext uri="{FF2B5EF4-FFF2-40B4-BE49-F238E27FC236}">
+                <a16:creationId xmlns:a16="http://schemas.microsoft.com/office/drawing/2014/main" id="{1D5E513A-B7E9-42DB-967A-02857DBE31E4}"/>
+              </a:ext>
+            </a:extLst>
+          </p:cNvPr>
+          <p:cNvCxnSpPr>
+            <a:cxnSpLocks/>
+          </p:cNvCxnSpPr>
+          <p:nvPr/>
+        </p:nvCxnSpPr>
+        <p:spPr>
+          <a:xfrm flipV="1">
+            <a:off x="2249645" y="2493034"/>
+            <a:ext cx="5660778" cy="1457866"/>
+          </a:xfrm>
+          <a:prstGeom prst="line">
+            <a:avLst/>
+          </a:prstGeom>
+          <a:ln w="76200">
+            <a:solidFill>
+              <a:schemeClr val="accent1"/>
+            </a:solidFill>
+            <a:prstDash val="solid"/>
+          </a:ln>
+        </p:spPr>
+        <p:style>
+          <a:lnRef idx="1">
+            <a:schemeClr val="accent1"/>
+          </a:lnRef>
+          <a:fillRef idx="0">
+            <a:schemeClr val="accent1"/>
+          </a:fillRef>
+          <a:effectRef idx="0">
+            <a:schemeClr val="accent1"/>
+          </a:effectRef>
+          <a:fontRef idx="minor">
+            <a:schemeClr val="tx1"/>
+          </a:fontRef>
+        </p:style>
+      </p:cxnSp>
+      <p:cxnSp>
+        <p:nvCxnSpPr>
+          <p:cNvPr id="12" name="Straight Arrow Connector 11"/>
+          <p:cNvCxnSpPr/>
+          <p:nvPr/>
+        </p:nvCxnSpPr>
+        <p:spPr>
+          <a:xfrm>
+            <a:off x="2208362" y="4744528"/>
+            <a:ext cx="5835771" cy="13735"/>
+          </a:xfrm>
+          <a:prstGeom prst="straightConnector1">
+            <a:avLst/>
+          </a:prstGeom>
+          <a:ln w="57150">
+            <a:solidFill>
+              <a:schemeClr val="bg2">
+                <a:lumMod val="75000"/>
+              </a:schemeClr>
+            </a:solidFill>
+            <a:tailEnd type="triangle"/>
+          </a:ln>
+        </p:spPr>
+        <p:style>
+          <a:lnRef idx="1">
+            <a:schemeClr val="accent1"/>
+          </a:lnRef>
+          <a:fillRef idx="0">
+            <a:schemeClr val="accent1"/>
+          </a:fillRef>
+          <a:effectRef idx="0">
+            <a:schemeClr val="accent1"/>
+          </a:effectRef>
+          <a:fontRef idx="minor">
+            <a:schemeClr val="tx1"/>
+          </a:fontRef>
+        </p:style>
+      </p:cxnSp>
+      <p:sp>
+        <p:nvSpPr>
+          <p:cNvPr id="7" name="TextBox 6"/>
+          <p:cNvSpPr txBox="1"/>
+          <p:nvPr/>
+        </p:nvSpPr>
+        <p:spPr>
+          <a:xfrm>
+            <a:off x="3990632" y="769330"/>
+            <a:ext cx="1945000" cy="400110"/>
+          </a:xfrm>
+          <a:prstGeom prst="rect">
+            <a:avLst/>
+          </a:prstGeom>
+          <a:noFill/>
+        </p:spPr>
+        <p:txBody>
+          <a:bodyPr wrap="square" rtlCol="0">
+            <a:spAutoFit/>
+          </a:bodyPr>
+          <a:lstStyle/>
+          <a:p>
+            <a:pPr algn="ctr"/>
+            <a:r>
+              <a:rPr lang="en-US" sz="2000" b="1" dirty="0">
                 <a:solidFill>
                   <a:srgbClr val="FF0000"/>
                 </a:solidFill>
               </a:rPr>
               <a:t>Cutoff</a:t>
             </a:r>
-            <a:endParaRPr lang="en-US" sz="2000" b="1" dirty="0">
-              <a:solidFill>
-                <a:srgbClr val="FF0000"/>
-              </a:solidFill>
-            </a:endParaRPr>
           </a:p>
         </p:txBody>
       </p:sp>
@@ -3911,8 +4868,8 @@
         </p:nvSpPr>
         <p:spPr>
           <a:xfrm rot="20733941">
-            <a:off x="2727398" y="2589981"/>
-            <a:ext cx="2163326" cy="400110"/>
+            <a:off x="2721946" y="3099623"/>
+            <a:ext cx="2168865" cy="400110"/>
           </a:xfrm>
           <a:prstGeom prst="rect">
             <a:avLst/>
@@ -3927,7 +4884,7 @@
           <a:p>
             <a:pPr algn="ctr"/>
             <a:r>
-              <a:rPr lang="en-US" sz="2000" b="1" dirty="0" smtClean="0">
+              <a:rPr lang="en-US" sz="2000" b="1" dirty="0">
                 <a:solidFill>
                   <a:schemeClr val="accent1">
                     <a:lumMod val="75000"/>
@@ -3936,13 +4893,6 @@
               </a:rPr>
               <a:t>Treatment group</a:t>
             </a:r>
-            <a:endParaRPr lang="en-US" sz="2000" b="1" dirty="0">
-              <a:solidFill>
-                <a:schemeClr val="accent1">
-                  <a:lumMod val="75000"/>
-                </a:schemeClr>
-              </a:solidFill>
-            </a:endParaRPr>
           </a:p>
         </p:txBody>
       </p:sp>
@@ -3954,7 +4904,7 @@
         </p:nvSpPr>
         <p:spPr>
           <a:xfrm rot="20692983">
-            <a:off x="5735049" y="2729557"/>
+            <a:off x="5947655" y="2737703"/>
             <a:ext cx="2296649" cy="400110"/>
           </a:xfrm>
           <a:prstGeom prst="rect">
@@ -3970,7 +4920,7 @@
           <a:p>
             <a:pPr algn="ctr"/>
             <a:r>
-              <a:rPr lang="en-US" sz="2000" b="1" dirty="0" smtClean="0">
+              <a:rPr lang="en-US" sz="2000" b="1" dirty="0">
                 <a:solidFill>
                   <a:schemeClr val="accent6">
                     <a:lumMod val="75000"/>
@@ -3979,13 +4929,6 @@
               </a:rPr>
               <a:t>Control group</a:t>
             </a:r>
-            <a:endParaRPr lang="en-US" sz="2000" b="1" dirty="0">
-              <a:solidFill>
-                <a:schemeClr val="accent6">
-                  <a:lumMod val="75000"/>
-                </a:schemeClr>
-              </a:solidFill>
-            </a:endParaRPr>
           </a:p>
         </p:txBody>
       </p:sp>
@@ -4005,7 +4948,7 @@
         </p:nvCxnSpPr>
         <p:spPr>
           <a:xfrm flipV="1">
-            <a:off x="4934789" y="2467157"/>
+            <a:off x="4934789" y="2493035"/>
             <a:ext cx="2991036" cy="766450"/>
           </a:xfrm>
           <a:prstGeom prst="line">
@@ -4074,6 +5017,450 @@
       </p:cxnSp>
       <p:sp>
         <p:nvSpPr>
+          <p:cNvPr id="16" name="TextBox 15"/>
+          <p:cNvSpPr txBox="1"/>
+          <p:nvPr/>
+        </p:nvSpPr>
+        <p:spPr>
+          <a:xfrm flipH="1">
+            <a:off x="2249645" y="4744528"/>
+            <a:ext cx="3790564" cy="461665"/>
+          </a:xfrm>
+          <a:prstGeom prst="rect">
+            <a:avLst/>
+          </a:prstGeom>
+          <a:noFill/>
+        </p:spPr>
+        <p:txBody>
+          <a:bodyPr wrap="square" rtlCol="0">
+            <a:spAutoFit/>
+          </a:bodyPr>
+          <a:lstStyle/>
+          <a:p>
+            <a:r>
+              <a:rPr lang="en-US" sz="2400" b="1" dirty="0">
+                <a:solidFill>
+                  <a:schemeClr val="bg2">
+                    <a:lumMod val="75000"/>
+                  </a:schemeClr>
+                </a:solidFill>
+              </a:rPr>
+              <a:t>Income</a:t>
+            </a:r>
+          </a:p>
+        </p:txBody>
+      </p:sp>
+    </p:spTree>
+    <p:extLst>
+      <p:ext uri="{BB962C8B-B14F-4D97-AF65-F5344CB8AC3E}">
+        <p14:creationId xmlns:p14="http://schemas.microsoft.com/office/powerpoint/2010/main" val="826168243"/>
+      </p:ext>
+    </p:extLst>
+  </p:cSld>
+  <p:clrMapOvr>
+    <a:masterClrMapping/>
+  </p:clrMapOvr>
+</p:sld>
+</file>
+
+<file path=ppt/slides/slide5.xml><?xml version="1.0" encoding="utf-8"?>
+<p:sld xmlns:a="http://schemas.openxmlformats.org/drawingml/2006/main" xmlns:r="http://schemas.openxmlformats.org/officeDocument/2006/relationships" xmlns:p="http://schemas.openxmlformats.org/presentationml/2006/main">
+  <p:cSld>
+    <p:spTree>
+      <p:nvGrpSpPr>
+        <p:cNvPr id="1" name=""/>
+        <p:cNvGrpSpPr/>
+        <p:nvPr/>
+      </p:nvGrpSpPr>
+      <p:grpSpPr>
+        <a:xfrm>
+          <a:off x="0" y="0"/>
+          <a:ext cx="0" cy="0"/>
+          <a:chOff x="0" y="0"/>
+          <a:chExt cx="0" cy="0"/>
+        </a:xfrm>
+      </p:grpSpPr>
+      <p:cxnSp>
+        <p:nvCxnSpPr>
+          <p:cNvPr id="2" name="Straight Arrow Connector 1"/>
+          <p:cNvCxnSpPr/>
+          <p:nvPr/>
+        </p:nvCxnSpPr>
+        <p:spPr>
+          <a:xfrm flipV="1">
+            <a:off x="2234242" y="750498"/>
+            <a:ext cx="0" cy="3994030"/>
+          </a:xfrm>
+          <a:prstGeom prst="straightConnector1">
+            <a:avLst/>
+          </a:prstGeom>
+          <a:ln w="57150">
+            <a:solidFill>
+              <a:schemeClr val="bg2">
+                <a:lumMod val="75000"/>
+              </a:schemeClr>
+            </a:solidFill>
+            <a:tailEnd type="triangle"/>
+          </a:ln>
+        </p:spPr>
+        <p:style>
+          <a:lnRef idx="1">
+            <a:schemeClr val="accent1"/>
+          </a:lnRef>
+          <a:fillRef idx="0">
+            <a:schemeClr val="accent1"/>
+          </a:fillRef>
+          <a:effectRef idx="0">
+            <a:schemeClr val="accent1"/>
+          </a:effectRef>
+          <a:fontRef idx="minor">
+            <a:schemeClr val="tx1"/>
+          </a:fontRef>
+        </p:style>
+      </p:cxnSp>
+      <p:sp>
+        <p:nvSpPr>
+          <p:cNvPr id="8" name="TextBox 7"/>
+          <p:cNvSpPr txBox="1"/>
+          <p:nvPr/>
+        </p:nvSpPr>
+        <p:spPr>
+          <a:xfrm rot="16200000">
+            <a:off x="538075" y="1756679"/>
+            <a:ext cx="2760450" cy="461665"/>
+          </a:xfrm>
+          <a:prstGeom prst="rect">
+            <a:avLst/>
+          </a:prstGeom>
+          <a:noFill/>
+        </p:spPr>
+        <p:txBody>
+          <a:bodyPr wrap="square" rtlCol="0">
+            <a:spAutoFit/>
+          </a:bodyPr>
+          <a:lstStyle/>
+          <a:p>
+            <a:pPr algn="ctr"/>
+            <a:r>
+              <a:rPr lang="en-US" sz="2400" b="1" dirty="0">
+                <a:solidFill>
+                  <a:schemeClr val="bg2">
+                    <a:lumMod val="75000"/>
+                  </a:schemeClr>
+                </a:solidFill>
+              </a:rPr>
+              <a:t>College enrollment</a:t>
+            </a:r>
+          </a:p>
+        </p:txBody>
+      </p:sp>
+      <p:cxnSp>
+        <p:nvCxnSpPr>
+          <p:cNvPr id="11" name="Straight Connector 10">
+            <a:extLst>
+              <a:ext uri="{FF2B5EF4-FFF2-40B4-BE49-F238E27FC236}">
+                <a16:creationId xmlns:a16="http://schemas.microsoft.com/office/drawing/2014/main" id="{1D5E513A-B7E9-42DB-967A-02857DBE31E4}"/>
+              </a:ext>
+            </a:extLst>
+          </p:cNvPr>
+          <p:cNvCxnSpPr>
+            <a:cxnSpLocks/>
+          </p:cNvCxnSpPr>
+          <p:nvPr/>
+        </p:nvCxnSpPr>
+        <p:spPr>
+          <a:xfrm flipV="1">
+            <a:off x="2249645" y="2725954"/>
+            <a:ext cx="2685144" cy="715994"/>
+          </a:xfrm>
+          <a:prstGeom prst="line">
+            <a:avLst/>
+          </a:prstGeom>
+          <a:ln w="76200">
+            <a:solidFill>
+              <a:schemeClr val="accent1"/>
+            </a:solidFill>
+            <a:prstDash val="solid"/>
+          </a:ln>
+        </p:spPr>
+        <p:style>
+          <a:lnRef idx="1">
+            <a:schemeClr val="accent1"/>
+          </a:lnRef>
+          <a:fillRef idx="0">
+            <a:schemeClr val="accent1"/>
+          </a:fillRef>
+          <a:effectRef idx="0">
+            <a:schemeClr val="accent1"/>
+          </a:effectRef>
+          <a:fontRef idx="minor">
+            <a:schemeClr val="tx1"/>
+          </a:fontRef>
+        </p:style>
+      </p:cxnSp>
+      <p:cxnSp>
+        <p:nvCxnSpPr>
+          <p:cNvPr id="12" name="Straight Arrow Connector 11"/>
+          <p:cNvCxnSpPr/>
+          <p:nvPr/>
+        </p:nvCxnSpPr>
+        <p:spPr>
+          <a:xfrm>
+            <a:off x="2208362" y="4744528"/>
+            <a:ext cx="5835771" cy="13735"/>
+          </a:xfrm>
+          <a:prstGeom prst="straightConnector1">
+            <a:avLst/>
+          </a:prstGeom>
+          <a:ln w="57150">
+            <a:solidFill>
+              <a:schemeClr val="bg2">
+                <a:lumMod val="75000"/>
+              </a:schemeClr>
+            </a:solidFill>
+            <a:tailEnd type="triangle"/>
+          </a:ln>
+        </p:spPr>
+        <p:style>
+          <a:lnRef idx="1">
+            <a:schemeClr val="accent1"/>
+          </a:lnRef>
+          <a:fillRef idx="0">
+            <a:schemeClr val="accent1"/>
+          </a:fillRef>
+          <a:effectRef idx="0">
+            <a:schemeClr val="accent1"/>
+          </a:effectRef>
+          <a:fontRef idx="minor">
+            <a:schemeClr val="tx1"/>
+          </a:fontRef>
+        </p:style>
+      </p:cxnSp>
+      <p:sp>
+        <p:nvSpPr>
+          <p:cNvPr id="7" name="TextBox 6"/>
+          <p:cNvSpPr txBox="1"/>
+          <p:nvPr/>
+        </p:nvSpPr>
+        <p:spPr>
+          <a:xfrm>
+            <a:off x="3990632" y="769330"/>
+            <a:ext cx="1945000" cy="400110"/>
+          </a:xfrm>
+          <a:prstGeom prst="rect">
+            <a:avLst/>
+          </a:prstGeom>
+          <a:noFill/>
+        </p:spPr>
+        <p:txBody>
+          <a:bodyPr wrap="square" rtlCol="0">
+            <a:spAutoFit/>
+          </a:bodyPr>
+          <a:lstStyle/>
+          <a:p>
+            <a:pPr algn="ctr"/>
+            <a:r>
+              <a:rPr lang="en-US" sz="2000" b="1" dirty="0">
+                <a:solidFill>
+                  <a:srgbClr val="FF0000"/>
+                </a:solidFill>
+              </a:rPr>
+              <a:t>Cutoff</a:t>
+            </a:r>
+          </a:p>
+        </p:txBody>
+      </p:sp>
+      <p:sp>
+        <p:nvSpPr>
+          <p:cNvPr id="9" name="TextBox 8"/>
+          <p:cNvSpPr txBox="1"/>
+          <p:nvPr/>
+        </p:nvSpPr>
+        <p:spPr>
+          <a:xfrm>
+            <a:off x="3933947" y="4744528"/>
+            <a:ext cx="1945000" cy="400110"/>
+          </a:xfrm>
+          <a:prstGeom prst="rect">
+            <a:avLst/>
+          </a:prstGeom>
+          <a:noFill/>
+        </p:spPr>
+        <p:txBody>
+          <a:bodyPr wrap="square" rtlCol="0">
+            <a:spAutoFit/>
+          </a:bodyPr>
+          <a:lstStyle/>
+          <a:p>
+            <a:pPr algn="ctr"/>
+            <a:r>
+              <a:rPr lang="en-US" sz="2000" b="1" dirty="0">
+                <a:solidFill>
+                  <a:srgbClr val="FF0000"/>
+                </a:solidFill>
+              </a:rPr>
+              <a:t>c</a:t>
+            </a:r>
+          </a:p>
+        </p:txBody>
+      </p:sp>
+      <p:sp>
+        <p:nvSpPr>
+          <p:cNvPr id="13" name="TextBox 12"/>
+          <p:cNvSpPr txBox="1"/>
+          <p:nvPr/>
+        </p:nvSpPr>
+        <p:spPr>
+          <a:xfrm rot="20733941">
+            <a:off x="2727398" y="2589981"/>
+            <a:ext cx="2163326" cy="400110"/>
+          </a:xfrm>
+          <a:prstGeom prst="rect">
+            <a:avLst/>
+          </a:prstGeom>
+          <a:noFill/>
+        </p:spPr>
+        <p:txBody>
+          <a:bodyPr wrap="square" rtlCol="0">
+            <a:spAutoFit/>
+          </a:bodyPr>
+          <a:lstStyle/>
+          <a:p>
+            <a:pPr algn="ctr"/>
+            <a:r>
+              <a:rPr lang="en-US" sz="2000" b="1" dirty="0">
+                <a:solidFill>
+                  <a:schemeClr val="accent1">
+                    <a:lumMod val="75000"/>
+                  </a:schemeClr>
+                </a:solidFill>
+              </a:rPr>
+              <a:t>Treatment group</a:t>
+            </a:r>
+          </a:p>
+        </p:txBody>
+      </p:sp>
+      <p:sp>
+        <p:nvSpPr>
+          <p:cNvPr id="14" name="TextBox 13"/>
+          <p:cNvSpPr txBox="1"/>
+          <p:nvPr/>
+        </p:nvSpPr>
+        <p:spPr>
+          <a:xfrm rot="20692983">
+            <a:off x="5735049" y="2729557"/>
+            <a:ext cx="2296649" cy="400110"/>
+          </a:xfrm>
+          <a:prstGeom prst="rect">
+            <a:avLst/>
+          </a:prstGeom>
+          <a:noFill/>
+        </p:spPr>
+        <p:txBody>
+          <a:bodyPr wrap="square" rtlCol="0">
+            <a:spAutoFit/>
+          </a:bodyPr>
+          <a:lstStyle/>
+          <a:p>
+            <a:pPr algn="ctr"/>
+            <a:r>
+              <a:rPr lang="en-US" sz="2000" b="1" dirty="0">
+                <a:solidFill>
+                  <a:schemeClr val="accent6">
+                    <a:lumMod val="75000"/>
+                  </a:schemeClr>
+                </a:solidFill>
+              </a:rPr>
+              <a:t>Control group</a:t>
+            </a:r>
+          </a:p>
+        </p:txBody>
+      </p:sp>
+      <p:cxnSp>
+        <p:nvCxnSpPr>
+          <p:cNvPr id="15" name="Straight Connector 14">
+            <a:extLst>
+              <a:ext uri="{FF2B5EF4-FFF2-40B4-BE49-F238E27FC236}">
+                <a16:creationId xmlns:a16="http://schemas.microsoft.com/office/drawing/2014/main" id="{1D5E513A-B7E9-42DB-967A-02857DBE31E4}"/>
+              </a:ext>
+            </a:extLst>
+          </p:cNvPr>
+          <p:cNvCxnSpPr>
+            <a:cxnSpLocks/>
+          </p:cNvCxnSpPr>
+          <p:nvPr/>
+        </p:nvCxnSpPr>
+        <p:spPr>
+          <a:xfrm flipV="1">
+            <a:off x="4934789" y="2467157"/>
+            <a:ext cx="2991036" cy="766450"/>
+          </a:xfrm>
+          <a:prstGeom prst="line">
+            <a:avLst/>
+          </a:prstGeom>
+          <a:ln w="76200">
+            <a:solidFill>
+              <a:schemeClr val="accent6">
+                <a:lumMod val="75000"/>
+              </a:schemeClr>
+            </a:solidFill>
+            <a:prstDash val="solid"/>
+          </a:ln>
+        </p:spPr>
+        <p:style>
+          <a:lnRef idx="1">
+            <a:schemeClr val="accent1"/>
+          </a:lnRef>
+          <a:fillRef idx="0">
+            <a:schemeClr val="accent1"/>
+          </a:fillRef>
+          <a:effectRef idx="0">
+            <a:schemeClr val="accent1"/>
+          </a:effectRef>
+          <a:fontRef idx="minor">
+            <a:schemeClr val="tx1"/>
+          </a:fontRef>
+        </p:style>
+      </p:cxnSp>
+      <p:cxnSp>
+        <p:nvCxnSpPr>
+          <p:cNvPr id="10" name="Straight Connector 9"/>
+          <p:cNvCxnSpPr>
+            <a:stCxn id="7" idx="2"/>
+          </p:cNvCxnSpPr>
+          <p:nvPr/>
+        </p:nvCxnSpPr>
+        <p:spPr>
+          <a:xfrm flipH="1">
+            <a:off x="4906447" y="1169440"/>
+            <a:ext cx="56685" cy="3588823"/>
+          </a:xfrm>
+          <a:prstGeom prst="line">
+            <a:avLst/>
+          </a:prstGeom>
+          <a:ln w="57150">
+            <a:solidFill>
+              <a:srgbClr val="FF0000"/>
+            </a:solidFill>
+          </a:ln>
+        </p:spPr>
+        <p:style>
+          <a:lnRef idx="1">
+            <a:schemeClr val="accent1"/>
+          </a:lnRef>
+          <a:fillRef idx="0">
+            <a:schemeClr val="accent1"/>
+          </a:fillRef>
+          <a:effectRef idx="0">
+            <a:schemeClr val="accent1"/>
+          </a:effectRef>
+          <a:fontRef idx="minor">
+            <a:schemeClr val="tx1"/>
+          </a:fontRef>
+        </p:style>
+      </p:cxnSp>
+      <p:sp>
+        <p:nvSpPr>
           <p:cNvPr id="17" name="Right Brace 16"/>
           <p:cNvSpPr/>
           <p:nvPr/>
@@ -4142,10 +5529,9 @@
           <a:p>
             <a:pPr algn="ctr"/>
             <a:r>
-              <a:rPr lang="en-US" sz="2000" b="1" dirty="0" smtClean="0"/>
+              <a:rPr lang="en-US" sz="2000" b="1" dirty="0"/>
               <a:t>Treatment effect</a:t>
             </a:r>
-            <a:endParaRPr lang="en-US" sz="2000" b="1" dirty="0"/>
           </a:p>
         </p:txBody>
       </p:sp>
@@ -4172,7 +5558,7 @@
           <a:lstStyle/>
           <a:p>
             <a:r>
-              <a:rPr lang="en-US" sz="2400" b="1" dirty="0" smtClean="0">
+              <a:rPr lang="en-US" sz="2400" b="1" dirty="0">
                 <a:solidFill>
                   <a:schemeClr val="bg2">
                     <a:lumMod val="75000"/>
@@ -4181,13 +5567,6 @@
               </a:rPr>
               <a:t>Income</a:t>
             </a:r>
-            <a:endParaRPr lang="en-US" sz="2400" b="1" dirty="0">
-              <a:solidFill>
-                <a:schemeClr val="bg2">
-                  <a:lumMod val="75000"/>
-                </a:schemeClr>
-              </a:solidFill>
-            </a:endParaRPr>
           </a:p>
         </p:txBody>
       </p:sp>
@@ -4204,7 +5583,7 @@
 </p:sld>
 </file>
 
-<file path=ppt/slides/slide4.xml><?xml version="1.0" encoding="utf-8"?>
+<file path=ppt/slides/slide6.xml><?xml version="1.0" encoding="utf-8"?>
 <p:sld xmlns:a="http://schemas.openxmlformats.org/drawingml/2006/main" xmlns:r="http://schemas.openxmlformats.org/officeDocument/2006/relationships" xmlns:p="http://schemas.openxmlformats.org/presentationml/2006/main">
   <p:cSld>
     <p:spTree>
@@ -4303,10 +5682,9 @@
                     <a:p>
                       <a:pPr algn="ctr"/>
                       <a:r>
-                        <a:rPr lang="en-US" dirty="0" smtClean="0"/>
+                        <a:rPr lang="en-US" dirty="0"/>
                         <a:t>Individual</a:t>
                       </a:r>
-                      <a:endParaRPr lang="en-US" dirty="0"/>
                     </a:p>
                   </a:txBody>
                   <a:tcPr anchor="ctr"/>
@@ -4318,10 +5696,9 @@
                     <a:p>
                       <a:pPr algn="ctr"/>
                       <a:r>
-                        <a:rPr lang="en-US" dirty="0" smtClean="0"/>
+                        <a:rPr lang="en-US" dirty="0"/>
                         <a:t>Outcome</a:t>
                       </a:r>
-                      <a:endParaRPr lang="en-US" dirty="0"/>
                     </a:p>
                   </a:txBody>
                   <a:tcPr anchor="ctr"/>
@@ -4333,10 +5710,9 @@
                     <a:p>
                       <a:pPr algn="ctr"/>
                       <a:r>
-                        <a:rPr lang="en-US" dirty="0" smtClean="0"/>
+                        <a:rPr lang="en-US" dirty="0"/>
                         <a:t>Score</a:t>
                       </a:r>
-                      <a:endParaRPr lang="en-US" dirty="0"/>
                     </a:p>
                   </a:txBody>
                   <a:tcPr anchor="ctr"/>
@@ -4348,10 +5724,9 @@
                     <a:p>
                       <a:pPr algn="ctr"/>
                       <a:r>
-                        <a:rPr lang="en-US" dirty="0" smtClean="0"/>
+                        <a:rPr lang="en-US" dirty="0"/>
                         <a:t>Treatment</a:t>
                       </a:r>
-                      <a:endParaRPr lang="en-US" dirty="0"/>
                     </a:p>
                   </a:txBody>
                   <a:tcPr anchor="ctr"/>
@@ -4363,7 +5738,7 @@
                     <a:p>
                       <a:pPr algn="ctr"/>
                       <a:r>
-                        <a:rPr lang="en-US" dirty="0" err="1" smtClean="0"/>
+                        <a:rPr lang="en-US" dirty="0" err="1"/>
                         <a:t>Score_c</a:t>
                       </a:r>
                       <a:endParaRPr lang="en-US" dirty="0"/>
@@ -4421,10 +5796,9 @@
                     <a:p>
                       <a:pPr algn="ctr"/>
                       <a:r>
-                        <a:rPr lang="en-US" dirty="0" smtClean="0"/>
+                        <a:rPr lang="en-US" dirty="0"/>
                         <a:t>1</a:t>
                       </a:r>
-                      <a:endParaRPr lang="en-US" dirty="0"/>
                     </a:p>
                   </a:txBody>
                   <a:tcPr/>
@@ -4436,10 +5810,9 @@
                     <a:p>
                       <a:pPr algn="ctr"/>
                       <a:r>
-                        <a:rPr lang="en-US" dirty="0" smtClean="0"/>
+                        <a:rPr lang="en-US" dirty="0"/>
                         <a:t>74</a:t>
                       </a:r>
-                      <a:endParaRPr lang="en-US" dirty="0"/>
                     </a:p>
                   </a:txBody>
                   <a:tcPr/>
@@ -4451,10 +5824,9 @@
                     <a:p>
                       <a:pPr algn="ctr"/>
                       <a:r>
-                        <a:rPr lang="en-US" dirty="0" smtClean="0"/>
+                        <a:rPr lang="en-US" dirty="0"/>
                         <a:t>20</a:t>
                       </a:r>
-                      <a:endParaRPr lang="en-US" dirty="0"/>
                     </a:p>
                   </a:txBody>
                   <a:tcPr/>
@@ -4466,10 +5838,9 @@
                     <a:p>
                       <a:pPr algn="ctr"/>
                       <a:r>
-                        <a:rPr lang="en-US" dirty="0" smtClean="0"/>
+                        <a:rPr lang="en-US" dirty="0"/>
                         <a:t>1</a:t>
                       </a:r>
-                      <a:endParaRPr lang="en-US" dirty="0"/>
                     </a:p>
                   </a:txBody>
                   <a:tcPr/>
@@ -4481,10 +5852,9 @@
                     <a:p>
                       <a:pPr algn="ctr"/>
                       <a:r>
-                        <a:rPr lang="en-US" dirty="0" smtClean="0"/>
+                        <a:rPr lang="en-US" dirty="0"/>
                         <a:t>0</a:t>
                       </a:r>
-                      <a:endParaRPr lang="en-US" dirty="0"/>
                     </a:p>
                   </a:txBody>
                   <a:tcPr/>
@@ -4496,10 +5866,9 @@
                     <a:p>
                       <a:pPr algn="l"/>
                       <a:r>
-                        <a:rPr lang="en-US" i="1" dirty="0" smtClean="0"/>
+                        <a:rPr lang="en-US" i="1" dirty="0"/>
                         <a:t>(20-20)</a:t>
                       </a:r>
-                      <a:endParaRPr lang="en-US" i="1" dirty="0"/>
                     </a:p>
                   </a:txBody>
                   <a:tcPr>
@@ -4523,10 +5892,9 @@
                     <a:p>
                       <a:pPr algn="ctr"/>
                       <a:r>
-                        <a:rPr lang="en-US" dirty="0" smtClean="0"/>
+                        <a:rPr lang="en-US" dirty="0"/>
                         <a:t>2</a:t>
                       </a:r>
-                      <a:endParaRPr lang="en-US" dirty="0"/>
                     </a:p>
                   </a:txBody>
                   <a:tcPr/>
@@ -4538,10 +5906,9 @@
                     <a:p>
                       <a:pPr algn="ctr"/>
                       <a:r>
-                        <a:rPr lang="en-US" dirty="0" smtClean="0"/>
+                        <a:rPr lang="en-US" dirty="0"/>
                         <a:t>46</a:t>
                       </a:r>
-                      <a:endParaRPr lang="en-US" dirty="0"/>
                     </a:p>
                   </a:txBody>
                   <a:tcPr/>
@@ -4553,10 +5920,9 @@
                     <a:p>
                       <a:pPr algn="ctr"/>
                       <a:r>
-                        <a:rPr lang="en-US" dirty="0" smtClean="0"/>
+                        <a:rPr lang="en-US" dirty="0"/>
                         <a:t>10</a:t>
                       </a:r>
-                      <a:endParaRPr lang="en-US" dirty="0"/>
                     </a:p>
                   </a:txBody>
                   <a:tcPr/>
@@ -4582,10 +5948,9 @@
                     <a:p>
                       <a:pPr algn="ctr"/>
                       <a:r>
-                        <a:rPr lang="en-US" dirty="0" smtClean="0"/>
+                        <a:rPr lang="en-US" dirty="0"/>
                         <a:t>-10</a:t>
                       </a:r>
-                      <a:endParaRPr lang="en-US" dirty="0"/>
                     </a:p>
                   </a:txBody>
                   <a:tcPr/>
@@ -4597,10 +5962,9 @@
                     <a:p>
                       <a:pPr algn="l"/>
                       <a:r>
-                        <a:rPr lang="en-US" i="1" dirty="0" smtClean="0"/>
+                        <a:rPr lang="en-US" i="1" dirty="0"/>
                         <a:t>(10-20)</a:t>
                       </a:r>
-                      <a:endParaRPr lang="en-US" i="1" dirty="0"/>
                     </a:p>
                   </a:txBody>
                   <a:tcPr/>
@@ -4619,10 +5983,9 @@
                     <a:p>
                       <a:pPr algn="ctr"/>
                       <a:r>
-                        <a:rPr lang="en-US" dirty="0" smtClean="0"/>
+                        <a:rPr lang="en-US" dirty="0"/>
                         <a:t>3</a:t>
                       </a:r>
-                      <a:endParaRPr lang="en-US" dirty="0"/>
                     </a:p>
                   </a:txBody>
                   <a:tcPr/>
@@ -4634,10 +5997,9 @@
                     <a:p>
                       <a:pPr algn="ctr"/>
                       <a:r>
-                        <a:rPr lang="en-US" dirty="0" smtClean="0"/>
+                        <a:rPr lang="en-US" dirty="0"/>
                         <a:t>96</a:t>
                       </a:r>
-                      <a:endParaRPr lang="en-US" dirty="0"/>
                     </a:p>
                   </a:txBody>
                   <a:tcPr/>
@@ -4649,10 +6011,9 @@
                     <a:p>
                       <a:pPr algn="ctr"/>
                       <a:r>
-                        <a:rPr lang="en-US" dirty="0" smtClean="0"/>
+                        <a:rPr lang="en-US" dirty="0"/>
                         <a:t>30</a:t>
                       </a:r>
-                      <a:endParaRPr lang="en-US" dirty="0"/>
                     </a:p>
                   </a:txBody>
                   <a:tcPr/>
@@ -4678,10 +6039,9 @@
                     <a:p>
                       <a:pPr algn="ctr"/>
                       <a:r>
-                        <a:rPr lang="en-US" dirty="0" smtClean="0"/>
+                        <a:rPr lang="en-US" dirty="0"/>
                         <a:t>10</a:t>
                       </a:r>
-                      <a:endParaRPr lang="en-US" dirty="0"/>
                     </a:p>
                   </a:txBody>
                   <a:tcPr/>
@@ -4693,10 +6053,9 @@
                     <a:p>
                       <a:pPr algn="l"/>
                       <a:r>
-                        <a:rPr lang="en-US" i="1" dirty="0" smtClean="0"/>
+                        <a:rPr lang="en-US" i="1" dirty="0"/>
                         <a:t>(30-20)</a:t>
                       </a:r>
-                      <a:endParaRPr lang="en-US" i="1" dirty="0"/>
                     </a:p>
                   </a:txBody>
                   <a:tcPr>
@@ -4717,10 +6076,9 @@
                     <a:p>
                       <a:pPr algn="ctr"/>
                       <a:r>
-                        <a:rPr lang="en-US" dirty="0" smtClean="0"/>
+                        <a:rPr lang="en-US" dirty="0"/>
                         <a:t>4</a:t>
                       </a:r>
-                      <a:endParaRPr lang="en-US" dirty="0"/>
                     </a:p>
                   </a:txBody>
                   <a:tcPr/>
@@ -4732,10 +6090,9 @@
                     <a:p>
                       <a:pPr algn="ctr"/>
                       <a:r>
-                        <a:rPr lang="en-US" dirty="0" smtClean="0"/>
+                        <a:rPr lang="en-US" dirty="0"/>
                         <a:t>54</a:t>
                       </a:r>
-                      <a:endParaRPr lang="en-US" dirty="0"/>
                     </a:p>
                   </a:txBody>
                   <a:tcPr/>
@@ -4747,10 +6104,9 @@
                     <a:p>
                       <a:pPr algn="ctr"/>
                       <a:r>
-                        <a:rPr lang="en-US" dirty="0" smtClean="0"/>
+                        <a:rPr lang="en-US" dirty="0"/>
                         <a:t>25</a:t>
                       </a:r>
-                      <a:endParaRPr lang="en-US" dirty="0"/>
                     </a:p>
                   </a:txBody>
                   <a:tcPr/>
@@ -4776,10 +6132,9 @@
                     <a:p>
                       <a:pPr algn="ctr"/>
                       <a:r>
-                        <a:rPr lang="en-US" dirty="0" smtClean="0"/>
+                        <a:rPr lang="en-US" dirty="0"/>
                         <a:t>5</a:t>
                       </a:r>
-                      <a:endParaRPr lang="en-US" dirty="0"/>
                     </a:p>
                   </a:txBody>
                   <a:tcPr/>
@@ -4791,10 +6146,9 @@
                     <a:p>
                       <a:pPr algn="l"/>
                       <a:r>
-                        <a:rPr lang="en-US" i="1" dirty="0" smtClean="0"/>
+                        <a:rPr lang="en-US" i="1" dirty="0"/>
                         <a:t>(25-20)</a:t>
                       </a:r>
-                      <a:endParaRPr lang="en-US" i="1" dirty="0"/>
                     </a:p>
                   </a:txBody>
                   <a:tcPr/>
@@ -4813,10 +6167,9 @@
                     <a:p>
                       <a:pPr algn="ctr"/>
                       <a:r>
-                        <a:rPr lang="en-US" dirty="0" smtClean="0"/>
+                        <a:rPr lang="en-US" dirty="0"/>
                         <a:t>5</a:t>
                       </a:r>
-                      <a:endParaRPr lang="en-US" dirty="0"/>
                     </a:p>
                   </a:txBody>
                   <a:tcPr/>
@@ -4828,10 +6181,9 @@
                     <a:p>
                       <a:pPr algn="ctr"/>
                       <a:r>
-                        <a:rPr lang="en-US" dirty="0" smtClean="0"/>
+                        <a:rPr lang="en-US" dirty="0"/>
                         <a:t>50</a:t>
                       </a:r>
-                      <a:endParaRPr lang="en-US" dirty="0"/>
                     </a:p>
                   </a:txBody>
                   <a:tcPr/>
@@ -4843,10 +6195,9 @@
                     <a:p>
                       <a:pPr algn="ctr"/>
                       <a:r>
-                        <a:rPr lang="en-US" dirty="0" smtClean="0"/>
+                        <a:rPr lang="en-US" dirty="0"/>
                         <a:t>22</a:t>
                       </a:r>
-                      <a:endParaRPr lang="en-US" dirty="0"/>
                     </a:p>
                   </a:txBody>
                   <a:tcPr/>
@@ -4872,10 +6223,9 @@
                     <a:p>
                       <a:pPr algn="ctr"/>
                       <a:r>
-                        <a:rPr lang="en-US" dirty="0" smtClean="0"/>
+                        <a:rPr lang="en-US" dirty="0"/>
                         <a:t>2</a:t>
                       </a:r>
-                      <a:endParaRPr lang="en-US" dirty="0"/>
                     </a:p>
                   </a:txBody>
                   <a:tcPr/>
@@ -4887,10 +6237,9 @@
                     <a:p>
                       <a:pPr algn="l"/>
                       <a:r>
-                        <a:rPr lang="en-US" i="1" dirty="0" smtClean="0"/>
+                        <a:rPr lang="en-US" i="1" dirty="0"/>
                         <a:t>(22-20)</a:t>
                       </a:r>
-                      <a:endParaRPr lang="en-US" i="1" dirty="0"/>
                     </a:p>
                   </a:txBody>
                   <a:tcPr>
@@ -4911,10 +6260,9 @@
                     <a:p>
                       <a:pPr algn="ctr"/>
                       <a:r>
-                        <a:rPr lang="en-US" dirty="0" smtClean="0"/>
+                        <a:rPr lang="en-US" dirty="0"/>
                         <a:t>6</a:t>
                       </a:r>
-                      <a:endParaRPr lang="en-US" dirty="0"/>
                     </a:p>
                   </a:txBody>
                   <a:tcPr/>
@@ -4926,10 +6274,9 @@
                     <a:p>
                       <a:pPr algn="ctr"/>
                       <a:r>
-                        <a:rPr lang="en-US" dirty="0" smtClean="0"/>
+                        <a:rPr lang="en-US" dirty="0"/>
                         <a:t>30</a:t>
                       </a:r>
-                      <a:endParaRPr lang="en-US" dirty="0"/>
                     </a:p>
                   </a:txBody>
                   <a:tcPr/>
@@ -4941,107 +6288,9 @@
                     <a:p>
                       <a:pPr algn="ctr"/>
                       <a:r>
-                        <a:rPr lang="en-US" dirty="0" smtClean="0"/>
+                        <a:rPr lang="en-US" dirty="0"/>
                         <a:t>18</a:t>
                       </a:r>
-                      <a:endParaRPr lang="en-US" dirty="0"/>
-                    </a:p>
-                  </a:txBody>
-                  <a:tcPr/>
-                </a:tc>
-                <a:tc>
-                  <a:txBody>
-                    <a:bodyPr/>
-                    <a:lstStyle/>
-                    <a:p>
-                      <a:pPr algn="ctr"/>
-                      <a:r>
-                        <a:rPr lang="en-US" dirty="0" smtClean="0"/>
-                        <a:t>0</a:t>
-                      </a:r>
-                      <a:endParaRPr lang="en-US" dirty="0"/>
-                    </a:p>
-                  </a:txBody>
-                  <a:tcPr/>
-                </a:tc>
-                <a:tc>
-                  <a:txBody>
-                    <a:bodyPr/>
-                    <a:lstStyle/>
-                    <a:p>
-                      <a:pPr algn="ctr"/>
-                      <a:r>
-                        <a:rPr lang="en-US" dirty="0" smtClean="0"/>
-                        <a:t>-2</a:t>
-                      </a:r>
-                      <a:endParaRPr lang="en-US" dirty="0"/>
-                    </a:p>
-                  </a:txBody>
-                  <a:tcPr/>
-                </a:tc>
-                <a:tc>
-                  <a:txBody>
-                    <a:bodyPr/>
-                    <a:lstStyle/>
-                    <a:p>
-                      <a:pPr algn="l"/>
-                      <a:r>
-                        <a:rPr lang="en-US" i="1" dirty="0" smtClean="0"/>
-                        <a:t>(18-20)</a:t>
-                      </a:r>
-                      <a:endParaRPr lang="en-US" i="1" dirty="0"/>
-                    </a:p>
-                  </a:txBody>
-                  <a:tcPr/>
-                </a:tc>
-                <a:extLst>
-                  <a:ext uri="{0D108BD9-81ED-4DB2-BD59-A6C34878D82A}">
-                    <a16:rowId xmlns:a16="http://schemas.microsoft.com/office/drawing/2014/main" val="1126451632"/>
-                  </a:ext>
-                </a:extLst>
-              </a:tr>
-              <a:tr h="370840">
-                <a:tc>
-                  <a:txBody>
-                    <a:bodyPr/>
-                    <a:lstStyle/>
-                    <a:p>
-                      <a:pPr algn="ctr"/>
-                      <a:r>
-                        <a:rPr lang="en-US" dirty="0" smtClean="0"/>
-                        <a:t>7</a:t>
-                      </a:r>
-                      <a:endParaRPr lang="en-US" dirty="0"/>
-                    </a:p>
-                  </a:txBody>
-                  <a:tcPr/>
-                </a:tc>
-                <a:tc>
-                  <a:txBody>
-                    <a:bodyPr/>
-                    <a:lstStyle/>
-                    <a:p>
-                      <a:pPr algn="ctr"/>
-                      <a:r>
-                        <a:rPr lang="en-US" dirty="0" smtClean="0"/>
-                        <a:t>60</a:t>
-                      </a:r>
-                      <a:endParaRPr lang="en-US" dirty="0"/>
-                    </a:p>
-                  </a:txBody>
-                  <a:tcPr/>
-                </a:tc>
-                <a:tc>
-                  <a:txBody>
-                    <a:bodyPr/>
-                    <a:lstStyle/>
-                    <a:p>
-                      <a:pPr algn="ctr"/>
-                      <a:r>
-                        <a:rPr lang="en-US" dirty="0" smtClean="0"/>
-                        <a:t>12</a:t>
-                      </a:r>
-                      <a:endParaRPr lang="en-US" dirty="0"/>
                     </a:p>
                   </a:txBody>
                   <a:tcPr/>
@@ -5067,10 +6316,9 @@
                     <a:p>
                       <a:pPr algn="ctr"/>
                       <a:r>
-                        <a:rPr lang="en-US" dirty="0" smtClean="0"/>
-                        <a:t>-8</a:t>
+                        <a:rPr lang="en-US" dirty="0"/>
+                        <a:t>-2</a:t>
                       </a:r>
-                      <a:endParaRPr lang="en-US" dirty="0"/>
                     </a:p>
                   </a:txBody>
                   <a:tcPr/>
@@ -5082,10 +6330,100 @@
                     <a:p>
                       <a:pPr algn="l"/>
                       <a:r>
-                        <a:rPr lang="en-US" i="1" dirty="0" smtClean="0"/>
+                        <a:rPr lang="en-US" i="1" dirty="0"/>
+                        <a:t>(18-20)</a:t>
+                      </a:r>
+                    </a:p>
+                  </a:txBody>
+                  <a:tcPr/>
+                </a:tc>
+                <a:extLst>
+                  <a:ext uri="{0D108BD9-81ED-4DB2-BD59-A6C34878D82A}">
+                    <a16:rowId xmlns:a16="http://schemas.microsoft.com/office/drawing/2014/main" val="1126451632"/>
+                  </a:ext>
+                </a:extLst>
+              </a:tr>
+              <a:tr h="370840">
+                <a:tc>
+                  <a:txBody>
+                    <a:bodyPr/>
+                    <a:lstStyle/>
+                    <a:p>
+                      <a:pPr algn="ctr"/>
+                      <a:r>
+                        <a:rPr lang="en-US" dirty="0"/>
+                        <a:t>7</a:t>
+                      </a:r>
+                    </a:p>
+                  </a:txBody>
+                  <a:tcPr/>
+                </a:tc>
+                <a:tc>
+                  <a:txBody>
+                    <a:bodyPr/>
+                    <a:lstStyle/>
+                    <a:p>
+                      <a:pPr algn="ctr"/>
+                      <a:r>
+                        <a:rPr lang="en-US" dirty="0"/>
+                        <a:t>60</a:t>
+                      </a:r>
+                    </a:p>
+                  </a:txBody>
+                  <a:tcPr/>
+                </a:tc>
+                <a:tc>
+                  <a:txBody>
+                    <a:bodyPr/>
+                    <a:lstStyle/>
+                    <a:p>
+                      <a:pPr algn="ctr"/>
+                      <a:r>
+                        <a:rPr lang="en-US" dirty="0"/>
+                        <a:t>12</a:t>
+                      </a:r>
+                    </a:p>
+                  </a:txBody>
+                  <a:tcPr/>
+                </a:tc>
+                <a:tc>
+                  <a:txBody>
+                    <a:bodyPr/>
+                    <a:lstStyle/>
+                    <a:p>
+                      <a:pPr algn="ctr"/>
+                      <a:r>
+                        <a:rPr lang="en-US" dirty="0"/>
+                        <a:t>0</a:t>
+                      </a:r>
+                    </a:p>
+                  </a:txBody>
+                  <a:tcPr/>
+                </a:tc>
+                <a:tc>
+                  <a:txBody>
+                    <a:bodyPr/>
+                    <a:lstStyle/>
+                    <a:p>
+                      <a:pPr algn="ctr"/>
+                      <a:r>
+                        <a:rPr lang="en-US" dirty="0"/>
+                        <a:t>-8</a:t>
+                      </a:r>
+                    </a:p>
+                  </a:txBody>
+                  <a:tcPr/>
+                </a:tc>
+                <a:tc>
+                  <a:txBody>
+                    <a:bodyPr/>
+                    <a:lstStyle/>
+                    <a:p>
+                      <a:pPr algn="l"/>
+                      <a:r>
+                        <a:rPr lang="en-US" i="1" dirty="0"/>
                         <a:t>(12-20)</a:t>
                       </a:r>
-                      <a:endParaRPr lang="en-US" i="1" dirty="0"/>
                     </a:p>
                   </a:txBody>
                   <a:tcPr>
@@ -5109,10 +6447,9 @@
                     <a:p>
                       <a:pPr algn="ctr"/>
                       <a:r>
-                        <a:rPr lang="en-US" dirty="0" smtClean="0"/>
+                        <a:rPr lang="en-US" dirty="0"/>
                         <a:t>8</a:t>
                       </a:r>
-                      <a:endParaRPr lang="en-US" dirty="0"/>
                     </a:p>
                   </a:txBody>
                   <a:tcPr/>
@@ -5124,10 +6461,9 @@
                     <a:p>
                       <a:pPr algn="ctr"/>
                       <a:r>
-                        <a:rPr lang="en-US" dirty="0" smtClean="0"/>
+                        <a:rPr lang="en-US" dirty="0"/>
                         <a:t>40</a:t>
                       </a:r>
-                      <a:endParaRPr lang="en-US" dirty="0"/>
                     </a:p>
                   </a:txBody>
                   <a:tcPr/>
@@ -5139,10 +6475,9 @@
                     <a:p>
                       <a:pPr algn="ctr"/>
                       <a:r>
-                        <a:rPr lang="en-US" dirty="0" smtClean="0"/>
+                        <a:rPr lang="en-US" dirty="0"/>
                         <a:t>27</a:t>
                       </a:r>
-                      <a:endParaRPr lang="en-US" dirty="0"/>
                     </a:p>
                   </a:txBody>
                   <a:tcPr/>
@@ -5168,10 +6503,9 @@
                     <a:p>
                       <a:pPr algn="ctr"/>
                       <a:r>
-                        <a:rPr lang="en-US" dirty="0" smtClean="0"/>
+                        <a:rPr lang="en-US" dirty="0"/>
                         <a:t>7</a:t>
                       </a:r>
-                      <a:endParaRPr lang="en-US" dirty="0"/>
                     </a:p>
                   </a:txBody>
                   <a:tcPr>
@@ -5187,10 +6521,9 @@
                     <a:p>
                       <a:pPr algn="l"/>
                       <a:r>
-                        <a:rPr lang="en-US" i="1" dirty="0" smtClean="0"/>
+                        <a:rPr lang="en-US" i="1" dirty="0"/>
                         <a:t>(27-20)</a:t>
                       </a:r>
-                      <a:endParaRPr lang="en-US" i="1" dirty="0"/>
                     </a:p>
                   </a:txBody>
                   <a:tcPr>
@@ -5239,7 +6572,7 @@
 </p:sld>
 </file>
 
-<file path=ppt/slides/slide5.xml><?xml version="1.0" encoding="utf-8"?>
+<file path=ppt/slides/slide7.xml><?xml version="1.0" encoding="utf-8"?>
 <p:sld xmlns:a="http://schemas.openxmlformats.org/drawingml/2006/main" xmlns:r="http://schemas.openxmlformats.org/officeDocument/2006/relationships" xmlns:p="http://schemas.openxmlformats.org/presentationml/2006/main">
   <p:cSld>
     <p:spTree>
@@ -5280,7 +6613,7 @@
           <a:p>
             <a:pPr algn="ctr"/>
             <a:r>
-              <a:rPr lang="en-US" sz="2400" b="1" dirty="0" smtClean="0">
+              <a:rPr lang="en-US" sz="2400" b="1" dirty="0">
                 <a:solidFill>
                   <a:schemeClr val="bg2">
                     <a:lumMod val="75000"/>
@@ -5289,13 +6622,6 @@
               </a:rPr>
               <a:t>College enrollment</a:t>
             </a:r>
-            <a:endParaRPr lang="en-US" sz="2400" b="1" dirty="0">
-              <a:solidFill>
-                <a:schemeClr val="bg2">
-                  <a:lumMod val="75000"/>
-                </a:schemeClr>
-              </a:solidFill>
-            </a:endParaRPr>
           </a:p>
         </p:txBody>
       </p:sp>
@@ -5405,18 +6731,13 @@
           <a:p>
             <a:pPr algn="ctr"/>
             <a:r>
-              <a:rPr lang="en-US" sz="2000" b="1" dirty="0" smtClean="0">
+              <a:rPr lang="en-US" sz="2000" b="1" dirty="0">
                 <a:solidFill>
                   <a:srgbClr val="FF0000"/>
                 </a:solidFill>
               </a:rPr>
               <a:t>Cutoff</a:t>
             </a:r>
-            <a:endParaRPr lang="en-US" sz="2000" b="1" dirty="0">
-              <a:solidFill>
-                <a:srgbClr val="FF0000"/>
-              </a:solidFill>
-            </a:endParaRPr>
           </a:p>
         </p:txBody>
       </p:sp>
@@ -5478,7 +6799,7 @@
           <a:p>
             <a:pPr algn="ctr"/>
             <a:r>
-              <a:rPr lang="en-US" sz="2000" b="1" dirty="0" smtClean="0">
+              <a:rPr lang="en-US" sz="2000" b="1" dirty="0">
                 <a:solidFill>
                   <a:schemeClr val="accent1">
                     <a:lumMod val="75000"/>
@@ -5487,13 +6808,6 @@
               </a:rPr>
               <a:t>Treatment group</a:t>
             </a:r>
-            <a:endParaRPr lang="en-US" sz="2000" b="1" dirty="0">
-              <a:solidFill>
-                <a:schemeClr val="accent1">
-                  <a:lumMod val="75000"/>
-                </a:schemeClr>
-              </a:solidFill>
-            </a:endParaRPr>
           </a:p>
         </p:txBody>
       </p:sp>
@@ -5521,7 +6835,7 @@
           <a:p>
             <a:pPr algn="ctr"/>
             <a:r>
-              <a:rPr lang="en-US" sz="2000" b="1" dirty="0" smtClean="0">
+              <a:rPr lang="en-US" sz="2000" b="1" dirty="0">
                 <a:solidFill>
                   <a:schemeClr val="accent6">
                     <a:lumMod val="75000"/>
@@ -5530,13 +6844,6 @@
               </a:rPr>
               <a:t>Control group</a:t>
             </a:r>
-            <a:endParaRPr lang="en-US" sz="2000" b="1" dirty="0">
-              <a:solidFill>
-                <a:schemeClr val="accent6">
-                  <a:lumMod val="75000"/>
-                </a:schemeClr>
-              </a:solidFill>
-            </a:endParaRPr>
           </a:p>
         </p:txBody>
       </p:sp>
@@ -5563,7 +6870,7 @@
           <a:lstStyle/>
           <a:p>
             <a:r>
-              <a:rPr lang="en-US" sz="2400" b="1" dirty="0" smtClean="0">
+              <a:rPr lang="en-US" sz="2400" b="1" dirty="0">
                 <a:solidFill>
                   <a:schemeClr val="bg2">
                     <a:lumMod val="75000"/>
@@ -5572,13 +6879,6 @@
               </a:rPr>
               <a:t>Income</a:t>
             </a:r>
-            <a:endParaRPr lang="en-US" sz="2400" b="1" dirty="0">
-              <a:solidFill>
-                <a:schemeClr val="bg2">
-                  <a:lumMod val="75000"/>
-                </a:schemeClr>
-              </a:solidFill>
-            </a:endParaRPr>
           </a:p>
         </p:txBody>
       </p:sp>
@@ -5606,10 +6906,9 @@
           <a:p>
             <a:pPr algn="ctr"/>
             <a:r>
-              <a:rPr lang="en-US" sz="2000" b="1" dirty="0" smtClean="0"/>
+              <a:rPr lang="en-US" sz="2000" b="1" dirty="0"/>
               <a:t>Counterfactual</a:t>
             </a:r>
-            <a:endParaRPr lang="en-US" sz="2000" b="1" dirty="0"/>
           </a:p>
         </p:txBody>
       </p:sp>
@@ -5791,7 +7090,7 @@
 </p:sld>
 </file>
 
-<file path=ppt/slides/slide6.xml><?xml version="1.0" encoding="utf-8"?>
+<file path=ppt/slides/slide8.xml><?xml version="1.0" encoding="utf-8"?>
 <p:sld xmlns:a="http://schemas.openxmlformats.org/drawingml/2006/main" xmlns:r="http://schemas.openxmlformats.org/officeDocument/2006/relationships" xmlns:p="http://schemas.openxmlformats.org/presentationml/2006/main">
   <p:cSld>
     <p:spTree>
@@ -5845,7 +7144,7 @@
 </p:sld>
 </file>
 
-<file path=ppt/slides/slide7.xml><?xml version="1.0" encoding="utf-8"?>
+<file path=ppt/slides/slide9.xml><?xml version="1.0" encoding="utf-8"?>
 <p:sld xmlns:a="http://schemas.openxmlformats.org/drawingml/2006/main" xmlns:r="http://schemas.openxmlformats.org/officeDocument/2006/relationships" xmlns:p="http://schemas.openxmlformats.org/presentationml/2006/main">
   <p:cSld>
     <p:spTree>
@@ -5890,60 +7189,6 @@
     <p:extLst>
       <p:ext uri="{BB962C8B-B14F-4D97-AF65-F5344CB8AC3E}">
         <p14:creationId xmlns:p14="http://schemas.microsoft.com/office/powerpoint/2010/main" val="1403386909"/>
-      </p:ext>
-    </p:extLst>
-  </p:cSld>
-  <p:clrMapOvr>
-    <a:masterClrMapping/>
-  </p:clrMapOvr>
-</p:sld>
-</file>
-
-<file path=ppt/slides/slide8.xml><?xml version="1.0" encoding="utf-8"?>
-<p:sld xmlns:a="http://schemas.openxmlformats.org/drawingml/2006/main" xmlns:r="http://schemas.openxmlformats.org/officeDocument/2006/relationships" xmlns:p="http://schemas.openxmlformats.org/presentationml/2006/main">
-  <p:cSld>
-    <p:spTree>
-      <p:nvGrpSpPr>
-        <p:cNvPr id="1" name=""/>
-        <p:cNvGrpSpPr/>
-        <p:nvPr/>
-      </p:nvGrpSpPr>
-      <p:grpSpPr>
-        <a:xfrm>
-          <a:off x="0" y="0"/>
-          <a:ext cx="0" cy="0"/>
-          <a:chOff x="0" y="0"/>
-          <a:chExt cx="0" cy="0"/>
-        </a:xfrm>
-      </p:grpSpPr>
-      <p:pic>
-        <p:nvPicPr>
-          <p:cNvPr id="5" name="Picture 4"/>
-          <p:cNvPicPr>
-            <a:picLocks noChangeAspect="1"/>
-          </p:cNvPicPr>
-          <p:nvPr/>
-        </p:nvPicPr>
-        <p:blipFill>
-          <a:blip r:embed="rId2"/>
-          <a:stretch>
-            <a:fillRect/>
-          </a:stretch>
-        </p:blipFill>
-        <p:spPr>
-          <a:xfrm>
-            <a:off x="3633002" y="2206646"/>
-            <a:ext cx="4925995" cy="2444708"/>
-          </a:xfrm>
-          <a:prstGeom prst="rect">
-            <a:avLst/>
-          </a:prstGeom>
-        </p:spPr>
-      </p:pic>
-    </p:spTree>
-    <p:extLst>
-      <p:ext uri="{BB962C8B-B14F-4D97-AF65-F5344CB8AC3E}">
-        <p14:creationId xmlns:p14="http://schemas.microsoft.com/office/powerpoint/2010/main" val="636769939"/>
       </p:ext>
     </p:extLst>
   </p:cSld>

--- a/FIGURE/RegDisc/RegDiscontinuity.pptx
+++ b/FIGURE/RegDisc/RegDiscontinuity.pptx
@@ -6,15 +6,17 @@
   </p:sldMasterIdLst>
   <p:sldIdLst>
     <p:sldId id="277" r:id="rId2"/>
-    <p:sldId id="278" r:id="rId3"/>
-    <p:sldId id="258" r:id="rId4"/>
-    <p:sldId id="270" r:id="rId5"/>
-    <p:sldId id="271" r:id="rId6"/>
-    <p:sldId id="265" r:id="rId7"/>
-    <p:sldId id="273" r:id="rId8"/>
-    <p:sldId id="274" r:id="rId9"/>
-    <p:sldId id="275" r:id="rId10"/>
-    <p:sldId id="276" r:id="rId11"/>
+    <p:sldId id="279" r:id="rId3"/>
+    <p:sldId id="278" r:id="rId4"/>
+    <p:sldId id="258" r:id="rId5"/>
+    <p:sldId id="270" r:id="rId6"/>
+    <p:sldId id="271" r:id="rId7"/>
+    <p:sldId id="265" r:id="rId8"/>
+    <p:sldId id="273" r:id="rId9"/>
+    <p:sldId id="280" r:id="rId10"/>
+    <p:sldId id="274" r:id="rId11"/>
+    <p:sldId id="275" r:id="rId12"/>
+    <p:sldId id="276" r:id="rId13"/>
   </p:sldIdLst>
   <p:sldSz cx="12192000" cy="6858000"/>
   <p:notesSz cx="6858000" cy="9144000"/>
@@ -3644,6 +3646,114 @@
       </p:grpSpPr>
       <p:pic>
         <p:nvPicPr>
+          <p:cNvPr id="4" name="Picture 3"/>
+          <p:cNvPicPr>
+            <a:picLocks noChangeAspect="1"/>
+          </p:cNvPicPr>
+          <p:nvPr/>
+        </p:nvPicPr>
+        <p:blipFill>
+          <a:blip r:embed="rId2"/>
+          <a:stretch>
+            <a:fillRect/>
+          </a:stretch>
+        </p:blipFill>
+        <p:spPr>
+          <a:xfrm>
+            <a:off x="3532410" y="2221887"/>
+            <a:ext cx="5127180" cy="2414225"/>
+          </a:xfrm>
+          <a:prstGeom prst="rect">
+            <a:avLst/>
+          </a:prstGeom>
+        </p:spPr>
+      </p:pic>
+    </p:spTree>
+    <p:extLst>
+      <p:ext uri="{BB962C8B-B14F-4D97-AF65-F5344CB8AC3E}">
+        <p14:creationId xmlns:p14="http://schemas.microsoft.com/office/powerpoint/2010/main" val="1410927846"/>
+      </p:ext>
+    </p:extLst>
+  </p:cSld>
+  <p:clrMapOvr>
+    <a:masterClrMapping/>
+  </p:clrMapOvr>
+</p:sld>
+</file>
+
+<file path=ppt/slides/slide11.xml><?xml version="1.0" encoding="utf-8"?>
+<p:sld xmlns:a="http://schemas.openxmlformats.org/drawingml/2006/main" xmlns:r="http://schemas.openxmlformats.org/officeDocument/2006/relationships" xmlns:p="http://schemas.openxmlformats.org/presentationml/2006/main">
+  <p:cSld>
+    <p:spTree>
+      <p:nvGrpSpPr>
+        <p:cNvPr id="1" name=""/>
+        <p:cNvGrpSpPr/>
+        <p:nvPr/>
+      </p:nvGrpSpPr>
+      <p:grpSpPr>
+        <a:xfrm>
+          <a:off x="0" y="0"/>
+          <a:ext cx="0" cy="0"/>
+          <a:chOff x="0" y="0"/>
+          <a:chExt cx="0" cy="0"/>
+        </a:xfrm>
+      </p:grpSpPr>
+      <p:pic>
+        <p:nvPicPr>
+          <p:cNvPr id="4" name="Picture 3"/>
+          <p:cNvPicPr>
+            <a:picLocks noChangeAspect="1"/>
+          </p:cNvPicPr>
+          <p:nvPr/>
+        </p:nvPicPr>
+        <p:blipFill>
+          <a:blip r:embed="rId2"/>
+          <a:stretch>
+            <a:fillRect/>
+          </a:stretch>
+        </p:blipFill>
+        <p:spPr>
+          <a:xfrm>
+            <a:off x="3578134" y="2194453"/>
+            <a:ext cx="5035732" cy="2469094"/>
+          </a:xfrm>
+          <a:prstGeom prst="rect">
+            <a:avLst/>
+          </a:prstGeom>
+        </p:spPr>
+      </p:pic>
+    </p:spTree>
+    <p:extLst>
+      <p:ext uri="{BB962C8B-B14F-4D97-AF65-F5344CB8AC3E}">
+        <p14:creationId xmlns:p14="http://schemas.microsoft.com/office/powerpoint/2010/main" val="1403386909"/>
+      </p:ext>
+    </p:extLst>
+  </p:cSld>
+  <p:clrMapOvr>
+    <a:masterClrMapping/>
+  </p:clrMapOvr>
+</p:sld>
+</file>
+
+<file path=ppt/slides/slide12.xml><?xml version="1.0" encoding="utf-8"?>
+<p:sld xmlns:a="http://schemas.openxmlformats.org/drawingml/2006/main" xmlns:r="http://schemas.openxmlformats.org/officeDocument/2006/relationships" xmlns:p="http://schemas.openxmlformats.org/presentationml/2006/main">
+  <p:cSld>
+    <p:spTree>
+      <p:nvGrpSpPr>
+        <p:cNvPr id="1" name=""/>
+        <p:cNvGrpSpPr/>
+        <p:nvPr/>
+      </p:nvGrpSpPr>
+      <p:grpSpPr>
+        <a:xfrm>
+          <a:off x="0" y="0"/>
+          <a:ext cx="0" cy="0"/>
+          <a:chOff x="0" y="0"/>
+          <a:chExt cx="0" cy="0"/>
+        </a:xfrm>
+      </p:grpSpPr>
+      <p:pic>
+        <p:nvPicPr>
           <p:cNvPr id="5" name="Picture 4"/>
           <p:cNvPicPr>
             <a:picLocks noChangeAspect="1"/>
@@ -3680,6 +3790,691 @@
 </file>
 
 <file path=ppt/slides/slide2.xml><?xml version="1.0" encoding="utf-8"?>
+<p:sld xmlns:a="http://schemas.openxmlformats.org/drawingml/2006/main" xmlns:r="http://schemas.openxmlformats.org/officeDocument/2006/relationships" xmlns:p="http://schemas.openxmlformats.org/presentationml/2006/main">
+  <p:cSld>
+    <p:spTree>
+      <p:nvGrpSpPr>
+        <p:cNvPr id="1" name=""/>
+        <p:cNvGrpSpPr/>
+        <p:nvPr/>
+      </p:nvGrpSpPr>
+      <p:grpSpPr>
+        <a:xfrm>
+          <a:off x="0" y="0"/>
+          <a:ext cx="0" cy="0"/>
+          <a:chOff x="0" y="0"/>
+          <a:chExt cx="0" cy="0"/>
+        </a:xfrm>
+      </p:grpSpPr>
+      <p:cxnSp>
+        <p:nvCxnSpPr>
+          <p:cNvPr id="2" name="Straight Arrow Connector 1"/>
+          <p:cNvCxnSpPr/>
+          <p:nvPr/>
+        </p:nvCxnSpPr>
+        <p:spPr>
+          <a:xfrm flipV="1">
+            <a:off x="2234242" y="750498"/>
+            <a:ext cx="0" cy="3994030"/>
+          </a:xfrm>
+          <a:prstGeom prst="straightConnector1">
+            <a:avLst/>
+          </a:prstGeom>
+          <a:ln w="57150">
+            <a:solidFill>
+              <a:schemeClr val="bg2">
+                <a:lumMod val="75000"/>
+              </a:schemeClr>
+            </a:solidFill>
+            <a:tailEnd type="triangle"/>
+          </a:ln>
+        </p:spPr>
+        <p:style>
+          <a:lnRef idx="1">
+            <a:schemeClr val="accent1"/>
+          </a:lnRef>
+          <a:fillRef idx="0">
+            <a:schemeClr val="accent1"/>
+          </a:fillRef>
+          <a:effectRef idx="0">
+            <a:schemeClr val="accent1"/>
+          </a:effectRef>
+          <a:fontRef idx="minor">
+            <a:schemeClr val="tx1"/>
+          </a:fontRef>
+        </p:style>
+      </p:cxnSp>
+      <p:cxnSp>
+        <p:nvCxnSpPr>
+          <p:cNvPr id="11" name="Straight Connector 10">
+            <a:extLst>
+              <a:ext uri="{FF2B5EF4-FFF2-40B4-BE49-F238E27FC236}">
+                <a16:creationId xmlns:a16="http://schemas.microsoft.com/office/drawing/2014/main" id="{1D5E513A-B7E9-42DB-967A-02857DBE31E4}"/>
+              </a:ext>
+            </a:extLst>
+          </p:cNvPr>
+          <p:cNvCxnSpPr>
+            <a:cxnSpLocks/>
+          </p:cNvCxnSpPr>
+          <p:nvPr/>
+        </p:nvCxnSpPr>
+        <p:spPr>
+          <a:xfrm flipV="1">
+            <a:off x="2249645" y="2493034"/>
+            <a:ext cx="5660778" cy="1457866"/>
+          </a:xfrm>
+          <a:prstGeom prst="line">
+            <a:avLst/>
+          </a:prstGeom>
+          <a:ln w="76200">
+            <a:solidFill>
+              <a:schemeClr val="accent1"/>
+            </a:solidFill>
+            <a:prstDash val="solid"/>
+          </a:ln>
+        </p:spPr>
+        <p:style>
+          <a:lnRef idx="1">
+            <a:schemeClr val="accent1"/>
+          </a:lnRef>
+          <a:fillRef idx="0">
+            <a:schemeClr val="accent1"/>
+          </a:fillRef>
+          <a:effectRef idx="0">
+            <a:schemeClr val="accent1"/>
+          </a:effectRef>
+          <a:fontRef idx="minor">
+            <a:schemeClr val="tx1"/>
+          </a:fontRef>
+        </p:style>
+      </p:cxnSp>
+      <p:cxnSp>
+        <p:nvCxnSpPr>
+          <p:cNvPr id="12" name="Straight Arrow Connector 11"/>
+          <p:cNvCxnSpPr/>
+          <p:nvPr/>
+        </p:nvCxnSpPr>
+        <p:spPr>
+          <a:xfrm>
+            <a:off x="2208362" y="4744528"/>
+            <a:ext cx="5835771" cy="13735"/>
+          </a:xfrm>
+          <a:prstGeom prst="straightConnector1">
+            <a:avLst/>
+          </a:prstGeom>
+          <a:ln w="57150">
+            <a:solidFill>
+              <a:schemeClr val="bg2">
+                <a:lumMod val="75000"/>
+              </a:schemeClr>
+            </a:solidFill>
+            <a:tailEnd type="triangle"/>
+          </a:ln>
+        </p:spPr>
+        <p:style>
+          <a:lnRef idx="1">
+            <a:schemeClr val="accent1"/>
+          </a:lnRef>
+          <a:fillRef idx="0">
+            <a:schemeClr val="accent1"/>
+          </a:fillRef>
+          <a:effectRef idx="0">
+            <a:schemeClr val="accent1"/>
+          </a:effectRef>
+          <a:fontRef idx="minor">
+            <a:schemeClr val="tx1"/>
+          </a:fontRef>
+        </p:style>
+      </p:cxnSp>
+      <p:sp>
+        <p:nvSpPr>
+          <p:cNvPr id="18" name="TextBox 17"/>
+          <p:cNvSpPr txBox="1"/>
+          <p:nvPr/>
+        </p:nvSpPr>
+        <p:spPr>
+          <a:xfrm flipH="1">
+            <a:off x="2249645" y="4744528"/>
+            <a:ext cx="3790564" cy="461665"/>
+          </a:xfrm>
+          <a:prstGeom prst="rect">
+            <a:avLst/>
+          </a:prstGeom>
+          <a:noFill/>
+        </p:spPr>
+        <p:txBody>
+          <a:bodyPr wrap="square" rtlCol="0">
+            <a:spAutoFit/>
+          </a:bodyPr>
+          <a:lstStyle/>
+          <a:p>
+            <a:r>
+              <a:rPr lang="en-US" sz="2400" b="1" dirty="0">
+                <a:solidFill>
+                  <a:schemeClr val="bg2">
+                    <a:lumMod val="75000"/>
+                  </a:schemeClr>
+                </a:solidFill>
+              </a:rPr>
+              <a:t>9</a:t>
+            </a:r>
+            <a:r>
+              <a:rPr lang="en-US" sz="2400" b="1" baseline="30000" dirty="0">
+                <a:solidFill>
+                  <a:schemeClr val="bg2">
+                    <a:lumMod val="75000"/>
+                  </a:schemeClr>
+                </a:solidFill>
+              </a:rPr>
+              <a:t>th</a:t>
+            </a:r>
+            <a:r>
+              <a:rPr lang="en-US" sz="2400" b="1" dirty="0">
+                <a:solidFill>
+                  <a:schemeClr val="bg2">
+                    <a:lumMod val="75000"/>
+                  </a:schemeClr>
+                </a:solidFill>
+              </a:rPr>
+              <a:t> Grade Standardized Test</a:t>
+            </a:r>
+          </a:p>
+        </p:txBody>
+      </p:sp>
+      <p:sp>
+        <p:nvSpPr>
+          <p:cNvPr id="23" name="TextBox 22"/>
+          <p:cNvSpPr txBox="1"/>
+          <p:nvPr/>
+        </p:nvSpPr>
+        <p:spPr>
+          <a:xfrm rot="16200000">
+            <a:off x="787427" y="1507327"/>
+            <a:ext cx="2261749" cy="461665"/>
+          </a:xfrm>
+          <a:prstGeom prst="rect">
+            <a:avLst/>
+          </a:prstGeom>
+          <a:noFill/>
+        </p:spPr>
+        <p:txBody>
+          <a:bodyPr wrap="square" rtlCol="0">
+            <a:spAutoFit/>
+          </a:bodyPr>
+          <a:lstStyle/>
+          <a:p>
+            <a:pPr algn="ctr"/>
+            <a:r>
+              <a:rPr lang="en-US" sz="2400" b="1" dirty="0">
+                <a:solidFill>
+                  <a:schemeClr val="bg2">
+                    <a:lumMod val="75000"/>
+                  </a:schemeClr>
+                </a:solidFill>
+              </a:rPr>
+              <a:t>College GPA</a:t>
+            </a:r>
+          </a:p>
+        </p:txBody>
+      </p:sp>
+      <p:sp>
+        <p:nvSpPr>
+          <p:cNvPr id="9" name="TextBox 8">
+            <a:extLst>
+              <a:ext uri="{FF2B5EF4-FFF2-40B4-BE49-F238E27FC236}">
+                <a16:creationId xmlns:a16="http://schemas.microsoft.com/office/drawing/2014/main" id="{C6CF50B5-51EC-4941-BBB4-E4FEFB424D5B}"/>
+              </a:ext>
+            </a:extLst>
+          </p:cNvPr>
+          <p:cNvSpPr txBox="1"/>
+          <p:nvPr/>
+        </p:nvSpPr>
+        <p:spPr>
+          <a:xfrm>
+            <a:off x="3990632" y="769330"/>
+            <a:ext cx="1945000" cy="400110"/>
+          </a:xfrm>
+          <a:prstGeom prst="rect">
+            <a:avLst/>
+          </a:prstGeom>
+          <a:noFill/>
+        </p:spPr>
+        <p:txBody>
+          <a:bodyPr wrap="square" rtlCol="0">
+            <a:spAutoFit/>
+          </a:bodyPr>
+          <a:lstStyle/>
+          <a:p>
+            <a:pPr algn="ctr"/>
+            <a:r>
+              <a:rPr lang="en-US" sz="2000" b="1" dirty="0">
+                <a:solidFill>
+                  <a:srgbClr val="C00000"/>
+                </a:solidFill>
+              </a:rPr>
+              <a:t>Threshold</a:t>
+            </a:r>
+          </a:p>
+        </p:txBody>
+      </p:sp>
+      <p:cxnSp>
+        <p:nvCxnSpPr>
+          <p:cNvPr id="10" name="Straight Connector 9">
+            <a:extLst>
+              <a:ext uri="{FF2B5EF4-FFF2-40B4-BE49-F238E27FC236}">
+                <a16:creationId xmlns:a16="http://schemas.microsoft.com/office/drawing/2014/main" id="{767E2793-4207-4A5A-A30E-04880F1042DC}"/>
+              </a:ext>
+            </a:extLst>
+          </p:cNvPr>
+          <p:cNvCxnSpPr>
+            <a:stCxn id="9" idx="2"/>
+          </p:cNvCxnSpPr>
+          <p:nvPr/>
+        </p:nvCxnSpPr>
+        <p:spPr>
+          <a:xfrm flipH="1">
+            <a:off x="4906447" y="1169440"/>
+            <a:ext cx="56685" cy="3588823"/>
+          </a:xfrm>
+          <a:prstGeom prst="line">
+            <a:avLst/>
+          </a:prstGeom>
+          <a:ln w="57150">
+            <a:solidFill>
+              <a:srgbClr val="C00000"/>
+            </a:solidFill>
+          </a:ln>
+        </p:spPr>
+        <p:style>
+          <a:lnRef idx="1">
+            <a:schemeClr val="accent1"/>
+          </a:lnRef>
+          <a:fillRef idx="0">
+            <a:schemeClr val="accent1"/>
+          </a:fillRef>
+          <a:effectRef idx="0">
+            <a:schemeClr val="accent1"/>
+          </a:effectRef>
+          <a:fontRef idx="minor">
+            <a:schemeClr val="tx1"/>
+          </a:fontRef>
+        </p:style>
+      </p:cxnSp>
+      <p:sp>
+        <p:nvSpPr>
+          <p:cNvPr id="5" name="Oval 4">
+            <a:extLst>
+              <a:ext uri="{FF2B5EF4-FFF2-40B4-BE49-F238E27FC236}">
+                <a16:creationId xmlns:a16="http://schemas.microsoft.com/office/drawing/2014/main" id="{7B6AE33A-955A-4975-B27E-8C46D3472D2C}"/>
+              </a:ext>
+            </a:extLst>
+          </p:cNvPr>
+          <p:cNvSpPr/>
+          <p:nvPr/>
+        </p:nvSpPr>
+        <p:spPr>
+          <a:xfrm>
+            <a:off x="6377797" y="2731129"/>
+            <a:ext cx="251670" cy="260059"/>
+          </a:xfrm>
+          <a:prstGeom prst="ellipse">
+            <a:avLst/>
+          </a:prstGeom>
+          <a:solidFill>
+            <a:srgbClr val="C00000"/>
+          </a:solidFill>
+          <a:ln>
+            <a:noFill/>
+          </a:ln>
+        </p:spPr>
+        <p:style>
+          <a:lnRef idx="2">
+            <a:schemeClr val="accent1">
+              <a:shade val="50000"/>
+            </a:schemeClr>
+          </a:lnRef>
+          <a:fillRef idx="1">
+            <a:schemeClr val="accent1"/>
+          </a:fillRef>
+          <a:effectRef idx="0">
+            <a:schemeClr val="accent1"/>
+          </a:effectRef>
+          <a:fontRef idx="minor">
+            <a:schemeClr val="lt1"/>
+          </a:fontRef>
+        </p:style>
+        <p:txBody>
+          <a:bodyPr rtlCol="0" anchor="ctr"/>
+          <a:lstStyle/>
+          <a:p>
+            <a:pPr algn="ctr"/>
+            <a:endParaRPr lang="en-US"/>
+          </a:p>
+        </p:txBody>
+      </p:sp>
+      <p:sp>
+        <p:nvSpPr>
+          <p:cNvPr id="13" name="Oval 12">
+            <a:extLst>
+              <a:ext uri="{FF2B5EF4-FFF2-40B4-BE49-F238E27FC236}">
+                <a16:creationId xmlns:a16="http://schemas.microsoft.com/office/drawing/2014/main" id="{3F9A519B-8C50-4B9C-86A8-5E8A51B6ADC9}"/>
+              </a:ext>
+            </a:extLst>
+          </p:cNvPr>
+          <p:cNvSpPr/>
+          <p:nvPr/>
+        </p:nvSpPr>
+        <p:spPr>
+          <a:xfrm>
+            <a:off x="3527467" y="3435943"/>
+            <a:ext cx="251670" cy="260059"/>
+          </a:xfrm>
+          <a:prstGeom prst="ellipse">
+            <a:avLst/>
+          </a:prstGeom>
+          <a:solidFill>
+            <a:srgbClr val="C00000"/>
+          </a:solidFill>
+          <a:ln>
+            <a:noFill/>
+          </a:ln>
+        </p:spPr>
+        <p:style>
+          <a:lnRef idx="2">
+            <a:schemeClr val="accent1">
+              <a:shade val="50000"/>
+            </a:schemeClr>
+          </a:lnRef>
+          <a:fillRef idx="1">
+            <a:schemeClr val="accent1"/>
+          </a:fillRef>
+          <a:effectRef idx="0">
+            <a:schemeClr val="accent1"/>
+          </a:effectRef>
+          <a:fontRef idx="minor">
+            <a:schemeClr val="lt1"/>
+          </a:fontRef>
+        </p:style>
+        <p:txBody>
+          <a:bodyPr rtlCol="0" anchor="ctr"/>
+          <a:lstStyle/>
+          <a:p>
+            <a:pPr algn="ctr"/>
+            <a:endParaRPr lang="en-US"/>
+          </a:p>
+        </p:txBody>
+      </p:sp>
+      <p:cxnSp>
+        <p:nvCxnSpPr>
+          <p:cNvPr id="7" name="Straight Arrow Connector 6">
+            <a:extLst>
+              <a:ext uri="{FF2B5EF4-FFF2-40B4-BE49-F238E27FC236}">
+                <a16:creationId xmlns:a16="http://schemas.microsoft.com/office/drawing/2014/main" id="{3105056A-0D78-4EC2-85A7-7B33C58F71BB}"/>
+              </a:ext>
+            </a:extLst>
+          </p:cNvPr>
+          <p:cNvCxnSpPr/>
+          <p:nvPr/>
+        </p:nvCxnSpPr>
+        <p:spPr>
+          <a:xfrm>
+            <a:off x="5126247" y="1866122"/>
+            <a:ext cx="528104" cy="0"/>
+          </a:xfrm>
+          <a:prstGeom prst="straightConnector1">
+            <a:avLst/>
+          </a:prstGeom>
+          <a:ln w="44450">
+            <a:solidFill>
+              <a:srgbClr val="C00000"/>
+            </a:solidFill>
+            <a:tailEnd type="triangle"/>
+          </a:ln>
+        </p:spPr>
+        <p:style>
+          <a:lnRef idx="1">
+            <a:schemeClr val="accent1"/>
+          </a:lnRef>
+          <a:fillRef idx="0">
+            <a:schemeClr val="accent1"/>
+          </a:fillRef>
+          <a:effectRef idx="0">
+            <a:schemeClr val="accent1"/>
+          </a:effectRef>
+          <a:fontRef idx="minor">
+            <a:schemeClr val="tx1"/>
+          </a:fontRef>
+        </p:style>
+      </p:cxnSp>
+      <p:sp>
+        <p:nvSpPr>
+          <p:cNvPr id="15" name="TextBox 14">
+            <a:extLst>
+              <a:ext uri="{FF2B5EF4-FFF2-40B4-BE49-F238E27FC236}">
+                <a16:creationId xmlns:a16="http://schemas.microsoft.com/office/drawing/2014/main" id="{9744B20D-335E-44DF-8805-5AA546E7FBFA}"/>
+              </a:ext>
+            </a:extLst>
+          </p:cNvPr>
+          <p:cNvSpPr txBox="1"/>
+          <p:nvPr/>
+        </p:nvSpPr>
+        <p:spPr>
+          <a:xfrm>
+            <a:off x="5690336" y="1666067"/>
+            <a:ext cx="1945000" cy="400110"/>
+          </a:xfrm>
+          <a:prstGeom prst="rect">
+            <a:avLst/>
+          </a:prstGeom>
+          <a:noFill/>
+        </p:spPr>
+        <p:txBody>
+          <a:bodyPr wrap="square" rtlCol="0">
+            <a:spAutoFit/>
+          </a:bodyPr>
+          <a:lstStyle/>
+          <a:p>
+            <a:pPr algn="ctr"/>
+            <a:r>
+              <a:rPr lang="en-US" sz="2000" dirty="0">
+                <a:solidFill>
+                  <a:srgbClr val="C00000"/>
+                </a:solidFill>
+              </a:rPr>
+              <a:t>Honors Courses</a:t>
+            </a:r>
+          </a:p>
+        </p:txBody>
+      </p:sp>
+      <p:cxnSp>
+        <p:nvCxnSpPr>
+          <p:cNvPr id="14" name="Straight Connector 13">
+            <a:extLst>
+              <a:ext uri="{FF2B5EF4-FFF2-40B4-BE49-F238E27FC236}">
+                <a16:creationId xmlns:a16="http://schemas.microsoft.com/office/drawing/2014/main" id="{DFAF05D7-7B95-40C2-B8BA-E94BFC7ACA15}"/>
+              </a:ext>
+            </a:extLst>
+          </p:cNvPr>
+          <p:cNvCxnSpPr>
+            <a:stCxn id="5" idx="2"/>
+          </p:cNvCxnSpPr>
+          <p:nvPr/>
+        </p:nvCxnSpPr>
+        <p:spPr>
+          <a:xfrm flipH="1">
+            <a:off x="2208362" y="2861159"/>
+            <a:ext cx="4169435" cy="7875"/>
+          </a:xfrm>
+          <a:prstGeom prst="line">
+            <a:avLst/>
+          </a:prstGeom>
+          <a:ln w="15875">
+            <a:solidFill>
+              <a:schemeClr val="tx1">
+                <a:lumMod val="65000"/>
+                <a:lumOff val="35000"/>
+              </a:schemeClr>
+            </a:solidFill>
+            <a:prstDash val="dash"/>
+          </a:ln>
+        </p:spPr>
+        <p:style>
+          <a:lnRef idx="1">
+            <a:schemeClr val="accent1"/>
+          </a:lnRef>
+          <a:fillRef idx="0">
+            <a:schemeClr val="accent1"/>
+          </a:fillRef>
+          <a:effectRef idx="0">
+            <a:schemeClr val="accent1"/>
+          </a:effectRef>
+          <a:fontRef idx="minor">
+            <a:schemeClr val="tx1"/>
+          </a:fontRef>
+        </p:style>
+      </p:cxnSp>
+      <p:cxnSp>
+        <p:nvCxnSpPr>
+          <p:cNvPr id="19" name="Straight Connector 18">
+            <a:extLst>
+              <a:ext uri="{FF2B5EF4-FFF2-40B4-BE49-F238E27FC236}">
+                <a16:creationId xmlns:a16="http://schemas.microsoft.com/office/drawing/2014/main" id="{D7DA08BA-DB4B-478D-907F-52BCD9827474}"/>
+              </a:ext>
+            </a:extLst>
+          </p:cNvPr>
+          <p:cNvCxnSpPr>
+            <a:cxnSpLocks/>
+            <a:stCxn id="13" idx="2"/>
+          </p:cNvCxnSpPr>
+          <p:nvPr/>
+        </p:nvCxnSpPr>
+        <p:spPr>
+          <a:xfrm flipH="1">
+            <a:off x="2260123" y="3565973"/>
+            <a:ext cx="1267344" cy="0"/>
+          </a:xfrm>
+          <a:prstGeom prst="line">
+            <a:avLst/>
+          </a:prstGeom>
+          <a:ln w="15875">
+            <a:solidFill>
+              <a:schemeClr val="tx1">
+                <a:lumMod val="65000"/>
+                <a:lumOff val="35000"/>
+              </a:schemeClr>
+            </a:solidFill>
+            <a:prstDash val="dash"/>
+          </a:ln>
+        </p:spPr>
+        <p:style>
+          <a:lnRef idx="1">
+            <a:schemeClr val="accent1"/>
+          </a:lnRef>
+          <a:fillRef idx="0">
+            <a:schemeClr val="accent1"/>
+          </a:fillRef>
+          <a:effectRef idx="0">
+            <a:schemeClr val="accent1"/>
+          </a:effectRef>
+          <a:fontRef idx="minor">
+            <a:schemeClr val="tx1"/>
+          </a:fontRef>
+        </p:style>
+      </p:cxnSp>
+      <p:sp>
+        <p:nvSpPr>
+          <p:cNvPr id="36" name="TextBox 35">
+            <a:extLst>
+              <a:ext uri="{FF2B5EF4-FFF2-40B4-BE49-F238E27FC236}">
+                <a16:creationId xmlns:a16="http://schemas.microsoft.com/office/drawing/2014/main" id="{84F39D18-739A-4869-81D7-81D60A74BFDD}"/>
+              </a:ext>
+            </a:extLst>
+          </p:cNvPr>
+          <p:cNvSpPr txBox="1"/>
+          <p:nvPr/>
+        </p:nvSpPr>
+        <p:spPr>
+          <a:xfrm>
+            <a:off x="2680802" y="3110824"/>
+            <a:ext cx="1945000" cy="338554"/>
+          </a:xfrm>
+          <a:prstGeom prst="rect">
+            <a:avLst/>
+          </a:prstGeom>
+          <a:noFill/>
+        </p:spPr>
+        <p:txBody>
+          <a:bodyPr wrap="square" rtlCol="0">
+            <a:spAutoFit/>
+          </a:bodyPr>
+          <a:lstStyle/>
+          <a:p>
+            <a:pPr algn="ctr"/>
+            <a:r>
+              <a:rPr lang="en-US" sz="1600" dirty="0">
+                <a:solidFill>
+                  <a:srgbClr val="C00000"/>
+                </a:solidFill>
+              </a:rPr>
+              <a:t>Ave Y</a:t>
+            </a:r>
+          </a:p>
+        </p:txBody>
+      </p:sp>
+      <p:sp>
+        <p:nvSpPr>
+          <p:cNvPr id="37" name="TextBox 36">
+            <a:extLst>
+              <a:ext uri="{FF2B5EF4-FFF2-40B4-BE49-F238E27FC236}">
+                <a16:creationId xmlns:a16="http://schemas.microsoft.com/office/drawing/2014/main" id="{764A3B48-87E9-4CF9-A35D-C86ACA3B4344}"/>
+              </a:ext>
+            </a:extLst>
+          </p:cNvPr>
+          <p:cNvSpPr txBox="1"/>
+          <p:nvPr/>
+        </p:nvSpPr>
+        <p:spPr>
+          <a:xfrm>
+            <a:off x="5521130" y="2377790"/>
+            <a:ext cx="1945000" cy="338554"/>
+          </a:xfrm>
+          <a:prstGeom prst="rect">
+            <a:avLst/>
+          </a:prstGeom>
+          <a:noFill/>
+        </p:spPr>
+        <p:txBody>
+          <a:bodyPr wrap="square" rtlCol="0">
+            <a:spAutoFit/>
+          </a:bodyPr>
+          <a:lstStyle/>
+          <a:p>
+            <a:pPr algn="ctr"/>
+            <a:r>
+              <a:rPr lang="en-US" sz="1600" dirty="0">
+                <a:solidFill>
+                  <a:srgbClr val="C00000"/>
+                </a:solidFill>
+              </a:rPr>
+              <a:t>Ave Y</a:t>
+            </a:r>
+          </a:p>
+        </p:txBody>
+      </p:sp>
+    </p:spTree>
+    <p:extLst>
+      <p:ext uri="{BB962C8B-B14F-4D97-AF65-F5344CB8AC3E}">
+        <p14:creationId xmlns:p14="http://schemas.microsoft.com/office/powerpoint/2010/main" val="285669867"/>
+      </p:ext>
+    </p:extLst>
+  </p:cSld>
+  <p:clrMapOvr>
+    <a:masterClrMapping/>
+  </p:clrMapOvr>
+</p:sld>
+</file>
+
+<file path=ppt/slides/slide3.xml><?xml version="1.0" encoding="utf-8"?>
 <p:sld xmlns:a="http://schemas.openxmlformats.org/drawingml/2006/main" xmlns:r="http://schemas.openxmlformats.org/officeDocument/2006/relationships" xmlns:p="http://schemas.openxmlformats.org/presentationml/2006/main">
   <p:cSld>
     <p:spTree>
@@ -4398,227 +5193,6 @@
 </p:sld>
 </file>
 
-<file path=ppt/slides/slide3.xml><?xml version="1.0" encoding="utf-8"?>
-<p:sld xmlns:a="http://schemas.openxmlformats.org/drawingml/2006/main" xmlns:r="http://schemas.openxmlformats.org/officeDocument/2006/relationships" xmlns:p="http://schemas.openxmlformats.org/presentationml/2006/main">
-  <p:cSld>
-    <p:spTree>
-      <p:nvGrpSpPr>
-        <p:cNvPr id="1" name=""/>
-        <p:cNvGrpSpPr/>
-        <p:nvPr/>
-      </p:nvGrpSpPr>
-      <p:grpSpPr>
-        <a:xfrm>
-          <a:off x="0" y="0"/>
-          <a:ext cx="0" cy="0"/>
-          <a:chOff x="0" y="0"/>
-          <a:chExt cx="0" cy="0"/>
-        </a:xfrm>
-      </p:grpSpPr>
-      <p:cxnSp>
-        <p:nvCxnSpPr>
-          <p:cNvPr id="2" name="Straight Arrow Connector 1"/>
-          <p:cNvCxnSpPr/>
-          <p:nvPr/>
-        </p:nvCxnSpPr>
-        <p:spPr>
-          <a:xfrm flipV="1">
-            <a:off x="2234242" y="750498"/>
-            <a:ext cx="0" cy="3994030"/>
-          </a:xfrm>
-          <a:prstGeom prst="straightConnector1">
-            <a:avLst/>
-          </a:prstGeom>
-          <a:ln w="57150">
-            <a:solidFill>
-              <a:schemeClr val="bg2">
-                <a:lumMod val="75000"/>
-              </a:schemeClr>
-            </a:solidFill>
-            <a:tailEnd type="triangle"/>
-          </a:ln>
-        </p:spPr>
-        <p:style>
-          <a:lnRef idx="1">
-            <a:schemeClr val="accent1"/>
-          </a:lnRef>
-          <a:fillRef idx="0">
-            <a:schemeClr val="accent1"/>
-          </a:fillRef>
-          <a:effectRef idx="0">
-            <a:schemeClr val="accent1"/>
-          </a:effectRef>
-          <a:fontRef idx="minor">
-            <a:schemeClr val="tx1"/>
-          </a:fontRef>
-        </p:style>
-      </p:cxnSp>
-      <p:cxnSp>
-        <p:nvCxnSpPr>
-          <p:cNvPr id="11" name="Straight Connector 10">
-            <a:extLst>
-              <a:ext uri="{FF2B5EF4-FFF2-40B4-BE49-F238E27FC236}">
-                <a16:creationId xmlns:a16="http://schemas.microsoft.com/office/drawing/2014/main" id="{1D5E513A-B7E9-42DB-967A-02857DBE31E4}"/>
-              </a:ext>
-            </a:extLst>
-          </p:cNvPr>
-          <p:cNvCxnSpPr>
-            <a:cxnSpLocks/>
-          </p:cNvCxnSpPr>
-          <p:nvPr/>
-        </p:nvCxnSpPr>
-        <p:spPr>
-          <a:xfrm flipV="1">
-            <a:off x="2249645" y="2493034"/>
-            <a:ext cx="5660778" cy="1457866"/>
-          </a:xfrm>
-          <a:prstGeom prst="line">
-            <a:avLst/>
-          </a:prstGeom>
-          <a:ln w="76200">
-            <a:solidFill>
-              <a:schemeClr val="accent1"/>
-            </a:solidFill>
-            <a:prstDash val="solid"/>
-          </a:ln>
-        </p:spPr>
-        <p:style>
-          <a:lnRef idx="1">
-            <a:schemeClr val="accent1"/>
-          </a:lnRef>
-          <a:fillRef idx="0">
-            <a:schemeClr val="accent1"/>
-          </a:fillRef>
-          <a:effectRef idx="0">
-            <a:schemeClr val="accent1"/>
-          </a:effectRef>
-          <a:fontRef idx="minor">
-            <a:schemeClr val="tx1"/>
-          </a:fontRef>
-        </p:style>
-      </p:cxnSp>
-      <p:cxnSp>
-        <p:nvCxnSpPr>
-          <p:cNvPr id="12" name="Straight Arrow Connector 11"/>
-          <p:cNvCxnSpPr/>
-          <p:nvPr/>
-        </p:nvCxnSpPr>
-        <p:spPr>
-          <a:xfrm>
-            <a:off x="2208362" y="4744528"/>
-            <a:ext cx="5835771" cy="13735"/>
-          </a:xfrm>
-          <a:prstGeom prst="straightConnector1">
-            <a:avLst/>
-          </a:prstGeom>
-          <a:ln w="57150">
-            <a:solidFill>
-              <a:schemeClr val="bg2">
-                <a:lumMod val="75000"/>
-              </a:schemeClr>
-            </a:solidFill>
-            <a:tailEnd type="triangle"/>
-          </a:ln>
-        </p:spPr>
-        <p:style>
-          <a:lnRef idx="1">
-            <a:schemeClr val="accent1"/>
-          </a:lnRef>
-          <a:fillRef idx="0">
-            <a:schemeClr val="accent1"/>
-          </a:fillRef>
-          <a:effectRef idx="0">
-            <a:schemeClr val="accent1"/>
-          </a:effectRef>
-          <a:fontRef idx="minor">
-            <a:schemeClr val="tx1"/>
-          </a:fontRef>
-        </p:style>
-      </p:cxnSp>
-      <p:sp>
-        <p:nvSpPr>
-          <p:cNvPr id="18" name="TextBox 17"/>
-          <p:cNvSpPr txBox="1"/>
-          <p:nvPr/>
-        </p:nvSpPr>
-        <p:spPr>
-          <a:xfrm flipH="1">
-            <a:off x="2249645" y="4744528"/>
-            <a:ext cx="3790564" cy="461665"/>
-          </a:xfrm>
-          <a:prstGeom prst="rect">
-            <a:avLst/>
-          </a:prstGeom>
-          <a:noFill/>
-        </p:spPr>
-        <p:txBody>
-          <a:bodyPr wrap="square" rtlCol="0">
-            <a:spAutoFit/>
-          </a:bodyPr>
-          <a:lstStyle/>
-          <a:p>
-            <a:r>
-              <a:rPr lang="en-US" sz="2400" b="1" dirty="0">
-                <a:solidFill>
-                  <a:schemeClr val="bg2">
-                    <a:lumMod val="75000"/>
-                  </a:schemeClr>
-                </a:solidFill>
-              </a:rPr>
-              <a:t>Income</a:t>
-            </a:r>
-          </a:p>
-        </p:txBody>
-      </p:sp>
-      <p:sp>
-        <p:nvSpPr>
-          <p:cNvPr id="23" name="TextBox 22"/>
-          <p:cNvSpPr txBox="1"/>
-          <p:nvPr/>
-        </p:nvSpPr>
-        <p:spPr>
-          <a:xfrm rot="16200000">
-            <a:off x="538075" y="1756679"/>
-            <a:ext cx="2760450" cy="461665"/>
-          </a:xfrm>
-          <a:prstGeom prst="rect">
-            <a:avLst/>
-          </a:prstGeom>
-          <a:noFill/>
-        </p:spPr>
-        <p:txBody>
-          <a:bodyPr wrap="square" rtlCol="0">
-            <a:spAutoFit/>
-          </a:bodyPr>
-          <a:lstStyle/>
-          <a:p>
-            <a:pPr algn="ctr"/>
-            <a:r>
-              <a:rPr lang="en-US" sz="2400" b="1" dirty="0">
-                <a:solidFill>
-                  <a:schemeClr val="bg2">
-                    <a:lumMod val="75000"/>
-                  </a:schemeClr>
-                </a:solidFill>
-              </a:rPr>
-              <a:t>College enrollment</a:t>
-            </a:r>
-          </a:p>
-        </p:txBody>
-      </p:sp>
-    </p:spTree>
-    <p:extLst>
-      <p:ext uri="{BB962C8B-B14F-4D97-AF65-F5344CB8AC3E}">
-        <p14:creationId xmlns:p14="http://schemas.microsoft.com/office/powerpoint/2010/main" val="1010670321"/>
-      </p:ext>
-    </p:extLst>
-  </p:cSld>
-  <p:clrMapOvr>
-    <a:masterClrMapping/>
-  </p:clrMapOvr>
-</p:sld>
-</file>
-
 <file path=ppt/slides/slide4.xml><?xml version="1.0" encoding="utf-8"?>
 <p:sld xmlns:a="http://schemas.openxmlformats.org/drawingml/2006/main" xmlns:r="http://schemas.openxmlformats.org/officeDocument/2006/relationships" xmlns:p="http://schemas.openxmlformats.org/presentationml/2006/main">
   <p:cSld>
@@ -4674,42 +5248,6 @@
           </a:fontRef>
         </p:style>
       </p:cxnSp>
-      <p:sp>
-        <p:nvSpPr>
-          <p:cNvPr id="8" name="TextBox 7"/>
-          <p:cNvSpPr txBox="1"/>
-          <p:nvPr/>
-        </p:nvSpPr>
-        <p:spPr>
-          <a:xfrm rot="16200000">
-            <a:off x="538075" y="1756679"/>
-            <a:ext cx="2760450" cy="461665"/>
-          </a:xfrm>
-          <a:prstGeom prst="rect">
-            <a:avLst/>
-          </a:prstGeom>
-          <a:noFill/>
-        </p:spPr>
-        <p:txBody>
-          <a:bodyPr wrap="square" rtlCol="0">
-            <a:spAutoFit/>
-          </a:bodyPr>
-          <a:lstStyle/>
-          <a:p>
-            <a:pPr algn="ctr"/>
-            <a:r>
-              <a:rPr lang="en-US" sz="2400" b="1" dirty="0">
-                <a:solidFill>
-                  <a:schemeClr val="bg2">
-                    <a:lumMod val="75000"/>
-                  </a:schemeClr>
-                </a:solidFill>
-              </a:rPr>
-              <a:t>College enrollment</a:t>
-            </a:r>
-          </a:p>
-        </p:txBody>
-      </p:sp>
       <p:cxnSp>
         <p:nvCxnSpPr>
           <p:cNvPr id="11" name="Straight Connector 10">
@@ -4794,230 +5332,7 @@
       </p:cxnSp>
       <p:sp>
         <p:nvSpPr>
-          <p:cNvPr id="7" name="TextBox 6"/>
-          <p:cNvSpPr txBox="1"/>
-          <p:nvPr/>
-        </p:nvSpPr>
-        <p:spPr>
-          <a:xfrm>
-            <a:off x="3990632" y="769330"/>
-            <a:ext cx="1945000" cy="400110"/>
-          </a:xfrm>
-          <a:prstGeom prst="rect">
-            <a:avLst/>
-          </a:prstGeom>
-          <a:noFill/>
-        </p:spPr>
-        <p:txBody>
-          <a:bodyPr wrap="square" rtlCol="0">
-            <a:spAutoFit/>
-          </a:bodyPr>
-          <a:lstStyle/>
-          <a:p>
-            <a:pPr algn="ctr"/>
-            <a:r>
-              <a:rPr lang="en-US" sz="2000" b="1" dirty="0">
-                <a:solidFill>
-                  <a:srgbClr val="FF0000"/>
-                </a:solidFill>
-              </a:rPr>
-              <a:t>Cutoff</a:t>
-            </a:r>
-          </a:p>
-        </p:txBody>
-      </p:sp>
-      <p:sp>
-        <p:nvSpPr>
-          <p:cNvPr id="9" name="TextBox 8"/>
-          <p:cNvSpPr txBox="1"/>
-          <p:nvPr/>
-        </p:nvSpPr>
-        <p:spPr>
-          <a:xfrm>
-            <a:off x="3933947" y="4744528"/>
-            <a:ext cx="1945000" cy="400110"/>
-          </a:xfrm>
-          <a:prstGeom prst="rect">
-            <a:avLst/>
-          </a:prstGeom>
-          <a:noFill/>
-        </p:spPr>
-        <p:txBody>
-          <a:bodyPr wrap="square" rtlCol="0">
-            <a:spAutoFit/>
-          </a:bodyPr>
-          <a:lstStyle/>
-          <a:p>
-            <a:pPr algn="ctr"/>
-            <a:r>
-              <a:rPr lang="en-US" sz="2000" b="1" dirty="0">
-                <a:solidFill>
-                  <a:srgbClr val="FF0000"/>
-                </a:solidFill>
-              </a:rPr>
-              <a:t>c</a:t>
-            </a:r>
-          </a:p>
-        </p:txBody>
-      </p:sp>
-      <p:sp>
-        <p:nvSpPr>
-          <p:cNvPr id="13" name="TextBox 12"/>
-          <p:cNvSpPr txBox="1"/>
-          <p:nvPr/>
-        </p:nvSpPr>
-        <p:spPr>
-          <a:xfrm rot="20733941">
-            <a:off x="2721946" y="3099623"/>
-            <a:ext cx="2168865" cy="400110"/>
-          </a:xfrm>
-          <a:prstGeom prst="rect">
-            <a:avLst/>
-          </a:prstGeom>
-          <a:noFill/>
-        </p:spPr>
-        <p:txBody>
-          <a:bodyPr wrap="square" rtlCol="0">
-            <a:spAutoFit/>
-          </a:bodyPr>
-          <a:lstStyle/>
-          <a:p>
-            <a:pPr algn="ctr"/>
-            <a:r>
-              <a:rPr lang="en-US" sz="2000" b="1" dirty="0">
-                <a:solidFill>
-                  <a:schemeClr val="accent1">
-                    <a:lumMod val="75000"/>
-                  </a:schemeClr>
-                </a:solidFill>
-              </a:rPr>
-              <a:t>Treatment group</a:t>
-            </a:r>
-          </a:p>
-        </p:txBody>
-      </p:sp>
-      <p:sp>
-        <p:nvSpPr>
-          <p:cNvPr id="14" name="TextBox 13"/>
-          <p:cNvSpPr txBox="1"/>
-          <p:nvPr/>
-        </p:nvSpPr>
-        <p:spPr>
-          <a:xfrm rot="20692983">
-            <a:off x="5947655" y="2737703"/>
-            <a:ext cx="2296649" cy="400110"/>
-          </a:xfrm>
-          <a:prstGeom prst="rect">
-            <a:avLst/>
-          </a:prstGeom>
-          <a:noFill/>
-        </p:spPr>
-        <p:txBody>
-          <a:bodyPr wrap="square" rtlCol="0">
-            <a:spAutoFit/>
-          </a:bodyPr>
-          <a:lstStyle/>
-          <a:p>
-            <a:pPr algn="ctr"/>
-            <a:r>
-              <a:rPr lang="en-US" sz="2000" b="1" dirty="0">
-                <a:solidFill>
-                  <a:schemeClr val="accent6">
-                    <a:lumMod val="75000"/>
-                  </a:schemeClr>
-                </a:solidFill>
-              </a:rPr>
-              <a:t>Control group</a:t>
-            </a:r>
-          </a:p>
-        </p:txBody>
-      </p:sp>
-      <p:cxnSp>
-        <p:nvCxnSpPr>
-          <p:cNvPr id="15" name="Straight Connector 14">
-            <a:extLst>
-              <a:ext uri="{FF2B5EF4-FFF2-40B4-BE49-F238E27FC236}">
-                <a16:creationId xmlns:a16="http://schemas.microsoft.com/office/drawing/2014/main" id="{1D5E513A-B7E9-42DB-967A-02857DBE31E4}"/>
-              </a:ext>
-            </a:extLst>
-          </p:cNvPr>
-          <p:cNvCxnSpPr>
-            <a:cxnSpLocks/>
-          </p:cNvCxnSpPr>
-          <p:nvPr/>
-        </p:nvCxnSpPr>
-        <p:spPr>
-          <a:xfrm flipV="1">
-            <a:off x="4934789" y="2493035"/>
-            <a:ext cx="2991036" cy="766450"/>
-          </a:xfrm>
-          <a:prstGeom prst="line">
-            <a:avLst/>
-          </a:prstGeom>
-          <a:ln w="76200">
-            <a:solidFill>
-              <a:schemeClr val="accent6">
-                <a:lumMod val="75000"/>
-              </a:schemeClr>
-            </a:solidFill>
-            <a:prstDash val="solid"/>
-          </a:ln>
-        </p:spPr>
-        <p:style>
-          <a:lnRef idx="1">
-            <a:schemeClr val="accent1"/>
-          </a:lnRef>
-          <a:fillRef idx="0">
-            <a:schemeClr val="accent1"/>
-          </a:fillRef>
-          <a:effectRef idx="0">
-            <a:schemeClr val="accent1"/>
-          </a:effectRef>
-          <a:fontRef idx="minor">
-            <a:schemeClr val="tx1"/>
-          </a:fontRef>
-        </p:style>
-      </p:cxnSp>
-      <p:cxnSp>
-        <p:nvCxnSpPr>
-          <p:cNvPr id="10" name="Straight Connector 9"/>
-          <p:cNvCxnSpPr>
-            <a:stCxn id="7" idx="2"/>
-          </p:cNvCxnSpPr>
-          <p:nvPr/>
-        </p:nvCxnSpPr>
-        <p:spPr>
-          <a:xfrm flipH="1">
-            <a:off x="4906447" y="1169440"/>
-            <a:ext cx="56685" cy="3588823"/>
-          </a:xfrm>
-          <a:prstGeom prst="line">
-            <a:avLst/>
-          </a:prstGeom>
-          <a:ln w="57150">
-            <a:solidFill>
-              <a:srgbClr val="FF0000"/>
-            </a:solidFill>
-          </a:ln>
-        </p:spPr>
-        <p:style>
-          <a:lnRef idx="1">
-            <a:schemeClr val="accent1"/>
-          </a:lnRef>
-          <a:fillRef idx="0">
-            <a:schemeClr val="accent1"/>
-          </a:fillRef>
-          <a:effectRef idx="0">
-            <a:schemeClr val="accent1"/>
-          </a:effectRef>
-          <a:fontRef idx="minor">
-            <a:schemeClr val="tx1"/>
-          </a:fontRef>
-        </p:style>
-      </p:cxnSp>
-      <p:sp>
-        <p:nvSpPr>
-          <p:cNvPr id="16" name="TextBox 15"/>
+          <p:cNvPr id="18" name="TextBox 17"/>
           <p:cNvSpPr txBox="1"/>
           <p:nvPr/>
         </p:nvSpPr>
@@ -5050,10 +5365,46 @@
           </a:p>
         </p:txBody>
       </p:sp>
+      <p:sp>
+        <p:nvSpPr>
+          <p:cNvPr id="23" name="TextBox 22"/>
+          <p:cNvSpPr txBox="1"/>
+          <p:nvPr/>
+        </p:nvSpPr>
+        <p:spPr>
+          <a:xfrm rot="16200000">
+            <a:off x="538075" y="1756679"/>
+            <a:ext cx="2760450" cy="461665"/>
+          </a:xfrm>
+          <a:prstGeom prst="rect">
+            <a:avLst/>
+          </a:prstGeom>
+          <a:noFill/>
+        </p:spPr>
+        <p:txBody>
+          <a:bodyPr wrap="square" rtlCol="0">
+            <a:spAutoFit/>
+          </a:bodyPr>
+          <a:lstStyle/>
+          <a:p>
+            <a:pPr algn="ctr"/>
+            <a:r>
+              <a:rPr lang="en-US" sz="2400" b="1" dirty="0">
+                <a:solidFill>
+                  <a:schemeClr val="bg2">
+                    <a:lumMod val="75000"/>
+                  </a:schemeClr>
+                </a:solidFill>
+              </a:rPr>
+              <a:t>College enrollment</a:t>
+            </a:r>
+          </a:p>
+        </p:txBody>
+      </p:sp>
     </p:spTree>
     <p:extLst>
       <p:ext uri="{BB962C8B-B14F-4D97-AF65-F5344CB8AC3E}">
-        <p14:creationId xmlns:p14="http://schemas.microsoft.com/office/powerpoint/2010/main" val="826168243"/>
+        <p14:creationId xmlns:p14="http://schemas.microsoft.com/office/powerpoint/2010/main" val="1010670321"/>
       </p:ext>
     </p:extLst>
   </p:cSld>
@@ -5170,8 +5521,8 @@
         </p:nvCxnSpPr>
         <p:spPr>
           <a:xfrm flipV="1">
-            <a:off x="2249645" y="2725954"/>
-            <a:ext cx="2685144" cy="715994"/>
+            <a:off x="2249645" y="2493034"/>
+            <a:ext cx="5660778" cy="1457866"/>
           </a:xfrm>
           <a:prstGeom prst="line">
             <a:avLst/>
@@ -5312,8 +5663,8 @@
         </p:nvSpPr>
         <p:spPr>
           <a:xfrm rot="20733941">
-            <a:off x="2727398" y="2589981"/>
-            <a:ext cx="2163326" cy="400110"/>
+            <a:off x="2721946" y="3099623"/>
+            <a:ext cx="2168865" cy="400110"/>
           </a:xfrm>
           <a:prstGeom prst="rect">
             <a:avLst/>
@@ -5348,7 +5699,7 @@
         </p:nvSpPr>
         <p:spPr>
           <a:xfrm rot="20692983">
-            <a:off x="5735049" y="2729557"/>
+            <a:off x="5947655" y="2737703"/>
             <a:ext cx="2296649" cy="400110"/>
           </a:xfrm>
           <a:prstGeom prst="rect">
@@ -5392,7 +5743,7 @@
         </p:nvCxnSpPr>
         <p:spPr>
           <a:xfrm flipV="1">
-            <a:off x="4934789" y="2467157"/>
+            <a:off x="4934789" y="2493035"/>
             <a:ext cx="2991036" cy="766450"/>
           </a:xfrm>
           <a:prstGeom prst="line">
@@ -5461,6 +5812,450 @@
       </p:cxnSp>
       <p:sp>
         <p:nvSpPr>
+          <p:cNvPr id="16" name="TextBox 15"/>
+          <p:cNvSpPr txBox="1"/>
+          <p:nvPr/>
+        </p:nvSpPr>
+        <p:spPr>
+          <a:xfrm flipH="1">
+            <a:off x="2249645" y="4744528"/>
+            <a:ext cx="3790564" cy="461665"/>
+          </a:xfrm>
+          <a:prstGeom prst="rect">
+            <a:avLst/>
+          </a:prstGeom>
+          <a:noFill/>
+        </p:spPr>
+        <p:txBody>
+          <a:bodyPr wrap="square" rtlCol="0">
+            <a:spAutoFit/>
+          </a:bodyPr>
+          <a:lstStyle/>
+          <a:p>
+            <a:r>
+              <a:rPr lang="en-US" sz="2400" b="1" dirty="0">
+                <a:solidFill>
+                  <a:schemeClr val="bg2">
+                    <a:lumMod val="75000"/>
+                  </a:schemeClr>
+                </a:solidFill>
+              </a:rPr>
+              <a:t>Income</a:t>
+            </a:r>
+          </a:p>
+        </p:txBody>
+      </p:sp>
+    </p:spTree>
+    <p:extLst>
+      <p:ext uri="{BB962C8B-B14F-4D97-AF65-F5344CB8AC3E}">
+        <p14:creationId xmlns:p14="http://schemas.microsoft.com/office/powerpoint/2010/main" val="826168243"/>
+      </p:ext>
+    </p:extLst>
+  </p:cSld>
+  <p:clrMapOvr>
+    <a:masterClrMapping/>
+  </p:clrMapOvr>
+</p:sld>
+</file>
+
+<file path=ppt/slides/slide6.xml><?xml version="1.0" encoding="utf-8"?>
+<p:sld xmlns:a="http://schemas.openxmlformats.org/drawingml/2006/main" xmlns:r="http://schemas.openxmlformats.org/officeDocument/2006/relationships" xmlns:p="http://schemas.openxmlformats.org/presentationml/2006/main">
+  <p:cSld>
+    <p:spTree>
+      <p:nvGrpSpPr>
+        <p:cNvPr id="1" name=""/>
+        <p:cNvGrpSpPr/>
+        <p:nvPr/>
+      </p:nvGrpSpPr>
+      <p:grpSpPr>
+        <a:xfrm>
+          <a:off x="0" y="0"/>
+          <a:ext cx="0" cy="0"/>
+          <a:chOff x="0" y="0"/>
+          <a:chExt cx="0" cy="0"/>
+        </a:xfrm>
+      </p:grpSpPr>
+      <p:cxnSp>
+        <p:nvCxnSpPr>
+          <p:cNvPr id="2" name="Straight Arrow Connector 1"/>
+          <p:cNvCxnSpPr/>
+          <p:nvPr/>
+        </p:nvCxnSpPr>
+        <p:spPr>
+          <a:xfrm flipV="1">
+            <a:off x="2234242" y="750498"/>
+            <a:ext cx="0" cy="3994030"/>
+          </a:xfrm>
+          <a:prstGeom prst="straightConnector1">
+            <a:avLst/>
+          </a:prstGeom>
+          <a:ln w="57150">
+            <a:solidFill>
+              <a:schemeClr val="bg2">
+                <a:lumMod val="75000"/>
+              </a:schemeClr>
+            </a:solidFill>
+            <a:tailEnd type="triangle"/>
+          </a:ln>
+        </p:spPr>
+        <p:style>
+          <a:lnRef idx="1">
+            <a:schemeClr val="accent1"/>
+          </a:lnRef>
+          <a:fillRef idx="0">
+            <a:schemeClr val="accent1"/>
+          </a:fillRef>
+          <a:effectRef idx="0">
+            <a:schemeClr val="accent1"/>
+          </a:effectRef>
+          <a:fontRef idx="minor">
+            <a:schemeClr val="tx1"/>
+          </a:fontRef>
+        </p:style>
+      </p:cxnSp>
+      <p:sp>
+        <p:nvSpPr>
+          <p:cNvPr id="8" name="TextBox 7"/>
+          <p:cNvSpPr txBox="1"/>
+          <p:nvPr/>
+        </p:nvSpPr>
+        <p:spPr>
+          <a:xfrm rot="16200000">
+            <a:off x="538075" y="1756679"/>
+            <a:ext cx="2760450" cy="461665"/>
+          </a:xfrm>
+          <a:prstGeom prst="rect">
+            <a:avLst/>
+          </a:prstGeom>
+          <a:noFill/>
+        </p:spPr>
+        <p:txBody>
+          <a:bodyPr wrap="square" rtlCol="0">
+            <a:spAutoFit/>
+          </a:bodyPr>
+          <a:lstStyle/>
+          <a:p>
+            <a:pPr algn="ctr"/>
+            <a:r>
+              <a:rPr lang="en-US" sz="2400" b="1" dirty="0">
+                <a:solidFill>
+                  <a:schemeClr val="bg2">
+                    <a:lumMod val="75000"/>
+                  </a:schemeClr>
+                </a:solidFill>
+              </a:rPr>
+              <a:t>College enrollment</a:t>
+            </a:r>
+          </a:p>
+        </p:txBody>
+      </p:sp>
+      <p:cxnSp>
+        <p:nvCxnSpPr>
+          <p:cNvPr id="11" name="Straight Connector 10">
+            <a:extLst>
+              <a:ext uri="{FF2B5EF4-FFF2-40B4-BE49-F238E27FC236}">
+                <a16:creationId xmlns:a16="http://schemas.microsoft.com/office/drawing/2014/main" id="{1D5E513A-B7E9-42DB-967A-02857DBE31E4}"/>
+              </a:ext>
+            </a:extLst>
+          </p:cNvPr>
+          <p:cNvCxnSpPr>
+            <a:cxnSpLocks/>
+          </p:cNvCxnSpPr>
+          <p:nvPr/>
+        </p:nvCxnSpPr>
+        <p:spPr>
+          <a:xfrm flipV="1">
+            <a:off x="2249645" y="2725954"/>
+            <a:ext cx="2685144" cy="715994"/>
+          </a:xfrm>
+          <a:prstGeom prst="line">
+            <a:avLst/>
+          </a:prstGeom>
+          <a:ln w="76200">
+            <a:solidFill>
+              <a:schemeClr val="accent1"/>
+            </a:solidFill>
+            <a:prstDash val="solid"/>
+          </a:ln>
+        </p:spPr>
+        <p:style>
+          <a:lnRef idx="1">
+            <a:schemeClr val="accent1"/>
+          </a:lnRef>
+          <a:fillRef idx="0">
+            <a:schemeClr val="accent1"/>
+          </a:fillRef>
+          <a:effectRef idx="0">
+            <a:schemeClr val="accent1"/>
+          </a:effectRef>
+          <a:fontRef idx="minor">
+            <a:schemeClr val="tx1"/>
+          </a:fontRef>
+        </p:style>
+      </p:cxnSp>
+      <p:cxnSp>
+        <p:nvCxnSpPr>
+          <p:cNvPr id="12" name="Straight Arrow Connector 11"/>
+          <p:cNvCxnSpPr/>
+          <p:nvPr/>
+        </p:nvCxnSpPr>
+        <p:spPr>
+          <a:xfrm>
+            <a:off x="2208362" y="4744528"/>
+            <a:ext cx="5835771" cy="13735"/>
+          </a:xfrm>
+          <a:prstGeom prst="straightConnector1">
+            <a:avLst/>
+          </a:prstGeom>
+          <a:ln w="57150">
+            <a:solidFill>
+              <a:schemeClr val="bg2">
+                <a:lumMod val="75000"/>
+              </a:schemeClr>
+            </a:solidFill>
+            <a:tailEnd type="triangle"/>
+          </a:ln>
+        </p:spPr>
+        <p:style>
+          <a:lnRef idx="1">
+            <a:schemeClr val="accent1"/>
+          </a:lnRef>
+          <a:fillRef idx="0">
+            <a:schemeClr val="accent1"/>
+          </a:fillRef>
+          <a:effectRef idx="0">
+            <a:schemeClr val="accent1"/>
+          </a:effectRef>
+          <a:fontRef idx="minor">
+            <a:schemeClr val="tx1"/>
+          </a:fontRef>
+        </p:style>
+      </p:cxnSp>
+      <p:sp>
+        <p:nvSpPr>
+          <p:cNvPr id="7" name="TextBox 6"/>
+          <p:cNvSpPr txBox="1"/>
+          <p:nvPr/>
+        </p:nvSpPr>
+        <p:spPr>
+          <a:xfrm>
+            <a:off x="3990632" y="769330"/>
+            <a:ext cx="1945000" cy="400110"/>
+          </a:xfrm>
+          <a:prstGeom prst="rect">
+            <a:avLst/>
+          </a:prstGeom>
+          <a:noFill/>
+        </p:spPr>
+        <p:txBody>
+          <a:bodyPr wrap="square" rtlCol="0">
+            <a:spAutoFit/>
+          </a:bodyPr>
+          <a:lstStyle/>
+          <a:p>
+            <a:pPr algn="ctr"/>
+            <a:r>
+              <a:rPr lang="en-US" sz="2000" b="1" dirty="0">
+                <a:solidFill>
+                  <a:srgbClr val="FF0000"/>
+                </a:solidFill>
+              </a:rPr>
+              <a:t>Cutoff</a:t>
+            </a:r>
+          </a:p>
+        </p:txBody>
+      </p:sp>
+      <p:sp>
+        <p:nvSpPr>
+          <p:cNvPr id="9" name="TextBox 8"/>
+          <p:cNvSpPr txBox="1"/>
+          <p:nvPr/>
+        </p:nvSpPr>
+        <p:spPr>
+          <a:xfrm>
+            <a:off x="3933947" y="4744528"/>
+            <a:ext cx="1945000" cy="400110"/>
+          </a:xfrm>
+          <a:prstGeom prst="rect">
+            <a:avLst/>
+          </a:prstGeom>
+          <a:noFill/>
+        </p:spPr>
+        <p:txBody>
+          <a:bodyPr wrap="square" rtlCol="0">
+            <a:spAutoFit/>
+          </a:bodyPr>
+          <a:lstStyle/>
+          <a:p>
+            <a:pPr algn="ctr"/>
+            <a:r>
+              <a:rPr lang="en-US" sz="2000" b="1" dirty="0">
+                <a:solidFill>
+                  <a:srgbClr val="FF0000"/>
+                </a:solidFill>
+              </a:rPr>
+              <a:t>c</a:t>
+            </a:r>
+          </a:p>
+        </p:txBody>
+      </p:sp>
+      <p:sp>
+        <p:nvSpPr>
+          <p:cNvPr id="13" name="TextBox 12"/>
+          <p:cNvSpPr txBox="1"/>
+          <p:nvPr/>
+        </p:nvSpPr>
+        <p:spPr>
+          <a:xfrm rot="20733941">
+            <a:off x="2727398" y="2589981"/>
+            <a:ext cx="2163326" cy="400110"/>
+          </a:xfrm>
+          <a:prstGeom prst="rect">
+            <a:avLst/>
+          </a:prstGeom>
+          <a:noFill/>
+        </p:spPr>
+        <p:txBody>
+          <a:bodyPr wrap="square" rtlCol="0">
+            <a:spAutoFit/>
+          </a:bodyPr>
+          <a:lstStyle/>
+          <a:p>
+            <a:pPr algn="ctr"/>
+            <a:r>
+              <a:rPr lang="en-US" sz="2000" b="1" dirty="0">
+                <a:solidFill>
+                  <a:schemeClr val="accent1">
+                    <a:lumMod val="75000"/>
+                  </a:schemeClr>
+                </a:solidFill>
+              </a:rPr>
+              <a:t>Treatment group</a:t>
+            </a:r>
+          </a:p>
+        </p:txBody>
+      </p:sp>
+      <p:sp>
+        <p:nvSpPr>
+          <p:cNvPr id="14" name="TextBox 13"/>
+          <p:cNvSpPr txBox="1"/>
+          <p:nvPr/>
+        </p:nvSpPr>
+        <p:spPr>
+          <a:xfrm rot="20692983">
+            <a:off x="5735049" y="2729557"/>
+            <a:ext cx="2296649" cy="400110"/>
+          </a:xfrm>
+          <a:prstGeom prst="rect">
+            <a:avLst/>
+          </a:prstGeom>
+          <a:noFill/>
+        </p:spPr>
+        <p:txBody>
+          <a:bodyPr wrap="square" rtlCol="0">
+            <a:spAutoFit/>
+          </a:bodyPr>
+          <a:lstStyle/>
+          <a:p>
+            <a:pPr algn="ctr"/>
+            <a:r>
+              <a:rPr lang="en-US" sz="2000" b="1" dirty="0">
+                <a:solidFill>
+                  <a:schemeClr val="accent6">
+                    <a:lumMod val="75000"/>
+                  </a:schemeClr>
+                </a:solidFill>
+              </a:rPr>
+              <a:t>Control group</a:t>
+            </a:r>
+          </a:p>
+        </p:txBody>
+      </p:sp>
+      <p:cxnSp>
+        <p:nvCxnSpPr>
+          <p:cNvPr id="15" name="Straight Connector 14">
+            <a:extLst>
+              <a:ext uri="{FF2B5EF4-FFF2-40B4-BE49-F238E27FC236}">
+                <a16:creationId xmlns:a16="http://schemas.microsoft.com/office/drawing/2014/main" id="{1D5E513A-B7E9-42DB-967A-02857DBE31E4}"/>
+              </a:ext>
+            </a:extLst>
+          </p:cNvPr>
+          <p:cNvCxnSpPr>
+            <a:cxnSpLocks/>
+          </p:cNvCxnSpPr>
+          <p:nvPr/>
+        </p:nvCxnSpPr>
+        <p:spPr>
+          <a:xfrm flipV="1">
+            <a:off x="4934789" y="2467157"/>
+            <a:ext cx="2991036" cy="766450"/>
+          </a:xfrm>
+          <a:prstGeom prst="line">
+            <a:avLst/>
+          </a:prstGeom>
+          <a:ln w="76200">
+            <a:solidFill>
+              <a:schemeClr val="accent6">
+                <a:lumMod val="75000"/>
+              </a:schemeClr>
+            </a:solidFill>
+            <a:prstDash val="solid"/>
+          </a:ln>
+        </p:spPr>
+        <p:style>
+          <a:lnRef idx="1">
+            <a:schemeClr val="accent1"/>
+          </a:lnRef>
+          <a:fillRef idx="0">
+            <a:schemeClr val="accent1"/>
+          </a:fillRef>
+          <a:effectRef idx="0">
+            <a:schemeClr val="accent1"/>
+          </a:effectRef>
+          <a:fontRef idx="minor">
+            <a:schemeClr val="tx1"/>
+          </a:fontRef>
+        </p:style>
+      </p:cxnSp>
+      <p:cxnSp>
+        <p:nvCxnSpPr>
+          <p:cNvPr id="10" name="Straight Connector 9"/>
+          <p:cNvCxnSpPr>
+            <a:stCxn id="7" idx="2"/>
+          </p:cNvCxnSpPr>
+          <p:nvPr/>
+        </p:nvCxnSpPr>
+        <p:spPr>
+          <a:xfrm flipH="1">
+            <a:off x="4906447" y="1169440"/>
+            <a:ext cx="56685" cy="3588823"/>
+          </a:xfrm>
+          <a:prstGeom prst="line">
+            <a:avLst/>
+          </a:prstGeom>
+          <a:ln w="57150">
+            <a:solidFill>
+              <a:srgbClr val="FF0000"/>
+            </a:solidFill>
+          </a:ln>
+        </p:spPr>
+        <p:style>
+          <a:lnRef idx="1">
+            <a:schemeClr val="accent1"/>
+          </a:lnRef>
+          <a:fillRef idx="0">
+            <a:schemeClr val="accent1"/>
+          </a:fillRef>
+          <a:effectRef idx="0">
+            <a:schemeClr val="accent1"/>
+          </a:effectRef>
+          <a:fontRef idx="minor">
+            <a:schemeClr val="tx1"/>
+          </a:fontRef>
+        </p:style>
+      </p:cxnSp>
+      <p:sp>
+        <p:nvSpPr>
           <p:cNvPr id="17" name="Right Brace 16"/>
           <p:cNvSpPr/>
           <p:nvPr/>
@@ -5583,7 +6378,7 @@
 </p:sld>
 </file>
 
-<file path=ppt/slides/slide6.xml><?xml version="1.0" encoding="utf-8"?>
+<file path=ppt/slides/slide7.xml><?xml version="1.0" encoding="utf-8"?>
 <p:sld xmlns:a="http://schemas.openxmlformats.org/drawingml/2006/main" xmlns:r="http://schemas.openxmlformats.org/officeDocument/2006/relationships" xmlns:p="http://schemas.openxmlformats.org/presentationml/2006/main">
   <p:cSld>
     <p:spTree>
@@ -6572,7 +7367,7 @@
 </p:sld>
 </file>
 
-<file path=ppt/slides/slide7.xml><?xml version="1.0" encoding="utf-8"?>
+<file path=ppt/slides/slide8.xml><?xml version="1.0" encoding="utf-8"?>
 <p:sld xmlns:a="http://schemas.openxmlformats.org/drawingml/2006/main" xmlns:r="http://schemas.openxmlformats.org/officeDocument/2006/relationships" xmlns:p="http://schemas.openxmlformats.org/presentationml/2006/main">
   <p:cSld>
     <p:spTree>
@@ -7081,60 +7876,6 @@
     <p:extLst>
       <p:ext uri="{BB962C8B-B14F-4D97-AF65-F5344CB8AC3E}">
         <p14:creationId xmlns:p14="http://schemas.microsoft.com/office/powerpoint/2010/main" val="2345400966"/>
-      </p:ext>
-    </p:extLst>
-  </p:cSld>
-  <p:clrMapOvr>
-    <a:masterClrMapping/>
-  </p:clrMapOvr>
-</p:sld>
-</file>
-
-<file path=ppt/slides/slide8.xml><?xml version="1.0" encoding="utf-8"?>
-<p:sld xmlns:a="http://schemas.openxmlformats.org/drawingml/2006/main" xmlns:r="http://schemas.openxmlformats.org/officeDocument/2006/relationships" xmlns:p="http://schemas.openxmlformats.org/presentationml/2006/main">
-  <p:cSld>
-    <p:spTree>
-      <p:nvGrpSpPr>
-        <p:cNvPr id="1" name=""/>
-        <p:cNvGrpSpPr/>
-        <p:nvPr/>
-      </p:nvGrpSpPr>
-      <p:grpSpPr>
-        <a:xfrm>
-          <a:off x="0" y="0"/>
-          <a:ext cx="0" cy="0"/>
-          <a:chOff x="0" y="0"/>
-          <a:chExt cx="0" cy="0"/>
-        </a:xfrm>
-      </p:grpSpPr>
-      <p:pic>
-        <p:nvPicPr>
-          <p:cNvPr id="4" name="Picture 3"/>
-          <p:cNvPicPr>
-            <a:picLocks noChangeAspect="1"/>
-          </p:cNvPicPr>
-          <p:nvPr/>
-        </p:nvPicPr>
-        <p:blipFill>
-          <a:blip r:embed="rId2"/>
-          <a:stretch>
-            <a:fillRect/>
-          </a:stretch>
-        </p:blipFill>
-        <p:spPr>
-          <a:xfrm>
-            <a:off x="3532410" y="2221887"/>
-            <a:ext cx="5127180" cy="2414225"/>
-          </a:xfrm>
-          <a:prstGeom prst="rect">
-            <a:avLst/>
-          </a:prstGeom>
-        </p:spPr>
-      </p:pic>
-    </p:spTree>
-    <p:extLst>
-      <p:ext uri="{BB962C8B-B14F-4D97-AF65-F5344CB8AC3E}">
-        <p14:creationId xmlns:p14="http://schemas.microsoft.com/office/powerpoint/2010/main" val="1410927846"/>
       </p:ext>
     </p:extLst>
   </p:cSld>
@@ -7161,34 +7902,874 @@
           <a:chExt cx="0" cy="0"/>
         </a:xfrm>
       </p:grpSpPr>
-      <p:pic>
-        <p:nvPicPr>
-          <p:cNvPr id="4" name="Picture 3"/>
-          <p:cNvPicPr>
-            <a:picLocks noChangeAspect="1"/>
-          </p:cNvPicPr>
+      <p:grpSp>
+        <p:nvGrpSpPr>
+          <p:cNvPr id="33" name="Group 32">
+            <a:extLst>
+              <a:ext uri="{FF2B5EF4-FFF2-40B4-BE49-F238E27FC236}">
+                <a16:creationId xmlns:a16="http://schemas.microsoft.com/office/drawing/2014/main" id="{26968DD5-9DB8-4E68-AA1D-5A5238C86DFD}"/>
+              </a:ext>
+            </a:extLst>
+          </p:cNvPr>
+          <p:cNvGrpSpPr/>
           <p:nvPr/>
-        </p:nvPicPr>
-        <p:blipFill>
-          <a:blip r:embed="rId2"/>
-          <a:stretch>
-            <a:fillRect/>
-          </a:stretch>
-        </p:blipFill>
-        <p:spPr>
+        </p:nvGrpSpPr>
+        <p:grpSpPr>
           <a:xfrm>
-            <a:off x="3578134" y="2194453"/>
-            <a:ext cx="5035732" cy="2469094"/>
-          </a:xfrm>
-          <a:prstGeom prst="rect">
-            <a:avLst/>
-          </a:prstGeom>
-        </p:spPr>
-      </p:pic>
+            <a:off x="1702871" y="750498"/>
+            <a:ext cx="6592215" cy="4521084"/>
+            <a:chOff x="1702871" y="750498"/>
+            <a:chExt cx="6592215" cy="4521084"/>
+          </a:xfrm>
+        </p:grpSpPr>
+        <p:sp>
+          <p:nvSpPr>
+            <p:cNvPr id="8" name="TextBox 7"/>
+            <p:cNvSpPr txBox="1"/>
+            <p:nvPr/>
+          </p:nvSpPr>
+          <p:spPr>
+            <a:xfrm rot="16200000">
+              <a:off x="153029" y="2457243"/>
+              <a:ext cx="3561349" cy="461665"/>
+            </a:xfrm>
+            <a:prstGeom prst="rect">
+              <a:avLst/>
+            </a:prstGeom>
+            <a:noFill/>
+          </p:spPr>
+          <p:txBody>
+            <a:bodyPr wrap="square" rtlCol="0">
+              <a:spAutoFit/>
+            </a:bodyPr>
+            <a:lstStyle/>
+            <a:p>
+              <a:pPr algn="ctr"/>
+              <a:r>
+                <a:rPr lang="en-US" sz="2400" b="1" dirty="0">
+                  <a:solidFill>
+                    <a:schemeClr val="bg2">
+                      <a:lumMod val="75000"/>
+                    </a:schemeClr>
+                  </a:solidFill>
+                </a:rPr>
+                <a:t>Math GPA Following Year</a:t>
+              </a:r>
+            </a:p>
+          </p:txBody>
+        </p:sp>
+        <p:cxnSp>
+          <p:nvCxnSpPr>
+            <p:cNvPr id="11" name="Straight Connector 10">
+              <a:extLst>
+                <a:ext uri="{FF2B5EF4-FFF2-40B4-BE49-F238E27FC236}">
+                  <a16:creationId xmlns:a16="http://schemas.microsoft.com/office/drawing/2014/main" id="{1D5E513A-B7E9-42DB-967A-02857DBE31E4}"/>
+                </a:ext>
+              </a:extLst>
+            </p:cNvPr>
+            <p:cNvCxnSpPr>
+              <a:cxnSpLocks/>
+            </p:cNvCxnSpPr>
+            <p:nvPr/>
+          </p:nvCxnSpPr>
+          <p:spPr>
+            <a:xfrm flipV="1">
+              <a:off x="2268747" y="2725954"/>
+              <a:ext cx="2666042" cy="698733"/>
+            </a:xfrm>
+            <a:prstGeom prst="line">
+              <a:avLst/>
+            </a:prstGeom>
+            <a:ln w="76200">
+              <a:solidFill>
+                <a:schemeClr val="accent1"/>
+              </a:solidFill>
+              <a:prstDash val="solid"/>
+            </a:ln>
+          </p:spPr>
+          <p:style>
+            <a:lnRef idx="1">
+              <a:schemeClr val="accent1"/>
+            </a:lnRef>
+            <a:fillRef idx="0">
+              <a:schemeClr val="accent1"/>
+            </a:fillRef>
+            <a:effectRef idx="0">
+              <a:schemeClr val="accent1"/>
+            </a:effectRef>
+            <a:fontRef idx="minor">
+              <a:schemeClr val="tx1"/>
+            </a:fontRef>
+          </p:style>
+        </p:cxnSp>
+        <p:cxnSp>
+          <p:nvCxnSpPr>
+            <p:cNvPr id="12" name="Straight Arrow Connector 11"/>
+            <p:cNvCxnSpPr/>
+            <p:nvPr/>
+          </p:nvCxnSpPr>
+          <p:spPr>
+            <a:xfrm>
+              <a:off x="2208362" y="4744528"/>
+              <a:ext cx="5835771" cy="13735"/>
+            </a:xfrm>
+            <a:prstGeom prst="straightConnector1">
+              <a:avLst/>
+            </a:prstGeom>
+            <a:ln w="57150">
+              <a:solidFill>
+                <a:schemeClr val="bg2">
+                  <a:lumMod val="75000"/>
+                </a:schemeClr>
+              </a:solidFill>
+              <a:tailEnd type="triangle"/>
+            </a:ln>
+          </p:spPr>
+          <p:style>
+            <a:lnRef idx="1">
+              <a:schemeClr val="accent1"/>
+            </a:lnRef>
+            <a:fillRef idx="0">
+              <a:schemeClr val="accent1"/>
+            </a:fillRef>
+            <a:effectRef idx="0">
+              <a:schemeClr val="accent1"/>
+            </a:effectRef>
+            <a:fontRef idx="minor">
+              <a:schemeClr val="tx1"/>
+            </a:fontRef>
+          </p:style>
+        </p:cxnSp>
+        <p:sp>
+          <p:nvSpPr>
+            <p:cNvPr id="7" name="TextBox 6"/>
+            <p:cNvSpPr txBox="1"/>
+            <p:nvPr/>
+          </p:nvSpPr>
+          <p:spPr>
+            <a:xfrm>
+              <a:off x="3990632" y="769330"/>
+              <a:ext cx="1945000" cy="400110"/>
+            </a:xfrm>
+            <a:prstGeom prst="rect">
+              <a:avLst/>
+            </a:prstGeom>
+            <a:noFill/>
+          </p:spPr>
+          <p:txBody>
+            <a:bodyPr wrap="square" rtlCol="0">
+              <a:spAutoFit/>
+            </a:bodyPr>
+            <a:lstStyle/>
+            <a:p>
+              <a:pPr algn="ctr"/>
+              <a:r>
+                <a:rPr lang="en-US" sz="2000" b="1" dirty="0">
+                  <a:solidFill>
+                    <a:schemeClr val="bg1">
+                      <a:lumMod val="50000"/>
+                    </a:schemeClr>
+                  </a:solidFill>
+                </a:rPr>
+                <a:t>Cutoff</a:t>
+              </a:r>
+            </a:p>
+          </p:txBody>
+        </p:sp>
+        <p:sp>
+          <p:nvSpPr>
+            <p:cNvPr id="13" name="TextBox 12"/>
+            <p:cNvSpPr txBox="1"/>
+            <p:nvPr/>
+          </p:nvSpPr>
+          <p:spPr>
+            <a:xfrm rot="20733941">
+              <a:off x="2344437" y="2708185"/>
+              <a:ext cx="2163326" cy="400110"/>
+            </a:xfrm>
+            <a:prstGeom prst="rect">
+              <a:avLst/>
+            </a:prstGeom>
+            <a:noFill/>
+          </p:spPr>
+          <p:txBody>
+            <a:bodyPr wrap="square" rtlCol="0">
+              <a:spAutoFit/>
+            </a:bodyPr>
+            <a:lstStyle/>
+            <a:p>
+              <a:pPr algn="ctr"/>
+              <a:r>
+                <a:rPr lang="en-US" sz="2000" b="1" dirty="0">
+                  <a:solidFill>
+                    <a:schemeClr val="accent1">
+                      <a:lumMod val="75000"/>
+                    </a:schemeClr>
+                  </a:solidFill>
+                </a:rPr>
+                <a:t>Treatment group</a:t>
+              </a:r>
+            </a:p>
+          </p:txBody>
+        </p:sp>
+        <p:sp>
+          <p:nvSpPr>
+            <p:cNvPr id="14" name="TextBox 13"/>
+            <p:cNvSpPr txBox="1"/>
+            <p:nvPr/>
+          </p:nvSpPr>
+          <p:spPr>
+            <a:xfrm rot="20692983">
+              <a:off x="5735049" y="2729557"/>
+              <a:ext cx="2296649" cy="400110"/>
+            </a:xfrm>
+            <a:prstGeom prst="rect">
+              <a:avLst/>
+            </a:prstGeom>
+            <a:noFill/>
+          </p:spPr>
+          <p:txBody>
+            <a:bodyPr wrap="square" rtlCol="0">
+              <a:spAutoFit/>
+            </a:bodyPr>
+            <a:lstStyle/>
+            <a:p>
+              <a:pPr algn="ctr"/>
+              <a:r>
+                <a:rPr lang="en-US" sz="2000" b="1" dirty="0">
+                  <a:solidFill>
+                    <a:schemeClr val="accent6">
+                      <a:lumMod val="75000"/>
+                    </a:schemeClr>
+                  </a:solidFill>
+                </a:rPr>
+                <a:t>Control group</a:t>
+              </a:r>
+            </a:p>
+          </p:txBody>
+        </p:sp>
+        <p:sp>
+          <p:nvSpPr>
+            <p:cNvPr id="24" name="TextBox 23"/>
+            <p:cNvSpPr txBox="1"/>
+            <p:nvPr/>
+          </p:nvSpPr>
+          <p:spPr>
+            <a:xfrm flipH="1">
+              <a:off x="2618909" y="4809917"/>
+              <a:ext cx="5676177" cy="461665"/>
+            </a:xfrm>
+            <a:prstGeom prst="rect">
+              <a:avLst/>
+            </a:prstGeom>
+            <a:noFill/>
+          </p:spPr>
+          <p:txBody>
+            <a:bodyPr wrap="square" rtlCol="0">
+              <a:spAutoFit/>
+            </a:bodyPr>
+            <a:lstStyle/>
+            <a:p>
+              <a:r>
+                <a:rPr lang="en-US" sz="2400" b="1" dirty="0">
+                  <a:solidFill>
+                    <a:schemeClr val="bg2">
+                      <a:lumMod val="75000"/>
+                    </a:schemeClr>
+                  </a:solidFill>
+                </a:rPr>
+                <a:t>Score on End of Year State Math Exam</a:t>
+              </a:r>
+            </a:p>
+          </p:txBody>
+        </p:sp>
+        <p:sp>
+          <p:nvSpPr>
+            <p:cNvPr id="16" name="TextBox 15"/>
+            <p:cNvSpPr txBox="1"/>
+            <p:nvPr/>
+          </p:nvSpPr>
+          <p:spPr>
+            <a:xfrm rot="20812007">
+              <a:off x="2315255" y="3585853"/>
+              <a:ext cx="2296649" cy="400110"/>
+            </a:xfrm>
+            <a:prstGeom prst="rect">
+              <a:avLst/>
+            </a:prstGeom>
+            <a:noFill/>
+          </p:spPr>
+          <p:txBody>
+            <a:bodyPr wrap="square" rtlCol="0">
+              <a:spAutoFit/>
+            </a:bodyPr>
+            <a:lstStyle/>
+            <a:p>
+              <a:pPr algn="ctr"/>
+              <a:r>
+                <a:rPr lang="en-US" sz="2000" b="1" dirty="0"/>
+                <a:t>Counterfactual</a:t>
+              </a:r>
+            </a:p>
+          </p:txBody>
+        </p:sp>
+        <p:cxnSp>
+          <p:nvCxnSpPr>
+            <p:cNvPr id="18" name="Straight Connector 17">
+              <a:extLst>
+                <a:ext uri="{FF2B5EF4-FFF2-40B4-BE49-F238E27FC236}">
+                  <a16:creationId xmlns:a16="http://schemas.microsoft.com/office/drawing/2014/main" id="{1D5E513A-B7E9-42DB-967A-02857DBE31E4}"/>
+                </a:ext>
+              </a:extLst>
+            </p:cNvPr>
+            <p:cNvCxnSpPr>
+              <a:cxnSpLocks/>
+            </p:cNvCxnSpPr>
+            <p:nvPr/>
+          </p:nvCxnSpPr>
+          <p:spPr>
+            <a:xfrm flipV="1">
+              <a:off x="2229230" y="3114132"/>
+              <a:ext cx="3157970" cy="809826"/>
+            </a:xfrm>
+            <a:prstGeom prst="line">
+              <a:avLst/>
+            </a:prstGeom>
+            <a:ln w="76200">
+              <a:solidFill>
+                <a:schemeClr val="tx1"/>
+              </a:solidFill>
+              <a:prstDash val="dash"/>
+            </a:ln>
+          </p:spPr>
+          <p:style>
+            <a:lnRef idx="1">
+              <a:schemeClr val="accent1"/>
+            </a:lnRef>
+            <a:fillRef idx="0">
+              <a:schemeClr val="accent1"/>
+            </a:fillRef>
+            <a:effectRef idx="0">
+              <a:schemeClr val="accent1"/>
+            </a:effectRef>
+            <a:fontRef idx="minor">
+              <a:schemeClr val="tx1"/>
+            </a:fontRef>
+          </p:style>
+        </p:cxnSp>
+        <p:cxnSp>
+          <p:nvCxnSpPr>
+            <p:cNvPr id="15" name="Straight Connector 14">
+              <a:extLst>
+                <a:ext uri="{FF2B5EF4-FFF2-40B4-BE49-F238E27FC236}">
+                  <a16:creationId xmlns:a16="http://schemas.microsoft.com/office/drawing/2014/main" id="{1D5E513A-B7E9-42DB-967A-02857DBE31E4}"/>
+                </a:ext>
+              </a:extLst>
+            </p:cNvPr>
+            <p:cNvCxnSpPr>
+              <a:cxnSpLocks/>
+            </p:cNvCxnSpPr>
+            <p:nvPr/>
+          </p:nvCxnSpPr>
+          <p:spPr>
+            <a:xfrm flipV="1">
+              <a:off x="4972406" y="2469677"/>
+              <a:ext cx="2925611" cy="749360"/>
+            </a:xfrm>
+            <a:prstGeom prst="line">
+              <a:avLst/>
+            </a:prstGeom>
+            <a:ln w="76200">
+              <a:solidFill>
+                <a:schemeClr val="accent6">
+                  <a:lumMod val="75000"/>
+                </a:schemeClr>
+              </a:solidFill>
+              <a:prstDash val="solid"/>
+            </a:ln>
+          </p:spPr>
+          <p:style>
+            <a:lnRef idx="1">
+              <a:schemeClr val="accent1"/>
+            </a:lnRef>
+            <a:fillRef idx="0">
+              <a:schemeClr val="accent1"/>
+            </a:fillRef>
+            <a:effectRef idx="0">
+              <a:schemeClr val="accent1"/>
+            </a:effectRef>
+            <a:fontRef idx="minor">
+              <a:schemeClr val="tx1"/>
+            </a:fontRef>
+          </p:style>
+        </p:cxnSp>
+        <p:cxnSp>
+          <p:nvCxnSpPr>
+            <p:cNvPr id="10" name="Straight Connector 9"/>
+            <p:cNvCxnSpPr>
+              <a:stCxn id="7" idx="2"/>
+            </p:cNvCxnSpPr>
+            <p:nvPr/>
+          </p:nvCxnSpPr>
+          <p:spPr>
+            <a:xfrm flipH="1">
+              <a:off x="4906447" y="1169440"/>
+              <a:ext cx="56685" cy="3588823"/>
+            </a:xfrm>
+            <a:prstGeom prst="line">
+              <a:avLst/>
+            </a:prstGeom>
+            <a:ln w="57150">
+              <a:solidFill>
+                <a:schemeClr val="bg1">
+                  <a:lumMod val="50000"/>
+                </a:schemeClr>
+              </a:solidFill>
+            </a:ln>
+          </p:spPr>
+          <p:style>
+            <a:lnRef idx="1">
+              <a:schemeClr val="accent1"/>
+            </a:lnRef>
+            <a:fillRef idx="0">
+              <a:schemeClr val="accent1"/>
+            </a:fillRef>
+            <a:effectRef idx="0">
+              <a:schemeClr val="accent1"/>
+            </a:effectRef>
+            <a:fontRef idx="minor">
+              <a:schemeClr val="tx1"/>
+            </a:fontRef>
+          </p:style>
+        </p:cxnSp>
+        <p:cxnSp>
+          <p:nvCxnSpPr>
+            <p:cNvPr id="2" name="Straight Arrow Connector 1"/>
+            <p:cNvCxnSpPr/>
+            <p:nvPr/>
+          </p:nvCxnSpPr>
+          <p:spPr>
+            <a:xfrm flipV="1">
+              <a:off x="2234242" y="750498"/>
+              <a:ext cx="0" cy="3994030"/>
+            </a:xfrm>
+            <a:prstGeom prst="straightConnector1">
+              <a:avLst/>
+            </a:prstGeom>
+            <a:ln w="57150">
+              <a:solidFill>
+                <a:schemeClr val="bg2">
+                  <a:lumMod val="75000"/>
+                </a:schemeClr>
+              </a:solidFill>
+              <a:tailEnd type="triangle"/>
+            </a:ln>
+          </p:spPr>
+          <p:style>
+            <a:lnRef idx="1">
+              <a:schemeClr val="accent1"/>
+            </a:lnRef>
+            <a:fillRef idx="0">
+              <a:schemeClr val="accent1"/>
+            </a:fillRef>
+            <a:effectRef idx="0">
+              <a:schemeClr val="accent1"/>
+            </a:effectRef>
+            <a:fontRef idx="minor">
+              <a:schemeClr val="tx1"/>
+            </a:fontRef>
+          </p:style>
+        </p:cxnSp>
+        <p:cxnSp>
+          <p:nvCxnSpPr>
+            <p:cNvPr id="19" name="Straight Connector 18">
+              <a:extLst>
+                <a:ext uri="{FF2B5EF4-FFF2-40B4-BE49-F238E27FC236}">
+                  <a16:creationId xmlns:a16="http://schemas.microsoft.com/office/drawing/2014/main" id="{E40A630E-6174-4323-A720-C1BCFAE46464}"/>
+                </a:ext>
+              </a:extLst>
+            </p:cNvPr>
+            <p:cNvCxnSpPr/>
+            <p:nvPr/>
+          </p:nvCxnSpPr>
+          <p:spPr>
+            <a:xfrm>
+              <a:off x="4811977" y="2808698"/>
+              <a:ext cx="0" cy="385902"/>
+            </a:xfrm>
+            <a:prstGeom prst="line">
+              <a:avLst/>
+            </a:prstGeom>
+            <a:ln w="44450">
+              <a:solidFill>
+                <a:srgbClr val="C00000"/>
+              </a:solidFill>
+              <a:headEnd type="triangle" w="med" len="sm"/>
+              <a:tailEnd type="triangle" w="med" len="sm"/>
+            </a:ln>
+          </p:spPr>
+          <p:style>
+            <a:lnRef idx="1">
+              <a:schemeClr val="accent1"/>
+            </a:lnRef>
+            <a:fillRef idx="0">
+              <a:schemeClr val="accent1"/>
+            </a:fillRef>
+            <a:effectRef idx="0">
+              <a:schemeClr val="accent1"/>
+            </a:effectRef>
+            <a:fontRef idx="minor">
+              <a:schemeClr val="tx1"/>
+            </a:fontRef>
+          </p:style>
+        </p:cxnSp>
+        <p:sp>
+          <p:nvSpPr>
+            <p:cNvPr id="25" name="Freeform: Shape 24">
+              <a:extLst>
+                <a:ext uri="{FF2B5EF4-FFF2-40B4-BE49-F238E27FC236}">
+                  <a16:creationId xmlns:a16="http://schemas.microsoft.com/office/drawing/2014/main" id="{6163FDC6-8465-469E-895A-AB741AF46720}"/>
+                </a:ext>
+              </a:extLst>
+            </p:cNvPr>
+            <p:cNvSpPr/>
+            <p:nvPr/>
+          </p:nvSpPr>
+          <p:spPr>
+            <a:xfrm>
+              <a:off x="4994865" y="1829621"/>
+              <a:ext cx="961053" cy="1163121"/>
+            </a:xfrm>
+            <a:custGeom>
+              <a:avLst/>
+              <a:gdLst>
+                <a:gd name="connsiteX0" fmla="*/ 0 w 961053"/>
+                <a:gd name="connsiteY0" fmla="*/ 1156996 h 1163121"/>
+                <a:gd name="connsiteX1" fmla="*/ 429208 w 961053"/>
+                <a:gd name="connsiteY1" fmla="*/ 989045 h 1163121"/>
+                <a:gd name="connsiteX2" fmla="*/ 961053 w 961053"/>
+                <a:gd name="connsiteY2" fmla="*/ 0 h 1163121"/>
+              </a:gdLst>
+              <a:ahLst/>
+              <a:cxnLst>
+                <a:cxn ang="0">
+                  <a:pos x="connsiteX0" y="connsiteY0"/>
+                </a:cxn>
+                <a:cxn ang="0">
+                  <a:pos x="connsiteX1" y="connsiteY1"/>
+                </a:cxn>
+                <a:cxn ang="0">
+                  <a:pos x="connsiteX2" y="connsiteY2"/>
+                </a:cxn>
+              </a:cxnLst>
+              <a:rect l="l" t="t" r="r" b="b"/>
+              <a:pathLst>
+                <a:path w="961053" h="1163121">
+                  <a:moveTo>
+                    <a:pt x="0" y="1156996"/>
+                  </a:moveTo>
+                  <a:cubicBezTo>
+                    <a:pt x="134516" y="1169436"/>
+                    <a:pt x="269033" y="1181877"/>
+                    <a:pt x="429208" y="989045"/>
+                  </a:cubicBezTo>
+                  <a:cubicBezTo>
+                    <a:pt x="589383" y="796213"/>
+                    <a:pt x="855306" y="177282"/>
+                    <a:pt x="961053" y="0"/>
+                  </a:cubicBezTo>
+                </a:path>
+              </a:pathLst>
+            </a:custGeom>
+            <a:noFill/>
+            <a:ln w="22225">
+              <a:solidFill>
+                <a:srgbClr val="C00000"/>
+              </a:solidFill>
+            </a:ln>
+          </p:spPr>
+          <p:style>
+            <a:lnRef idx="2">
+              <a:schemeClr val="accent1">
+                <a:shade val="50000"/>
+              </a:schemeClr>
+            </a:lnRef>
+            <a:fillRef idx="1">
+              <a:schemeClr val="accent1"/>
+            </a:fillRef>
+            <a:effectRef idx="0">
+              <a:schemeClr val="accent1"/>
+            </a:effectRef>
+            <a:fontRef idx="minor">
+              <a:schemeClr val="lt1"/>
+            </a:fontRef>
+          </p:style>
+          <p:txBody>
+            <a:bodyPr rtlCol="0" anchor="ctr"/>
+            <a:lstStyle/>
+            <a:p>
+              <a:pPr algn="ctr"/>
+              <a:endParaRPr lang="en-US"/>
+            </a:p>
+          </p:txBody>
+        </p:sp>
+        <p:sp>
+          <p:nvSpPr>
+            <p:cNvPr id="26" name="TextBox 25">
+              <a:extLst>
+                <a:ext uri="{FF2B5EF4-FFF2-40B4-BE49-F238E27FC236}">
+                  <a16:creationId xmlns:a16="http://schemas.microsoft.com/office/drawing/2014/main" id="{7219F52D-7EF5-40D9-8A4B-BBAF100B4306}"/>
+                </a:ext>
+              </a:extLst>
+            </p:cNvPr>
+            <p:cNvSpPr txBox="1"/>
+            <p:nvPr/>
+          </p:nvSpPr>
+          <p:spPr>
+            <a:xfrm>
+              <a:off x="5387200" y="1379670"/>
+              <a:ext cx="2321521" cy="400110"/>
+            </a:xfrm>
+            <a:prstGeom prst="rect">
+              <a:avLst/>
+            </a:prstGeom>
+            <a:noFill/>
+          </p:spPr>
+          <p:txBody>
+            <a:bodyPr wrap="square" rtlCol="0">
+              <a:spAutoFit/>
+            </a:bodyPr>
+            <a:lstStyle/>
+            <a:p>
+              <a:pPr algn="ctr"/>
+              <a:r>
+                <a:rPr lang="en-US" sz="2000" dirty="0">
+                  <a:solidFill>
+                    <a:srgbClr val="C00000"/>
+                  </a:solidFill>
+                  <a:latin typeface="Century Gothic" panose="020B0502020202020204" pitchFamily="34" charset="0"/>
+                </a:rPr>
+                <a:t>Program Impact</a:t>
+              </a:r>
+            </a:p>
+          </p:txBody>
+        </p:sp>
+        <p:sp>
+          <p:nvSpPr>
+            <p:cNvPr id="27" name="TextBox 26">
+              <a:extLst>
+                <a:ext uri="{FF2B5EF4-FFF2-40B4-BE49-F238E27FC236}">
+                  <a16:creationId xmlns:a16="http://schemas.microsoft.com/office/drawing/2014/main" id="{2956F612-FAEE-4902-9628-CC152DC7B340}"/>
+                </a:ext>
+              </a:extLst>
+            </p:cNvPr>
+            <p:cNvSpPr txBox="1"/>
+            <p:nvPr/>
+          </p:nvSpPr>
+          <p:spPr>
+            <a:xfrm>
+              <a:off x="2531882" y="1328916"/>
+              <a:ext cx="1945000" cy="400110"/>
+            </a:xfrm>
+            <a:prstGeom prst="rect">
+              <a:avLst/>
+            </a:prstGeom>
+            <a:noFill/>
+          </p:spPr>
+          <p:txBody>
+            <a:bodyPr wrap="square" rtlCol="0">
+              <a:spAutoFit/>
+            </a:bodyPr>
+            <a:lstStyle/>
+            <a:p>
+              <a:pPr algn="ctr"/>
+              <a:r>
+                <a:rPr lang="en-US" sz="2000" dirty="0">
+                  <a:solidFill>
+                    <a:schemeClr val="bg1">
+                      <a:lumMod val="50000"/>
+                    </a:schemeClr>
+                  </a:solidFill>
+                </a:rPr>
+                <a:t>Summer School</a:t>
+              </a:r>
+            </a:p>
+          </p:txBody>
+        </p:sp>
+        <p:cxnSp>
+          <p:nvCxnSpPr>
+            <p:cNvPr id="29" name="Straight Arrow Connector 28">
+              <a:extLst>
+                <a:ext uri="{FF2B5EF4-FFF2-40B4-BE49-F238E27FC236}">
+                  <a16:creationId xmlns:a16="http://schemas.microsoft.com/office/drawing/2014/main" id="{60B4C69B-5907-4185-8D44-378B079F0FEB}"/>
+                </a:ext>
+              </a:extLst>
+            </p:cNvPr>
+            <p:cNvCxnSpPr/>
+            <p:nvPr/>
+          </p:nvCxnSpPr>
+          <p:spPr>
+            <a:xfrm flipH="1">
+              <a:off x="4472766" y="1533271"/>
+              <a:ext cx="339211" cy="0"/>
+            </a:xfrm>
+            <a:prstGeom prst="straightConnector1">
+              <a:avLst/>
+            </a:prstGeom>
+            <a:ln w="28575">
+              <a:solidFill>
+                <a:schemeClr val="bg1">
+                  <a:lumMod val="50000"/>
+                </a:schemeClr>
+              </a:solidFill>
+              <a:tailEnd type="triangle"/>
+            </a:ln>
+          </p:spPr>
+          <p:style>
+            <a:lnRef idx="1">
+              <a:schemeClr val="accent1"/>
+            </a:lnRef>
+            <a:fillRef idx="0">
+              <a:schemeClr val="accent1"/>
+            </a:fillRef>
+            <a:effectRef idx="0">
+              <a:schemeClr val="accent1"/>
+            </a:effectRef>
+            <a:fontRef idx="minor">
+              <a:schemeClr val="tx1"/>
+            </a:fontRef>
+          </p:style>
+        </p:cxnSp>
+        <p:sp>
+          <p:nvSpPr>
+            <p:cNvPr id="31" name="Freeform: Shape 30">
+              <a:extLst>
+                <a:ext uri="{FF2B5EF4-FFF2-40B4-BE49-F238E27FC236}">
+                  <a16:creationId xmlns:a16="http://schemas.microsoft.com/office/drawing/2014/main" id="{326EED01-F973-4BEE-828B-D1FE44650232}"/>
+                </a:ext>
+              </a:extLst>
+            </p:cNvPr>
+            <p:cNvSpPr/>
+            <p:nvPr/>
+          </p:nvSpPr>
+          <p:spPr>
+            <a:xfrm rot="3593951">
+              <a:off x="4330252" y="3455998"/>
+              <a:ext cx="961053" cy="1163121"/>
+            </a:xfrm>
+            <a:custGeom>
+              <a:avLst/>
+              <a:gdLst>
+                <a:gd name="connsiteX0" fmla="*/ 0 w 961053"/>
+                <a:gd name="connsiteY0" fmla="*/ 1156996 h 1163121"/>
+                <a:gd name="connsiteX1" fmla="*/ 429208 w 961053"/>
+                <a:gd name="connsiteY1" fmla="*/ 989045 h 1163121"/>
+                <a:gd name="connsiteX2" fmla="*/ 961053 w 961053"/>
+                <a:gd name="connsiteY2" fmla="*/ 0 h 1163121"/>
+              </a:gdLst>
+              <a:ahLst/>
+              <a:cxnLst>
+                <a:cxn ang="0">
+                  <a:pos x="connsiteX0" y="connsiteY0"/>
+                </a:cxn>
+                <a:cxn ang="0">
+                  <a:pos x="connsiteX1" y="connsiteY1"/>
+                </a:cxn>
+                <a:cxn ang="0">
+                  <a:pos x="connsiteX2" y="connsiteY2"/>
+                </a:cxn>
+              </a:cxnLst>
+              <a:rect l="l" t="t" r="r" b="b"/>
+              <a:pathLst>
+                <a:path w="961053" h="1163121">
+                  <a:moveTo>
+                    <a:pt x="0" y="1156996"/>
+                  </a:moveTo>
+                  <a:cubicBezTo>
+                    <a:pt x="134516" y="1169436"/>
+                    <a:pt x="269033" y="1181877"/>
+                    <a:pt x="429208" y="989045"/>
+                  </a:cubicBezTo>
+                  <a:cubicBezTo>
+                    <a:pt x="589383" y="796213"/>
+                    <a:pt x="855306" y="177282"/>
+                    <a:pt x="961053" y="0"/>
+                  </a:cubicBezTo>
+                </a:path>
+              </a:pathLst>
+            </a:custGeom>
+            <a:noFill/>
+            <a:ln w="15875">
+              <a:solidFill>
+                <a:schemeClr val="tx1"/>
+              </a:solidFill>
+            </a:ln>
+          </p:spPr>
+          <p:style>
+            <a:lnRef idx="2">
+              <a:schemeClr val="accent1">
+                <a:shade val="50000"/>
+              </a:schemeClr>
+            </a:lnRef>
+            <a:fillRef idx="1">
+              <a:schemeClr val="accent1"/>
+            </a:fillRef>
+            <a:effectRef idx="0">
+              <a:schemeClr val="accent1"/>
+            </a:effectRef>
+            <a:fontRef idx="minor">
+              <a:schemeClr val="lt1"/>
+            </a:fontRef>
+          </p:style>
+          <p:txBody>
+            <a:bodyPr rtlCol="0" anchor="ctr"/>
+            <a:lstStyle/>
+            <a:p>
+              <a:pPr algn="ctr"/>
+              <a:endParaRPr lang="en-US"/>
+            </a:p>
+          </p:txBody>
+        </p:sp>
+        <p:sp>
+          <p:nvSpPr>
+            <p:cNvPr id="32" name="TextBox 31">
+              <a:extLst>
+                <a:ext uri="{FF2B5EF4-FFF2-40B4-BE49-F238E27FC236}">
+                  <a16:creationId xmlns:a16="http://schemas.microsoft.com/office/drawing/2014/main" id="{7F3D19E0-2E9C-4FA3-AC98-E6B95CAF1B65}"/>
+                </a:ext>
+              </a:extLst>
+            </p:cNvPr>
+            <p:cNvSpPr txBox="1"/>
+            <p:nvPr/>
+          </p:nvSpPr>
+          <p:spPr>
+            <a:xfrm>
+              <a:off x="5645862" y="3962178"/>
+              <a:ext cx="2252155" cy="307777"/>
+            </a:xfrm>
+            <a:prstGeom prst="rect">
+              <a:avLst/>
+            </a:prstGeom>
+            <a:noFill/>
+          </p:spPr>
+          <p:txBody>
+            <a:bodyPr wrap="none" rtlCol="0">
+              <a:spAutoFit/>
+            </a:bodyPr>
+            <a:lstStyle/>
+            <a:p>
+              <a:r>
+                <a:rPr lang="en-US" sz="1400" dirty="0"/>
+                <a:t>GPA without summer school</a:t>
+              </a:r>
+            </a:p>
+          </p:txBody>
+        </p:sp>
+      </p:grpSp>
     </p:spTree>
     <p:extLst>
       <p:ext uri="{BB962C8B-B14F-4D97-AF65-F5344CB8AC3E}">
-        <p14:creationId xmlns:p14="http://schemas.microsoft.com/office/powerpoint/2010/main" val="1403386909"/>
+        <p14:creationId xmlns:p14="http://schemas.microsoft.com/office/powerpoint/2010/main" val="1030368498"/>
       </p:ext>
     </p:extLst>
   </p:cSld>
